--- a/figures/inter_gpu_connections.pptx
+++ b/figures/inter_gpu_connections.pptx
@@ -7,7 +7,7 @@
   <p:sldIdLst>
     <p:sldId id="256" r:id="rId2"/>
   </p:sldIdLst>
-  <p:sldSz cx="9144000" cy="5143500" type="screen16x9"/>
+  <p:sldSz cx="10058400" cy="6400800"/>
   <p:notesSz cx="6858000" cy="9144000"/>
   <p:defaultTextStyle>
     <a:defPPr>
@@ -136,8 +136,8 @@
         </p:nvSpPr>
         <p:spPr>
           <a:xfrm>
-            <a:off x="685800" y="1597819"/>
-            <a:ext cx="7772400" cy="1102519"/>
+            <a:off x="754380" y="1988397"/>
+            <a:ext cx="8549640" cy="1372023"/>
           </a:xfrm>
         </p:spPr>
         <p:txBody>
@@ -164,8 +164,8 @@
         </p:nvSpPr>
         <p:spPr>
           <a:xfrm>
-            <a:off x="1371600" y="2914650"/>
-            <a:ext cx="6400800" cy="1314450"/>
+            <a:off x="1508760" y="3627120"/>
+            <a:ext cx="7040880" cy="1635760"/>
           </a:xfrm>
         </p:spPr>
         <p:txBody>
@@ -286,9 +286,9 @@
           <a:bodyPr/>
           <a:lstStyle/>
           <a:p>
-            <a:fld id="{05CE275C-2070-43CA-A4D0-69E33F45F5A2}" type="datetimeFigureOut">
-              <a:rPr lang="en-US" smtClean="0"/>
-              <a:t>3/28/2017</a:t>
+            <a:fld id="{DF0FAB3D-4F44-4284-A2F4-9F94FAC0A17E}" type="datetimeFigureOut">
+              <a:rPr lang="en-US" smtClean="0"/>
+              <a:t>4/3/2017</a:t>
             </a:fld>
             <a:endParaRPr lang="en-US"/>
           </a:p>
@@ -328,7 +328,7 @@
           <a:bodyPr/>
           <a:lstStyle/>
           <a:p>
-            <a:fld id="{B22C287A-6E40-4E11-BCF3-7869F21ADF1E}" type="slidenum">
+            <a:fld id="{597617F4-20F9-4D65-A6B0-9294203EC7BC}" type="slidenum">
               <a:rPr lang="en-US" smtClean="0"/>
               <a:t>‹#›</a:t>
             </a:fld>
@@ -339,7 +339,7 @@
     </p:spTree>
     <p:extLst>
       <p:ext uri="{BB962C8B-B14F-4D97-AF65-F5344CB8AC3E}">
-        <p14:creationId xmlns:p14="http://schemas.microsoft.com/office/powerpoint/2010/main" val="193095213"/>
+        <p14:creationId xmlns:p14="http://schemas.microsoft.com/office/powerpoint/2010/main" val="4062965376"/>
       </p:ext>
     </p:extLst>
   </p:cSld>
@@ -456,9 +456,9 @@
           <a:bodyPr/>
           <a:lstStyle/>
           <a:p>
-            <a:fld id="{05CE275C-2070-43CA-A4D0-69E33F45F5A2}" type="datetimeFigureOut">
-              <a:rPr lang="en-US" smtClean="0"/>
-              <a:t>3/28/2017</a:t>
+            <a:fld id="{DF0FAB3D-4F44-4284-A2F4-9F94FAC0A17E}" type="datetimeFigureOut">
+              <a:rPr lang="en-US" smtClean="0"/>
+              <a:t>4/3/2017</a:t>
             </a:fld>
             <a:endParaRPr lang="en-US"/>
           </a:p>
@@ -498,7 +498,7 @@
           <a:bodyPr/>
           <a:lstStyle/>
           <a:p>
-            <a:fld id="{B22C287A-6E40-4E11-BCF3-7869F21ADF1E}" type="slidenum">
+            <a:fld id="{597617F4-20F9-4D65-A6B0-9294203EC7BC}" type="slidenum">
               <a:rPr lang="en-US" smtClean="0"/>
               <a:t>‹#›</a:t>
             </a:fld>
@@ -509,7 +509,7 @@
     </p:spTree>
     <p:extLst>
       <p:ext uri="{BB962C8B-B14F-4D97-AF65-F5344CB8AC3E}">
-        <p14:creationId xmlns:p14="http://schemas.microsoft.com/office/powerpoint/2010/main" val="2914168391"/>
+        <p14:creationId xmlns:p14="http://schemas.microsoft.com/office/powerpoint/2010/main" val="1111689154"/>
       </p:ext>
     </p:extLst>
   </p:cSld>
@@ -548,8 +548,8 @@
         </p:nvSpPr>
         <p:spPr>
           <a:xfrm>
-            <a:off x="6629400" y="205979"/>
-            <a:ext cx="2057400" cy="4388644"/>
+            <a:off x="7292340" y="256329"/>
+            <a:ext cx="2263140" cy="5461423"/>
           </a:xfrm>
         </p:spPr>
         <p:txBody>
@@ -576,8 +576,8 @@
         </p:nvSpPr>
         <p:spPr>
           <a:xfrm>
-            <a:off x="457200" y="205979"/>
-            <a:ext cx="6019800" cy="4388644"/>
+            <a:off x="502920" y="256329"/>
+            <a:ext cx="6621780" cy="5461423"/>
           </a:xfrm>
         </p:spPr>
         <p:txBody>
@@ -636,9 +636,9 @@
           <a:bodyPr/>
           <a:lstStyle/>
           <a:p>
-            <a:fld id="{05CE275C-2070-43CA-A4D0-69E33F45F5A2}" type="datetimeFigureOut">
-              <a:rPr lang="en-US" smtClean="0"/>
-              <a:t>3/28/2017</a:t>
+            <a:fld id="{DF0FAB3D-4F44-4284-A2F4-9F94FAC0A17E}" type="datetimeFigureOut">
+              <a:rPr lang="en-US" smtClean="0"/>
+              <a:t>4/3/2017</a:t>
             </a:fld>
             <a:endParaRPr lang="en-US"/>
           </a:p>
@@ -678,7 +678,7 @@
           <a:bodyPr/>
           <a:lstStyle/>
           <a:p>
-            <a:fld id="{B22C287A-6E40-4E11-BCF3-7869F21ADF1E}" type="slidenum">
+            <a:fld id="{597617F4-20F9-4D65-A6B0-9294203EC7BC}" type="slidenum">
               <a:rPr lang="en-US" smtClean="0"/>
               <a:t>‹#›</a:t>
             </a:fld>
@@ -689,7 +689,7 @@
     </p:spTree>
     <p:extLst>
       <p:ext uri="{BB962C8B-B14F-4D97-AF65-F5344CB8AC3E}">
-        <p14:creationId xmlns:p14="http://schemas.microsoft.com/office/powerpoint/2010/main" val="1296589930"/>
+        <p14:creationId xmlns:p14="http://schemas.microsoft.com/office/powerpoint/2010/main" val="1938303177"/>
       </p:ext>
     </p:extLst>
   </p:cSld>
@@ -806,9 +806,9 @@
           <a:bodyPr/>
           <a:lstStyle/>
           <a:p>
-            <a:fld id="{05CE275C-2070-43CA-A4D0-69E33F45F5A2}" type="datetimeFigureOut">
-              <a:rPr lang="en-US" smtClean="0"/>
-              <a:t>3/28/2017</a:t>
+            <a:fld id="{DF0FAB3D-4F44-4284-A2F4-9F94FAC0A17E}" type="datetimeFigureOut">
+              <a:rPr lang="en-US" smtClean="0"/>
+              <a:t>4/3/2017</a:t>
             </a:fld>
             <a:endParaRPr lang="en-US"/>
           </a:p>
@@ -848,7 +848,7 @@
           <a:bodyPr/>
           <a:lstStyle/>
           <a:p>
-            <a:fld id="{B22C287A-6E40-4E11-BCF3-7869F21ADF1E}" type="slidenum">
+            <a:fld id="{597617F4-20F9-4D65-A6B0-9294203EC7BC}" type="slidenum">
               <a:rPr lang="en-US" smtClean="0"/>
               <a:t>‹#›</a:t>
             </a:fld>
@@ -859,7 +859,7 @@
     </p:spTree>
     <p:extLst>
       <p:ext uri="{BB962C8B-B14F-4D97-AF65-F5344CB8AC3E}">
-        <p14:creationId xmlns:p14="http://schemas.microsoft.com/office/powerpoint/2010/main" val="2744298441"/>
+        <p14:creationId xmlns:p14="http://schemas.microsoft.com/office/powerpoint/2010/main" val="2598054950"/>
       </p:ext>
     </p:extLst>
   </p:cSld>
@@ -898,8 +898,8 @@
         </p:nvSpPr>
         <p:spPr>
           <a:xfrm>
-            <a:off x="722313" y="3305176"/>
-            <a:ext cx="7772400" cy="1021556"/>
+            <a:off x="794544" y="4113107"/>
+            <a:ext cx="8549640" cy="1271270"/>
           </a:xfrm>
         </p:spPr>
         <p:txBody>
@@ -930,8 +930,8 @@
         </p:nvSpPr>
         <p:spPr>
           <a:xfrm>
-            <a:off x="722313" y="2180035"/>
-            <a:ext cx="7772400" cy="1125140"/>
+            <a:off x="794544" y="2712932"/>
+            <a:ext cx="8549640" cy="1400175"/>
           </a:xfrm>
         </p:spPr>
         <p:txBody>
@@ -1052,9 +1052,9 @@
           <a:bodyPr/>
           <a:lstStyle/>
           <a:p>
-            <a:fld id="{05CE275C-2070-43CA-A4D0-69E33F45F5A2}" type="datetimeFigureOut">
-              <a:rPr lang="en-US" smtClean="0"/>
-              <a:t>3/28/2017</a:t>
+            <a:fld id="{DF0FAB3D-4F44-4284-A2F4-9F94FAC0A17E}" type="datetimeFigureOut">
+              <a:rPr lang="en-US" smtClean="0"/>
+              <a:t>4/3/2017</a:t>
             </a:fld>
             <a:endParaRPr lang="en-US"/>
           </a:p>
@@ -1094,7 +1094,7 @@
           <a:bodyPr/>
           <a:lstStyle/>
           <a:p>
-            <a:fld id="{B22C287A-6E40-4E11-BCF3-7869F21ADF1E}" type="slidenum">
+            <a:fld id="{597617F4-20F9-4D65-A6B0-9294203EC7BC}" type="slidenum">
               <a:rPr lang="en-US" smtClean="0"/>
               <a:t>‹#›</a:t>
             </a:fld>
@@ -1105,7 +1105,7 @@
     </p:spTree>
     <p:extLst>
       <p:ext uri="{BB962C8B-B14F-4D97-AF65-F5344CB8AC3E}">
-        <p14:creationId xmlns:p14="http://schemas.microsoft.com/office/powerpoint/2010/main" val="325408764"/>
+        <p14:creationId xmlns:p14="http://schemas.microsoft.com/office/powerpoint/2010/main" val="1418504784"/>
       </p:ext>
     </p:extLst>
   </p:cSld>
@@ -1167,8 +1167,8 @@
         </p:nvSpPr>
         <p:spPr>
           <a:xfrm>
-            <a:off x="457200" y="1200151"/>
-            <a:ext cx="4038600" cy="3394472"/>
+            <a:off x="502920" y="1493521"/>
+            <a:ext cx="4442460" cy="4224232"/>
           </a:xfrm>
         </p:spPr>
         <p:txBody>
@@ -1252,8 +1252,8 @@
         </p:nvSpPr>
         <p:spPr>
           <a:xfrm>
-            <a:off x="4648200" y="1200151"/>
-            <a:ext cx="4038600" cy="3394472"/>
+            <a:off x="5113020" y="1493521"/>
+            <a:ext cx="4442460" cy="4224232"/>
           </a:xfrm>
         </p:spPr>
         <p:txBody>
@@ -1340,9 +1340,9 @@
           <a:bodyPr/>
           <a:lstStyle/>
           <a:p>
-            <a:fld id="{05CE275C-2070-43CA-A4D0-69E33F45F5A2}" type="datetimeFigureOut">
-              <a:rPr lang="en-US" smtClean="0"/>
-              <a:t>3/28/2017</a:t>
+            <a:fld id="{DF0FAB3D-4F44-4284-A2F4-9F94FAC0A17E}" type="datetimeFigureOut">
+              <a:rPr lang="en-US" smtClean="0"/>
+              <a:t>4/3/2017</a:t>
             </a:fld>
             <a:endParaRPr lang="en-US"/>
           </a:p>
@@ -1382,7 +1382,7 @@
           <a:bodyPr/>
           <a:lstStyle/>
           <a:p>
-            <a:fld id="{B22C287A-6E40-4E11-BCF3-7869F21ADF1E}" type="slidenum">
+            <a:fld id="{597617F4-20F9-4D65-A6B0-9294203EC7BC}" type="slidenum">
               <a:rPr lang="en-US" smtClean="0"/>
               <a:t>‹#›</a:t>
             </a:fld>
@@ -1393,7 +1393,7 @@
     </p:spTree>
     <p:extLst>
       <p:ext uri="{BB962C8B-B14F-4D97-AF65-F5344CB8AC3E}">
-        <p14:creationId xmlns:p14="http://schemas.microsoft.com/office/powerpoint/2010/main" val="1628777782"/>
+        <p14:creationId xmlns:p14="http://schemas.microsoft.com/office/powerpoint/2010/main" val="1236985182"/>
       </p:ext>
     </p:extLst>
   </p:cSld>
@@ -1459,8 +1459,8 @@
         </p:nvSpPr>
         <p:spPr>
           <a:xfrm>
-            <a:off x="457200" y="1151335"/>
-            <a:ext cx="4040188" cy="479822"/>
+            <a:off x="502920" y="1432772"/>
+            <a:ext cx="4444207" cy="597111"/>
           </a:xfrm>
         </p:spPr>
         <p:txBody>
@@ -1524,8 +1524,8 @@
         </p:nvSpPr>
         <p:spPr>
           <a:xfrm>
-            <a:off x="457200" y="1631156"/>
-            <a:ext cx="4040188" cy="2963466"/>
+            <a:off x="502920" y="2029883"/>
+            <a:ext cx="4444207" cy="3687869"/>
           </a:xfrm>
         </p:spPr>
         <p:txBody>
@@ -1609,8 +1609,8 @@
         </p:nvSpPr>
         <p:spPr>
           <a:xfrm>
-            <a:off x="4645026" y="1151335"/>
-            <a:ext cx="4041775" cy="479822"/>
+            <a:off x="5109528" y="1432772"/>
+            <a:ext cx="4445953" cy="597111"/>
           </a:xfrm>
         </p:spPr>
         <p:txBody>
@@ -1674,8 +1674,8 @@
         </p:nvSpPr>
         <p:spPr>
           <a:xfrm>
-            <a:off x="4645026" y="1631156"/>
-            <a:ext cx="4041775" cy="2963466"/>
+            <a:off x="5109528" y="2029883"/>
+            <a:ext cx="4445953" cy="3687869"/>
           </a:xfrm>
         </p:spPr>
         <p:txBody>
@@ -1762,9 +1762,9 @@
           <a:bodyPr/>
           <a:lstStyle/>
           <a:p>
-            <a:fld id="{05CE275C-2070-43CA-A4D0-69E33F45F5A2}" type="datetimeFigureOut">
-              <a:rPr lang="en-US" smtClean="0"/>
-              <a:t>3/28/2017</a:t>
+            <a:fld id="{DF0FAB3D-4F44-4284-A2F4-9F94FAC0A17E}" type="datetimeFigureOut">
+              <a:rPr lang="en-US" smtClean="0"/>
+              <a:t>4/3/2017</a:t>
             </a:fld>
             <a:endParaRPr lang="en-US"/>
           </a:p>
@@ -1804,7 +1804,7 @@
           <a:bodyPr/>
           <a:lstStyle/>
           <a:p>
-            <a:fld id="{B22C287A-6E40-4E11-BCF3-7869F21ADF1E}" type="slidenum">
+            <a:fld id="{597617F4-20F9-4D65-A6B0-9294203EC7BC}" type="slidenum">
               <a:rPr lang="en-US" smtClean="0"/>
               <a:t>‹#›</a:t>
             </a:fld>
@@ -1815,7 +1815,7 @@
     </p:spTree>
     <p:extLst>
       <p:ext uri="{BB962C8B-B14F-4D97-AF65-F5344CB8AC3E}">
-        <p14:creationId xmlns:p14="http://schemas.microsoft.com/office/powerpoint/2010/main" val="1459101454"/>
+        <p14:creationId xmlns:p14="http://schemas.microsoft.com/office/powerpoint/2010/main" val="257577860"/>
       </p:ext>
     </p:extLst>
   </p:cSld>
@@ -1880,9 +1880,9 @@
           <a:bodyPr/>
           <a:lstStyle/>
           <a:p>
-            <a:fld id="{05CE275C-2070-43CA-A4D0-69E33F45F5A2}" type="datetimeFigureOut">
-              <a:rPr lang="en-US" smtClean="0"/>
-              <a:t>3/28/2017</a:t>
+            <a:fld id="{DF0FAB3D-4F44-4284-A2F4-9F94FAC0A17E}" type="datetimeFigureOut">
+              <a:rPr lang="en-US" smtClean="0"/>
+              <a:t>4/3/2017</a:t>
             </a:fld>
             <a:endParaRPr lang="en-US"/>
           </a:p>
@@ -1922,7 +1922,7 @@
           <a:bodyPr/>
           <a:lstStyle/>
           <a:p>
-            <a:fld id="{B22C287A-6E40-4E11-BCF3-7869F21ADF1E}" type="slidenum">
+            <a:fld id="{597617F4-20F9-4D65-A6B0-9294203EC7BC}" type="slidenum">
               <a:rPr lang="en-US" smtClean="0"/>
               <a:t>‹#›</a:t>
             </a:fld>
@@ -1933,7 +1933,7 @@
     </p:spTree>
     <p:extLst>
       <p:ext uri="{BB962C8B-B14F-4D97-AF65-F5344CB8AC3E}">
-        <p14:creationId xmlns:p14="http://schemas.microsoft.com/office/powerpoint/2010/main" val="1438973139"/>
+        <p14:creationId xmlns:p14="http://schemas.microsoft.com/office/powerpoint/2010/main" val="3351505874"/>
       </p:ext>
     </p:extLst>
   </p:cSld>
@@ -1975,9 +1975,9 @@
           <a:bodyPr/>
           <a:lstStyle/>
           <a:p>
-            <a:fld id="{05CE275C-2070-43CA-A4D0-69E33F45F5A2}" type="datetimeFigureOut">
-              <a:rPr lang="en-US" smtClean="0"/>
-              <a:t>3/28/2017</a:t>
+            <a:fld id="{DF0FAB3D-4F44-4284-A2F4-9F94FAC0A17E}" type="datetimeFigureOut">
+              <a:rPr lang="en-US" smtClean="0"/>
+              <a:t>4/3/2017</a:t>
             </a:fld>
             <a:endParaRPr lang="en-US"/>
           </a:p>
@@ -2017,7 +2017,7 @@
           <a:bodyPr/>
           <a:lstStyle/>
           <a:p>
-            <a:fld id="{B22C287A-6E40-4E11-BCF3-7869F21ADF1E}" type="slidenum">
+            <a:fld id="{597617F4-20F9-4D65-A6B0-9294203EC7BC}" type="slidenum">
               <a:rPr lang="en-US" smtClean="0"/>
               <a:t>‹#›</a:t>
             </a:fld>
@@ -2028,7 +2028,7 @@
     </p:spTree>
     <p:extLst>
       <p:ext uri="{BB962C8B-B14F-4D97-AF65-F5344CB8AC3E}">
-        <p14:creationId xmlns:p14="http://schemas.microsoft.com/office/powerpoint/2010/main" val="2435359248"/>
+        <p14:creationId xmlns:p14="http://schemas.microsoft.com/office/powerpoint/2010/main" val="1479059081"/>
       </p:ext>
     </p:extLst>
   </p:cSld>
@@ -2067,8 +2067,8 @@
         </p:nvSpPr>
         <p:spPr>
           <a:xfrm>
-            <a:off x="457201" y="204787"/>
-            <a:ext cx="3008313" cy="871538"/>
+            <a:off x="502921" y="254847"/>
+            <a:ext cx="3309144" cy="1084580"/>
           </a:xfrm>
         </p:spPr>
         <p:txBody>
@@ -2099,8 +2099,8 @@
         </p:nvSpPr>
         <p:spPr>
           <a:xfrm>
-            <a:off x="3575050" y="204788"/>
-            <a:ext cx="5111750" cy="4389835"/>
+            <a:off x="3932555" y="254847"/>
+            <a:ext cx="5622925" cy="5462905"/>
           </a:xfrm>
         </p:spPr>
         <p:txBody>
@@ -2184,8 +2184,8 @@
         </p:nvSpPr>
         <p:spPr>
           <a:xfrm>
-            <a:off x="457201" y="1076326"/>
-            <a:ext cx="3008313" cy="3518297"/>
+            <a:off x="502921" y="1339427"/>
+            <a:ext cx="3309144" cy="4378325"/>
           </a:xfrm>
         </p:spPr>
         <p:txBody>
@@ -2252,9 +2252,9 @@
           <a:bodyPr/>
           <a:lstStyle/>
           <a:p>
-            <a:fld id="{05CE275C-2070-43CA-A4D0-69E33F45F5A2}" type="datetimeFigureOut">
-              <a:rPr lang="en-US" smtClean="0"/>
-              <a:t>3/28/2017</a:t>
+            <a:fld id="{DF0FAB3D-4F44-4284-A2F4-9F94FAC0A17E}" type="datetimeFigureOut">
+              <a:rPr lang="en-US" smtClean="0"/>
+              <a:t>4/3/2017</a:t>
             </a:fld>
             <a:endParaRPr lang="en-US"/>
           </a:p>
@@ -2294,7 +2294,7 @@
           <a:bodyPr/>
           <a:lstStyle/>
           <a:p>
-            <a:fld id="{B22C287A-6E40-4E11-BCF3-7869F21ADF1E}" type="slidenum">
+            <a:fld id="{597617F4-20F9-4D65-A6B0-9294203EC7BC}" type="slidenum">
               <a:rPr lang="en-US" smtClean="0"/>
               <a:t>‹#›</a:t>
             </a:fld>
@@ -2305,7 +2305,7 @@
     </p:spTree>
     <p:extLst>
       <p:ext uri="{BB962C8B-B14F-4D97-AF65-F5344CB8AC3E}">
-        <p14:creationId xmlns:p14="http://schemas.microsoft.com/office/powerpoint/2010/main" val="1788378774"/>
+        <p14:creationId xmlns:p14="http://schemas.microsoft.com/office/powerpoint/2010/main" val="1906510722"/>
       </p:ext>
     </p:extLst>
   </p:cSld>
@@ -2344,8 +2344,8 @@
         </p:nvSpPr>
         <p:spPr>
           <a:xfrm>
-            <a:off x="1792288" y="3600450"/>
-            <a:ext cx="5486400" cy="425054"/>
+            <a:off x="1971517" y="4480560"/>
+            <a:ext cx="6035040" cy="528955"/>
           </a:xfrm>
         </p:spPr>
         <p:txBody>
@@ -2376,8 +2376,8 @@
         </p:nvSpPr>
         <p:spPr>
           <a:xfrm>
-            <a:off x="1792288" y="459581"/>
-            <a:ext cx="5486400" cy="3086100"/>
+            <a:off x="1971517" y="571923"/>
+            <a:ext cx="6035040" cy="3840480"/>
           </a:xfrm>
         </p:spPr>
         <p:txBody>
@@ -2437,8 +2437,8 @@
         </p:nvSpPr>
         <p:spPr>
           <a:xfrm>
-            <a:off x="1792288" y="4025503"/>
-            <a:ext cx="5486400" cy="603647"/>
+            <a:off x="1971517" y="5009515"/>
+            <a:ext cx="6035040" cy="751205"/>
           </a:xfrm>
         </p:spPr>
         <p:txBody>
@@ -2505,9 +2505,9 @@
           <a:bodyPr/>
           <a:lstStyle/>
           <a:p>
-            <a:fld id="{05CE275C-2070-43CA-A4D0-69E33F45F5A2}" type="datetimeFigureOut">
-              <a:rPr lang="en-US" smtClean="0"/>
-              <a:t>3/28/2017</a:t>
+            <a:fld id="{DF0FAB3D-4F44-4284-A2F4-9F94FAC0A17E}" type="datetimeFigureOut">
+              <a:rPr lang="en-US" smtClean="0"/>
+              <a:t>4/3/2017</a:t>
             </a:fld>
             <a:endParaRPr lang="en-US"/>
           </a:p>
@@ -2547,7 +2547,7 @@
           <a:bodyPr/>
           <a:lstStyle/>
           <a:p>
-            <a:fld id="{B22C287A-6E40-4E11-BCF3-7869F21ADF1E}" type="slidenum">
+            <a:fld id="{597617F4-20F9-4D65-A6B0-9294203EC7BC}" type="slidenum">
               <a:rPr lang="en-US" smtClean="0"/>
               <a:t>‹#›</a:t>
             </a:fld>
@@ -2558,7 +2558,7 @@
     </p:spTree>
     <p:extLst>
       <p:ext uri="{BB962C8B-B14F-4D97-AF65-F5344CB8AC3E}">
-        <p14:creationId xmlns:p14="http://schemas.microsoft.com/office/powerpoint/2010/main" val="4098145707"/>
+        <p14:creationId xmlns:p14="http://schemas.microsoft.com/office/powerpoint/2010/main" val="484951378"/>
       </p:ext>
     </p:extLst>
   </p:cSld>
@@ -2602,8 +2602,8 @@
         </p:nvSpPr>
         <p:spPr>
           <a:xfrm>
-            <a:off x="457200" y="205979"/>
-            <a:ext cx="8229600" cy="857250"/>
+            <a:off x="502920" y="256329"/>
+            <a:ext cx="9052560" cy="1066800"/>
           </a:xfrm>
           <a:prstGeom prst="rect">
             <a:avLst/>
@@ -2635,8 +2635,8 @@
         </p:nvSpPr>
         <p:spPr>
           <a:xfrm>
-            <a:off x="457200" y="1200151"/>
-            <a:ext cx="8229600" cy="3394472"/>
+            <a:off x="502920" y="1493521"/>
+            <a:ext cx="9052560" cy="4224232"/>
           </a:xfrm>
           <a:prstGeom prst="rect">
             <a:avLst/>
@@ -2697,8 +2697,8 @@
         </p:nvSpPr>
         <p:spPr>
           <a:xfrm>
-            <a:off x="457200" y="4767263"/>
-            <a:ext cx="2133600" cy="273844"/>
+            <a:off x="502920" y="5932594"/>
+            <a:ext cx="2346960" cy="340783"/>
           </a:xfrm>
           <a:prstGeom prst="rect">
             <a:avLst/>
@@ -2718,9 +2718,9 @@
             </a:lvl1pPr>
           </a:lstStyle>
           <a:p>
-            <a:fld id="{05CE275C-2070-43CA-A4D0-69E33F45F5A2}" type="datetimeFigureOut">
-              <a:rPr lang="en-US" smtClean="0"/>
-              <a:t>3/28/2017</a:t>
+            <a:fld id="{DF0FAB3D-4F44-4284-A2F4-9F94FAC0A17E}" type="datetimeFigureOut">
+              <a:rPr lang="en-US" smtClean="0"/>
+              <a:t>4/3/2017</a:t>
             </a:fld>
             <a:endParaRPr lang="en-US"/>
           </a:p>
@@ -2738,8 +2738,8 @@
         </p:nvSpPr>
         <p:spPr>
           <a:xfrm>
-            <a:off x="3124200" y="4767263"/>
-            <a:ext cx="2895600" cy="273844"/>
+            <a:off x="3436620" y="5932594"/>
+            <a:ext cx="3185160" cy="340783"/>
           </a:xfrm>
           <a:prstGeom prst="rect">
             <a:avLst/>
@@ -2775,8 +2775,8 @@
         </p:nvSpPr>
         <p:spPr>
           <a:xfrm>
-            <a:off x="6553200" y="4767263"/>
-            <a:ext cx="2133600" cy="273844"/>
+            <a:off x="7208520" y="5932594"/>
+            <a:ext cx="2346960" cy="340783"/>
           </a:xfrm>
           <a:prstGeom prst="rect">
             <a:avLst/>
@@ -2796,7 +2796,7 @@
             </a:lvl1pPr>
           </a:lstStyle>
           <a:p>
-            <a:fld id="{B22C287A-6E40-4E11-BCF3-7869F21ADF1E}" type="slidenum">
+            <a:fld id="{597617F4-20F9-4D65-A6B0-9294203EC7BC}" type="slidenum">
               <a:rPr lang="en-US" smtClean="0"/>
               <a:t>‹#›</a:t>
             </a:fld>
@@ -2807,7 +2807,7 @@
     </p:spTree>
     <p:extLst>
       <p:ext uri="{BB962C8B-B14F-4D97-AF65-F5344CB8AC3E}">
-        <p14:creationId xmlns:p14="http://schemas.microsoft.com/office/powerpoint/2010/main" val="3597061478"/>
+        <p14:creationId xmlns:p14="http://schemas.microsoft.com/office/powerpoint/2010/main" val="4028840554"/>
       </p:ext>
     </p:extLst>
   </p:cSld>
@@ -3097,13 +3097,583 @@
       </p:grpSpPr>
       <p:sp>
         <p:nvSpPr>
-          <p:cNvPr id="29" name="Rounded Rectangle 28"/>
+          <p:cNvPr id="66" name="Rectangle 65"/>
           <p:cNvSpPr/>
           <p:nvPr/>
         </p:nvSpPr>
         <p:spPr>
           <a:xfrm>
-            <a:off x="0" y="0"/>
+            <a:off x="7229474" y="71023"/>
+            <a:ext cx="1685925" cy="5389389"/>
+          </a:xfrm>
+          <a:prstGeom prst="rect">
+            <a:avLst/>
+          </a:prstGeom>
+        </p:spPr>
+        <p:style>
+          <a:lnRef idx="1">
+            <a:schemeClr val="dk1"/>
+          </a:lnRef>
+          <a:fillRef idx="2">
+            <a:schemeClr val="dk1"/>
+          </a:fillRef>
+          <a:effectRef idx="1">
+            <a:schemeClr val="dk1"/>
+          </a:effectRef>
+          <a:fontRef idx="minor">
+            <a:schemeClr val="dk1"/>
+          </a:fontRef>
+        </p:style>
+        <p:txBody>
+          <a:bodyPr rtlCol="0" anchor="ctr"/>
+          <a:lstStyle/>
+          <a:p>
+            <a:pPr algn="ctr"/>
+            <a:endParaRPr lang="en-US"/>
+          </a:p>
+        </p:txBody>
+      </p:sp>
+      <p:sp>
+        <p:nvSpPr>
+          <p:cNvPr id="65" name="Rectangle 64"/>
+          <p:cNvSpPr/>
+          <p:nvPr/>
+        </p:nvSpPr>
+        <p:spPr>
+          <a:xfrm>
+            <a:off x="7317188" y="140286"/>
+            <a:ext cx="838200" cy="5250863"/>
+          </a:xfrm>
+          <a:prstGeom prst="rect">
+            <a:avLst/>
+          </a:prstGeom>
+        </p:spPr>
+        <p:style>
+          <a:lnRef idx="1">
+            <a:schemeClr val="accent3"/>
+          </a:lnRef>
+          <a:fillRef idx="2">
+            <a:schemeClr val="accent3"/>
+          </a:fillRef>
+          <a:effectRef idx="1">
+            <a:schemeClr val="accent3"/>
+          </a:effectRef>
+          <a:fontRef idx="minor">
+            <a:schemeClr val="dk1"/>
+          </a:fontRef>
+        </p:style>
+        <p:txBody>
+          <a:bodyPr rtlCol="0" anchor="ctr"/>
+          <a:lstStyle/>
+          <a:p>
+            <a:pPr algn="ctr"/>
+            <a:endParaRPr lang="en-US"/>
+          </a:p>
+        </p:txBody>
+      </p:sp>
+      <p:sp>
+        <p:nvSpPr>
+          <p:cNvPr id="64" name="Rectangle 63"/>
+          <p:cNvSpPr/>
+          <p:nvPr/>
+        </p:nvSpPr>
+        <p:spPr>
+          <a:xfrm>
+            <a:off x="3267074" y="1416637"/>
+            <a:ext cx="2219326" cy="2597574"/>
+          </a:xfrm>
+          <a:prstGeom prst="rect">
+            <a:avLst/>
+          </a:prstGeom>
+        </p:spPr>
+        <p:style>
+          <a:lnRef idx="1">
+            <a:schemeClr val="dk1"/>
+          </a:lnRef>
+          <a:fillRef idx="2">
+            <a:schemeClr val="dk1"/>
+          </a:fillRef>
+          <a:effectRef idx="1">
+            <a:schemeClr val="dk1"/>
+          </a:effectRef>
+          <a:fontRef idx="minor">
+            <a:schemeClr val="dk1"/>
+          </a:fontRef>
+        </p:style>
+        <p:txBody>
+          <a:bodyPr rtlCol="0" anchor="ctr"/>
+          <a:lstStyle/>
+          <a:p>
+            <a:pPr algn="ctr"/>
+            <a:endParaRPr lang="en-US"/>
+          </a:p>
+        </p:txBody>
+      </p:sp>
+      <p:sp>
+        <p:nvSpPr>
+          <p:cNvPr id="61" name="Rectangle 60"/>
+          <p:cNvSpPr/>
+          <p:nvPr/>
+        </p:nvSpPr>
+        <p:spPr>
+          <a:xfrm>
+            <a:off x="4572994" y="1466851"/>
+            <a:ext cx="838200" cy="857250"/>
+          </a:xfrm>
+          <a:prstGeom prst="rect">
+            <a:avLst/>
+          </a:prstGeom>
+        </p:spPr>
+        <p:style>
+          <a:lnRef idx="1">
+            <a:schemeClr val="accent3"/>
+          </a:lnRef>
+          <a:fillRef idx="2">
+            <a:schemeClr val="accent3"/>
+          </a:fillRef>
+          <a:effectRef idx="1">
+            <a:schemeClr val="accent3"/>
+          </a:effectRef>
+          <a:fontRef idx="minor">
+            <a:schemeClr val="dk1"/>
+          </a:fontRef>
+        </p:style>
+        <p:txBody>
+          <a:bodyPr rtlCol="0" anchor="ctr"/>
+          <a:lstStyle/>
+          <a:p>
+            <a:pPr algn="ctr"/>
+            <a:endParaRPr lang="en-US"/>
+          </a:p>
+        </p:txBody>
+      </p:sp>
+      <p:sp>
+        <p:nvSpPr>
+          <p:cNvPr id="63" name="Rectangle 62"/>
+          <p:cNvSpPr/>
+          <p:nvPr/>
+        </p:nvSpPr>
+        <p:spPr>
+          <a:xfrm>
+            <a:off x="4572994" y="3105150"/>
+            <a:ext cx="838200" cy="857250"/>
+          </a:xfrm>
+          <a:prstGeom prst="rect">
+            <a:avLst/>
+          </a:prstGeom>
+        </p:spPr>
+        <p:style>
+          <a:lnRef idx="1">
+            <a:schemeClr val="accent3"/>
+          </a:lnRef>
+          <a:fillRef idx="2">
+            <a:schemeClr val="accent3"/>
+          </a:fillRef>
+          <a:effectRef idx="1">
+            <a:schemeClr val="accent3"/>
+          </a:effectRef>
+          <a:fontRef idx="minor">
+            <a:schemeClr val="dk1"/>
+          </a:fontRef>
+        </p:style>
+        <p:txBody>
+          <a:bodyPr rtlCol="0" anchor="ctr"/>
+          <a:lstStyle/>
+          <a:p>
+            <a:pPr algn="ctr"/>
+            <a:endParaRPr lang="en-US"/>
+          </a:p>
+        </p:txBody>
+      </p:sp>
+      <p:sp>
+        <p:nvSpPr>
+          <p:cNvPr id="62" name="Rectangle 61"/>
+          <p:cNvSpPr/>
+          <p:nvPr/>
+        </p:nvSpPr>
+        <p:spPr>
+          <a:xfrm>
+            <a:off x="3352800" y="3105150"/>
+            <a:ext cx="838200" cy="857250"/>
+          </a:xfrm>
+          <a:prstGeom prst="rect">
+            <a:avLst/>
+          </a:prstGeom>
+        </p:spPr>
+        <p:style>
+          <a:lnRef idx="1">
+            <a:schemeClr val="accent3"/>
+          </a:lnRef>
+          <a:fillRef idx="2">
+            <a:schemeClr val="accent3"/>
+          </a:fillRef>
+          <a:effectRef idx="1">
+            <a:schemeClr val="accent3"/>
+          </a:effectRef>
+          <a:fontRef idx="minor">
+            <a:schemeClr val="dk1"/>
+          </a:fontRef>
+        </p:style>
+        <p:txBody>
+          <a:bodyPr rtlCol="0" anchor="ctr"/>
+          <a:lstStyle/>
+          <a:p>
+            <a:pPr algn="ctr"/>
+            <a:endParaRPr lang="en-US"/>
+          </a:p>
+        </p:txBody>
+      </p:sp>
+      <p:sp>
+        <p:nvSpPr>
+          <p:cNvPr id="60" name="Rectangle 59"/>
+          <p:cNvSpPr/>
+          <p:nvPr/>
+        </p:nvSpPr>
+        <p:spPr>
+          <a:xfrm>
+            <a:off x="3352800" y="1485900"/>
+            <a:ext cx="838200" cy="857250"/>
+          </a:xfrm>
+          <a:prstGeom prst="rect">
+            <a:avLst/>
+          </a:prstGeom>
+        </p:spPr>
+        <p:style>
+          <a:lnRef idx="1">
+            <a:schemeClr val="accent3"/>
+          </a:lnRef>
+          <a:fillRef idx="2">
+            <a:schemeClr val="accent3"/>
+          </a:fillRef>
+          <a:effectRef idx="1">
+            <a:schemeClr val="accent3"/>
+          </a:effectRef>
+          <a:fontRef idx="minor">
+            <a:schemeClr val="dk1"/>
+          </a:fontRef>
+        </p:style>
+        <p:txBody>
+          <a:bodyPr rtlCol="0" anchor="ctr"/>
+          <a:lstStyle/>
+          <a:p>
+            <a:pPr algn="ctr"/>
+            <a:endParaRPr lang="en-US"/>
+          </a:p>
+        </p:txBody>
+      </p:sp>
+      <p:sp>
+        <p:nvSpPr>
+          <p:cNvPr id="55" name="Rectangle 54"/>
+          <p:cNvSpPr/>
+          <p:nvPr/>
+        </p:nvSpPr>
+        <p:spPr>
+          <a:xfrm>
+            <a:off x="152400" y="2788237"/>
+            <a:ext cx="1009650" cy="995776"/>
+          </a:xfrm>
+          <a:prstGeom prst="rect">
+            <a:avLst/>
+          </a:prstGeom>
+        </p:spPr>
+        <p:style>
+          <a:lnRef idx="1">
+            <a:schemeClr val="dk1"/>
+          </a:lnRef>
+          <a:fillRef idx="2">
+            <a:schemeClr val="dk1"/>
+          </a:fillRef>
+          <a:effectRef idx="1">
+            <a:schemeClr val="dk1"/>
+          </a:effectRef>
+          <a:fontRef idx="minor">
+            <a:schemeClr val="dk1"/>
+          </a:fontRef>
+        </p:style>
+        <p:txBody>
+          <a:bodyPr rtlCol="0" anchor="ctr"/>
+          <a:lstStyle/>
+          <a:p>
+            <a:pPr algn="ctr"/>
+            <a:endParaRPr lang="en-US"/>
+          </a:p>
+        </p:txBody>
+      </p:sp>
+      <p:sp>
+        <p:nvSpPr>
+          <p:cNvPr id="56" name="Rectangle 55"/>
+          <p:cNvSpPr/>
+          <p:nvPr/>
+        </p:nvSpPr>
+        <p:spPr>
+          <a:xfrm>
+            <a:off x="152400" y="4464637"/>
+            <a:ext cx="1009650" cy="995776"/>
+          </a:xfrm>
+          <a:prstGeom prst="rect">
+            <a:avLst/>
+          </a:prstGeom>
+        </p:spPr>
+        <p:style>
+          <a:lnRef idx="1">
+            <a:schemeClr val="dk1"/>
+          </a:lnRef>
+          <a:fillRef idx="2">
+            <a:schemeClr val="dk1"/>
+          </a:fillRef>
+          <a:effectRef idx="1">
+            <a:schemeClr val="dk1"/>
+          </a:effectRef>
+          <a:fontRef idx="minor">
+            <a:schemeClr val="dk1"/>
+          </a:fontRef>
+        </p:style>
+        <p:txBody>
+          <a:bodyPr rtlCol="0" anchor="ctr"/>
+          <a:lstStyle/>
+          <a:p>
+            <a:pPr algn="ctr"/>
+            <a:endParaRPr lang="en-US"/>
+          </a:p>
+        </p:txBody>
+      </p:sp>
+      <p:sp>
+        <p:nvSpPr>
+          <p:cNvPr id="54" name="Rectangle 53"/>
+          <p:cNvSpPr/>
+          <p:nvPr/>
+        </p:nvSpPr>
+        <p:spPr>
+          <a:xfrm>
+            <a:off x="238125" y="4533900"/>
+            <a:ext cx="838200" cy="857250"/>
+          </a:xfrm>
+          <a:prstGeom prst="rect">
+            <a:avLst/>
+          </a:prstGeom>
+        </p:spPr>
+        <p:style>
+          <a:lnRef idx="1">
+            <a:schemeClr val="accent3"/>
+          </a:lnRef>
+          <a:fillRef idx="2">
+            <a:schemeClr val="accent3"/>
+          </a:fillRef>
+          <a:effectRef idx="1">
+            <a:schemeClr val="accent3"/>
+          </a:effectRef>
+          <a:fontRef idx="minor">
+            <a:schemeClr val="dk1"/>
+          </a:fontRef>
+        </p:style>
+        <p:txBody>
+          <a:bodyPr rtlCol="0" anchor="ctr"/>
+          <a:lstStyle/>
+          <a:p>
+            <a:pPr algn="ctr"/>
+            <a:endParaRPr lang="en-US"/>
+          </a:p>
+        </p:txBody>
+      </p:sp>
+      <p:sp>
+        <p:nvSpPr>
+          <p:cNvPr id="53" name="Rectangle 52"/>
+          <p:cNvSpPr/>
+          <p:nvPr/>
+        </p:nvSpPr>
+        <p:spPr>
+          <a:xfrm>
+            <a:off x="228600" y="2857500"/>
+            <a:ext cx="838200" cy="857250"/>
+          </a:xfrm>
+          <a:prstGeom prst="rect">
+            <a:avLst/>
+          </a:prstGeom>
+        </p:spPr>
+        <p:style>
+          <a:lnRef idx="1">
+            <a:schemeClr val="accent3"/>
+          </a:lnRef>
+          <a:fillRef idx="2">
+            <a:schemeClr val="accent3"/>
+          </a:fillRef>
+          <a:effectRef idx="1">
+            <a:schemeClr val="accent3"/>
+          </a:effectRef>
+          <a:fontRef idx="minor">
+            <a:schemeClr val="dk1"/>
+          </a:fontRef>
+        </p:style>
+        <p:txBody>
+          <a:bodyPr rtlCol="0" anchor="ctr"/>
+          <a:lstStyle/>
+          <a:p>
+            <a:pPr algn="ctr"/>
+            <a:endParaRPr lang="en-US"/>
+          </a:p>
+        </p:txBody>
+      </p:sp>
+      <p:sp>
+        <p:nvSpPr>
+          <p:cNvPr id="52" name="Rectangle 51"/>
+          <p:cNvSpPr/>
+          <p:nvPr/>
+        </p:nvSpPr>
+        <p:spPr>
+          <a:xfrm>
+            <a:off x="152400" y="1721436"/>
+            <a:ext cx="1009650" cy="995776"/>
+          </a:xfrm>
+          <a:prstGeom prst="rect">
+            <a:avLst/>
+          </a:prstGeom>
+        </p:spPr>
+        <p:style>
+          <a:lnRef idx="1">
+            <a:schemeClr val="dk1"/>
+          </a:lnRef>
+          <a:fillRef idx="2">
+            <a:schemeClr val="dk1"/>
+          </a:fillRef>
+          <a:effectRef idx="1">
+            <a:schemeClr val="dk1"/>
+          </a:effectRef>
+          <a:fontRef idx="minor">
+            <a:schemeClr val="dk1"/>
+          </a:fontRef>
+        </p:style>
+        <p:txBody>
+          <a:bodyPr rtlCol="0" anchor="ctr"/>
+          <a:lstStyle/>
+          <a:p>
+            <a:pPr algn="ctr"/>
+            <a:endParaRPr lang="en-US"/>
+          </a:p>
+        </p:txBody>
+      </p:sp>
+      <p:sp>
+        <p:nvSpPr>
+          <p:cNvPr id="51" name="Rectangle 50"/>
+          <p:cNvSpPr/>
+          <p:nvPr/>
+        </p:nvSpPr>
+        <p:spPr>
+          <a:xfrm>
+            <a:off x="228600" y="1790699"/>
+            <a:ext cx="838200" cy="857250"/>
+          </a:xfrm>
+          <a:prstGeom prst="rect">
+            <a:avLst/>
+          </a:prstGeom>
+        </p:spPr>
+        <p:style>
+          <a:lnRef idx="1">
+            <a:schemeClr val="accent3"/>
+          </a:lnRef>
+          <a:fillRef idx="2">
+            <a:schemeClr val="accent3"/>
+          </a:fillRef>
+          <a:effectRef idx="1">
+            <a:schemeClr val="accent3"/>
+          </a:effectRef>
+          <a:fontRef idx="minor">
+            <a:schemeClr val="dk1"/>
+          </a:fontRef>
+        </p:style>
+        <p:txBody>
+          <a:bodyPr rtlCol="0" anchor="ctr"/>
+          <a:lstStyle/>
+          <a:p>
+            <a:pPr algn="ctr"/>
+            <a:endParaRPr lang="en-US"/>
+          </a:p>
+        </p:txBody>
+      </p:sp>
+      <p:sp>
+        <p:nvSpPr>
+          <p:cNvPr id="50" name="Rectangle 49"/>
+          <p:cNvSpPr/>
+          <p:nvPr/>
+        </p:nvSpPr>
+        <p:spPr>
+          <a:xfrm>
+            <a:off x="152400" y="71024"/>
+            <a:ext cx="1009650" cy="995776"/>
+          </a:xfrm>
+          <a:prstGeom prst="rect">
+            <a:avLst/>
+          </a:prstGeom>
+        </p:spPr>
+        <p:style>
+          <a:lnRef idx="1">
+            <a:schemeClr val="dk1"/>
+          </a:lnRef>
+          <a:fillRef idx="2">
+            <a:schemeClr val="dk1"/>
+          </a:fillRef>
+          <a:effectRef idx="1">
+            <a:schemeClr val="dk1"/>
+          </a:effectRef>
+          <a:fontRef idx="minor">
+            <a:schemeClr val="dk1"/>
+          </a:fontRef>
+        </p:style>
+        <p:txBody>
+          <a:bodyPr rtlCol="0" anchor="ctr"/>
+          <a:lstStyle/>
+          <a:p>
+            <a:pPr algn="ctr"/>
+            <a:endParaRPr lang="en-US"/>
+          </a:p>
+        </p:txBody>
+      </p:sp>
+      <p:sp>
+        <p:nvSpPr>
+          <p:cNvPr id="49" name="Rectangle 48"/>
+          <p:cNvSpPr/>
+          <p:nvPr/>
+        </p:nvSpPr>
+        <p:spPr>
+          <a:xfrm>
+            <a:off x="228600" y="133350"/>
+            <a:ext cx="838200" cy="857250"/>
+          </a:xfrm>
+          <a:prstGeom prst="rect">
+            <a:avLst/>
+          </a:prstGeom>
+        </p:spPr>
+        <p:style>
+          <a:lnRef idx="1">
+            <a:schemeClr val="accent3"/>
+          </a:lnRef>
+          <a:fillRef idx="2">
+            <a:schemeClr val="accent3"/>
+          </a:fillRef>
+          <a:effectRef idx="1">
+            <a:schemeClr val="accent3"/>
+          </a:effectRef>
+          <a:fontRef idx="minor">
+            <a:schemeClr val="dk1"/>
+          </a:fontRef>
+        </p:style>
+        <p:txBody>
+          <a:bodyPr rtlCol="0" anchor="ctr"/>
+          <a:lstStyle/>
+          <a:p>
+            <a:pPr algn="ctr"/>
+            <a:endParaRPr lang="en-US"/>
+          </a:p>
+        </p:txBody>
+      </p:sp>
+      <p:sp>
+        <p:nvSpPr>
+          <p:cNvPr id="4" name="Rounded Rectangle 3"/>
+          <p:cNvSpPr/>
+          <p:nvPr/>
+        </p:nvSpPr>
+        <p:spPr>
+          <a:xfrm>
+            <a:off x="304800" y="190500"/>
             <a:ext cx="685800" cy="742950"/>
           </a:xfrm>
           <a:prstGeom prst="roundRect">
@@ -3139,13 +3709,13 @@
       </p:sp>
       <p:sp>
         <p:nvSpPr>
-          <p:cNvPr id="36" name="Rounded Rectangle 35"/>
+          <p:cNvPr id="5" name="Rounded Rectangle 4"/>
           <p:cNvSpPr/>
           <p:nvPr/>
         </p:nvSpPr>
         <p:spPr>
           <a:xfrm>
-            <a:off x="1447800" y="2190751"/>
+            <a:off x="1752600" y="2381251"/>
             <a:ext cx="685800" cy="762000"/>
           </a:xfrm>
           <a:prstGeom prst="roundRect">
@@ -3185,17 +3755,17 @@
       </p:sp>
       <p:cxnSp>
         <p:nvCxnSpPr>
-          <p:cNvPr id="38" name="Elbow Connector 37"/>
+          <p:cNvPr id="6" name="Elbow Connector 5"/>
           <p:cNvCxnSpPr>
-            <a:stCxn id="36" idx="0"/>
-            <a:endCxn id="75" idx="3"/>
+            <a:stCxn id="5" idx="0"/>
+            <a:endCxn id="46" idx="3"/>
           </p:cNvCxnSpPr>
           <p:nvPr/>
         </p:nvCxnSpPr>
         <p:spPr>
           <a:xfrm rot="16200000" flipV="1">
-            <a:off x="1143000" y="1543051"/>
-            <a:ext cx="952501" cy="342900"/>
+            <a:off x="1438275" y="1724026"/>
+            <a:ext cx="971551" cy="342900"/>
           </a:xfrm>
           <a:prstGeom prst="bentConnector2">
             <a:avLst/>
@@ -3225,17 +3795,17 @@
       </p:cxnSp>
       <p:cxnSp>
         <p:nvCxnSpPr>
-          <p:cNvPr id="39" name="Elbow Connector 38"/>
+          <p:cNvPr id="7" name="Elbow Connector 6"/>
           <p:cNvCxnSpPr>
-            <a:stCxn id="81" idx="3"/>
-            <a:endCxn id="36" idx="2"/>
+            <a:stCxn id="15" idx="3"/>
+            <a:endCxn id="5" idx="2"/>
           </p:cNvCxnSpPr>
           <p:nvPr/>
         </p:nvCxnSpPr>
         <p:spPr>
           <a:xfrm flipV="1">
-            <a:off x="1447800" y="2952751"/>
-            <a:ext cx="342900" cy="1028699"/>
+            <a:off x="1752600" y="3143251"/>
+            <a:ext cx="342900" cy="1009649"/>
           </a:xfrm>
           <a:prstGeom prst="bentConnector2">
             <a:avLst/>
@@ -3265,17 +3835,17 @@
       </p:cxnSp>
       <p:cxnSp>
         <p:nvCxnSpPr>
-          <p:cNvPr id="42" name="Elbow Connector 41"/>
+          <p:cNvPr id="8" name="Elbow Connector 7"/>
           <p:cNvCxnSpPr>
-            <a:stCxn id="75" idx="0"/>
-            <a:endCxn id="29" idx="3"/>
+            <a:stCxn id="46" idx="0"/>
+            <a:endCxn id="4" idx="3"/>
           </p:cNvCxnSpPr>
           <p:nvPr/>
         </p:nvCxnSpPr>
         <p:spPr>
           <a:xfrm rot="16200000" flipV="1">
-            <a:off x="557213" y="500063"/>
-            <a:ext cx="600075" cy="342900"/>
+            <a:off x="871538" y="681038"/>
+            <a:ext cx="581025" cy="342900"/>
           </a:xfrm>
           <a:prstGeom prst="bentConnector2">
             <a:avLst/>
@@ -3305,17 +3875,17 @@
       </p:cxnSp>
       <p:cxnSp>
         <p:nvCxnSpPr>
-          <p:cNvPr id="45" name="Elbow Connector 44"/>
+          <p:cNvPr id="9" name="Elbow Connector 8"/>
           <p:cNvCxnSpPr>
-            <a:stCxn id="62" idx="3"/>
-            <a:endCxn id="75" idx="2"/>
+            <a:stCxn id="12" idx="3"/>
+            <a:endCxn id="46" idx="2"/>
           </p:cNvCxnSpPr>
           <p:nvPr/>
         </p:nvCxnSpPr>
         <p:spPr>
           <a:xfrm flipV="1">
-            <a:off x="685800" y="1504950"/>
-            <a:ext cx="342900" cy="523874"/>
+            <a:off x="990600" y="1676400"/>
+            <a:ext cx="342900" cy="542924"/>
           </a:xfrm>
           <a:prstGeom prst="bentConnector2">
             <a:avLst/>
@@ -3345,17 +3915,17 @@
       </p:cxnSp>
       <p:cxnSp>
         <p:nvCxnSpPr>
-          <p:cNvPr id="48" name="Elbow Connector 47"/>
+          <p:cNvPr id="10" name="Elbow Connector 9"/>
           <p:cNvCxnSpPr>
-            <a:stCxn id="81" idx="0"/>
-            <a:endCxn id="63" idx="3"/>
+            <a:stCxn id="15" idx="0"/>
+            <a:endCxn id="13" idx="3"/>
           </p:cNvCxnSpPr>
           <p:nvPr/>
         </p:nvCxnSpPr>
         <p:spPr>
           <a:xfrm rot="16200000" flipV="1">
-            <a:off x="547688" y="3233738"/>
-            <a:ext cx="619125" cy="342900"/>
+            <a:off x="862013" y="3414713"/>
+            <a:ext cx="600075" cy="342900"/>
           </a:xfrm>
           <a:prstGeom prst="bentConnector2">
             <a:avLst/>
@@ -3385,17 +3955,17 @@
       </p:cxnSp>
       <p:cxnSp>
         <p:nvCxnSpPr>
-          <p:cNvPr id="51" name="Elbow Connector 50"/>
+          <p:cNvPr id="11" name="Elbow Connector 10"/>
           <p:cNvCxnSpPr>
-            <a:stCxn id="64" idx="3"/>
-            <a:endCxn id="81" idx="2"/>
+            <a:stCxn id="14" idx="3"/>
+            <a:endCxn id="15" idx="2"/>
           </p:cNvCxnSpPr>
           <p:nvPr/>
         </p:nvCxnSpPr>
         <p:spPr>
           <a:xfrm flipV="1">
-            <a:off x="685800" y="4248150"/>
-            <a:ext cx="342900" cy="523875"/>
+            <a:off x="990600" y="4419600"/>
+            <a:ext cx="342900" cy="542925"/>
           </a:xfrm>
           <a:prstGeom prst="bentConnector2">
             <a:avLst/>
@@ -3425,13 +3995,13 @@
       </p:cxnSp>
       <p:sp>
         <p:nvSpPr>
-          <p:cNvPr id="62" name="Rounded Rectangle 61"/>
+          <p:cNvPr id="12" name="Rounded Rectangle 11"/>
           <p:cNvSpPr/>
           <p:nvPr/>
         </p:nvSpPr>
         <p:spPr>
           <a:xfrm>
-            <a:off x="1988" y="1657349"/>
+            <a:off x="306788" y="1847849"/>
             <a:ext cx="683812" cy="742950"/>
           </a:xfrm>
           <a:prstGeom prst="roundRect">
@@ -3467,13 +4037,13 @@
       </p:sp>
       <p:sp>
         <p:nvSpPr>
-          <p:cNvPr id="63" name="Rounded Rectangle 62"/>
+          <p:cNvPr id="13" name="Rounded Rectangle 12"/>
           <p:cNvSpPr/>
           <p:nvPr/>
         </p:nvSpPr>
         <p:spPr>
           <a:xfrm>
-            <a:off x="1988" y="2724150"/>
+            <a:off x="306788" y="2914650"/>
             <a:ext cx="683812" cy="742950"/>
           </a:xfrm>
           <a:prstGeom prst="roundRect">
@@ -3509,13 +4079,13 @@
       </p:sp>
       <p:sp>
         <p:nvSpPr>
-          <p:cNvPr id="64" name="Rounded Rectangle 63"/>
+          <p:cNvPr id="14" name="Rounded Rectangle 13"/>
           <p:cNvSpPr/>
           <p:nvPr/>
         </p:nvSpPr>
         <p:spPr>
           <a:xfrm>
-            <a:off x="1988" y="4400550"/>
+            <a:off x="306788" y="4591050"/>
             <a:ext cx="683812" cy="742950"/>
           </a:xfrm>
           <a:prstGeom prst="roundRect">
@@ -3551,13 +4121,13 @@
       </p:sp>
       <p:sp>
         <p:nvSpPr>
-          <p:cNvPr id="81" name="Rectangle 80"/>
+          <p:cNvPr id="15" name="Rectangle 14"/>
           <p:cNvSpPr/>
           <p:nvPr/>
         </p:nvSpPr>
         <p:spPr>
           <a:xfrm>
-            <a:off x="609600" y="3714750"/>
+            <a:off x="914400" y="3886200"/>
             <a:ext cx="838200" cy="533400"/>
           </a:xfrm>
           <a:prstGeom prst="rect">
@@ -3591,11 +4161,7 @@
             </a:r>
             <a:r>
               <a:rPr lang="en-US" b="1" dirty="0" smtClean="0"/>
-              <a:t> </a:t>
-            </a:r>
-            <a:r>
-              <a:rPr lang="en-US" b="1" dirty="0" smtClean="0"/>
-              <a:t>Switch</a:t>
+              <a:t> Switch</a:t>
             </a:r>
             <a:endParaRPr lang="en-US" b="1" dirty="0"/>
           </a:p>
@@ -3603,13 +4169,13 @@
       </p:sp>
       <p:sp>
         <p:nvSpPr>
-          <p:cNvPr id="91" name="Rounded Rectangle 90"/>
+          <p:cNvPr id="16" name="Rounded Rectangle 15"/>
           <p:cNvSpPr/>
           <p:nvPr/>
         </p:nvSpPr>
         <p:spPr>
           <a:xfrm>
-            <a:off x="2895600" y="1352550"/>
+            <a:off x="3429000" y="1543050"/>
             <a:ext cx="685800" cy="742950"/>
           </a:xfrm>
           <a:prstGeom prst="roundRect">
@@ -3645,13 +4211,13 @@
       </p:sp>
       <p:sp>
         <p:nvSpPr>
-          <p:cNvPr id="92" name="Rounded Rectangle 91"/>
+          <p:cNvPr id="17" name="Rounded Rectangle 16"/>
           <p:cNvSpPr/>
           <p:nvPr/>
         </p:nvSpPr>
         <p:spPr>
           <a:xfrm>
-            <a:off x="4116788" y="1352550"/>
+            <a:off x="4650188" y="1543050"/>
             <a:ext cx="683812" cy="742950"/>
           </a:xfrm>
           <a:prstGeom prst="roundRect">
@@ -3687,13 +4253,13 @@
       </p:sp>
       <p:sp>
         <p:nvSpPr>
-          <p:cNvPr id="93" name="Rounded Rectangle 92"/>
+          <p:cNvPr id="18" name="Rounded Rectangle 17"/>
           <p:cNvSpPr/>
           <p:nvPr/>
         </p:nvSpPr>
         <p:spPr>
           <a:xfrm>
-            <a:off x="2895600" y="2971800"/>
+            <a:off x="3429000" y="3162300"/>
             <a:ext cx="685800" cy="742950"/>
           </a:xfrm>
           <a:prstGeom prst="roundRect">
@@ -3729,13 +4295,13 @@
       </p:sp>
       <p:sp>
         <p:nvSpPr>
-          <p:cNvPr id="94" name="Rounded Rectangle 93"/>
+          <p:cNvPr id="19" name="Rounded Rectangle 18"/>
           <p:cNvSpPr/>
           <p:nvPr/>
         </p:nvSpPr>
         <p:spPr>
           <a:xfrm>
-            <a:off x="4116788" y="2971800"/>
+            <a:off x="4650188" y="3162300"/>
             <a:ext cx="683812" cy="742950"/>
           </a:xfrm>
           <a:prstGeom prst="roundRect">
@@ -3771,13 +4337,13 @@
       </p:sp>
       <p:sp>
         <p:nvSpPr>
-          <p:cNvPr id="97" name="Rounded Rectangle 96"/>
+          <p:cNvPr id="20" name="Rounded Rectangle 19"/>
           <p:cNvSpPr/>
           <p:nvPr/>
         </p:nvSpPr>
         <p:spPr>
           <a:xfrm>
-            <a:off x="5105400" y="2189591"/>
+            <a:off x="5638800" y="2380091"/>
             <a:ext cx="685800" cy="762000"/>
           </a:xfrm>
           <a:prstGeom prst="roundRect">
@@ -3817,16 +4383,16 @@
       </p:sp>
       <p:cxnSp>
         <p:nvCxnSpPr>
-          <p:cNvPr id="98" name="Elbow Connector 97"/>
+          <p:cNvPr id="21" name="Elbow Connector 20"/>
           <p:cNvCxnSpPr>
-            <a:stCxn id="97" idx="0"/>
-            <a:endCxn id="100" idx="0"/>
+            <a:stCxn id="20" idx="0"/>
+            <a:endCxn id="48" idx="0"/>
           </p:cNvCxnSpPr>
           <p:nvPr/>
         </p:nvCxnSpPr>
         <p:spPr>
           <a:xfrm rot="16200000" flipV="1">
-            <a:off x="3772480" y="513771"/>
+            <a:off x="4305880" y="704271"/>
             <a:ext cx="1751441" cy="1600200"/>
           </a:xfrm>
           <a:prstGeom prst="bentConnector3">
@@ -3859,16 +4425,16 @@
       </p:cxnSp>
       <p:cxnSp>
         <p:nvCxnSpPr>
-          <p:cNvPr id="101" name="Elbow Connector 100"/>
+          <p:cNvPr id="22" name="Elbow Connector 21"/>
           <p:cNvCxnSpPr>
-            <a:stCxn id="99" idx="2"/>
-            <a:endCxn id="97" idx="2"/>
+            <a:stCxn id="47" idx="2"/>
+            <a:endCxn id="20" idx="2"/>
           </p:cNvCxnSpPr>
           <p:nvPr/>
         </p:nvCxnSpPr>
         <p:spPr>
           <a:xfrm rot="5400000" flipH="1" flipV="1">
-            <a:off x="3790370" y="3009321"/>
+            <a:off x="4323770" y="3199821"/>
             <a:ext cx="1715659" cy="1600200"/>
           </a:xfrm>
           <a:prstGeom prst="bentConnector3">
@@ -3901,16 +4467,16 @@
       </p:cxnSp>
       <p:cxnSp>
         <p:nvCxnSpPr>
-          <p:cNvPr id="104" name="Elbow Connector 103"/>
+          <p:cNvPr id="23" name="Elbow Connector 22"/>
           <p:cNvCxnSpPr>
-            <a:stCxn id="92" idx="0"/>
-            <a:endCxn id="100" idx="3"/>
+            <a:stCxn id="17" idx="0"/>
+            <a:endCxn id="48" idx="3"/>
           </p:cNvCxnSpPr>
           <p:nvPr/>
         </p:nvCxnSpPr>
         <p:spPr>
           <a:xfrm rot="16200000" flipV="1">
-            <a:off x="4039097" y="932953"/>
+            <a:off x="4572497" y="1123453"/>
             <a:ext cx="647700" cy="191494"/>
           </a:xfrm>
           <a:prstGeom prst="bentConnector2">
@@ -3941,16 +4507,16 @@
       </p:cxnSp>
       <p:cxnSp>
         <p:nvCxnSpPr>
-          <p:cNvPr id="107" name="Elbow Connector 106"/>
+          <p:cNvPr id="24" name="Elbow Connector 23"/>
           <p:cNvCxnSpPr>
-            <a:stCxn id="91" idx="0"/>
-            <a:endCxn id="100" idx="1"/>
+            <a:stCxn id="16" idx="0"/>
+            <a:endCxn id="48" idx="1"/>
           </p:cNvCxnSpPr>
           <p:nvPr/>
         </p:nvCxnSpPr>
         <p:spPr>
           <a:xfrm rot="5400000" flipH="1" flipV="1">
-            <a:off x="3009900" y="933450"/>
+            <a:off x="3543300" y="1123950"/>
             <a:ext cx="647700" cy="190500"/>
           </a:xfrm>
           <a:prstGeom prst="bentConnector2">
@@ -3981,16 +4547,16 @@
       </p:cxnSp>
       <p:cxnSp>
         <p:nvCxnSpPr>
-          <p:cNvPr id="110" name="Elbow Connector 109"/>
+          <p:cNvPr id="25" name="Elbow Connector 24"/>
           <p:cNvCxnSpPr>
-            <a:stCxn id="99" idx="3"/>
-            <a:endCxn id="94" idx="2"/>
+            <a:stCxn id="47" idx="3"/>
+            <a:endCxn id="19" idx="2"/>
           </p:cNvCxnSpPr>
           <p:nvPr/>
         </p:nvCxnSpPr>
         <p:spPr>
           <a:xfrm flipV="1">
-            <a:off x="4267200" y="3714750"/>
+            <a:off x="4800600" y="3905250"/>
             <a:ext cx="191494" cy="685800"/>
           </a:xfrm>
           <a:prstGeom prst="bentConnector2">
@@ -4021,16 +4587,16 @@
       </p:cxnSp>
       <p:cxnSp>
         <p:nvCxnSpPr>
-          <p:cNvPr id="113" name="Elbow Connector 112"/>
+          <p:cNvPr id="26" name="Elbow Connector 25"/>
           <p:cNvCxnSpPr>
-            <a:stCxn id="99" idx="1"/>
-            <a:endCxn id="93" idx="2"/>
+            <a:stCxn id="47" idx="1"/>
+            <a:endCxn id="18" idx="2"/>
           </p:cNvCxnSpPr>
           <p:nvPr/>
         </p:nvCxnSpPr>
         <p:spPr>
           <a:xfrm rot="10800000">
-            <a:off x="3238500" y="3714750"/>
+            <a:off x="3771900" y="3905250"/>
             <a:ext cx="190500" cy="685800"/>
           </a:xfrm>
           <a:prstGeom prst="bentConnector2">
@@ -4061,17 +4627,1070 @@
       </p:cxnSp>
       <p:cxnSp>
         <p:nvCxnSpPr>
-          <p:cNvPr id="119" name="Straight Arrow Connector 118"/>
+          <p:cNvPr id="27" name="Straight Arrow Connector 26"/>
           <p:cNvCxnSpPr>
-            <a:stCxn id="91" idx="2"/>
-            <a:endCxn id="93" idx="0"/>
+            <a:stCxn id="16" idx="2"/>
+            <a:endCxn id="18" idx="0"/>
           </p:cNvCxnSpPr>
           <p:nvPr/>
         </p:nvCxnSpPr>
         <p:spPr>
           <a:xfrm>
-            <a:off x="3238500" y="2095500"/>
+            <a:off x="3771900" y="2286000"/>
             <a:ext cx="0" cy="876300"/>
+          </a:xfrm>
+          <a:prstGeom prst="straightConnector1">
+            <a:avLst/>
+          </a:prstGeom>
+          <a:ln w="44450">
+            <a:solidFill>
+              <a:srgbClr val="92D050"/>
+            </a:solidFill>
+            <a:headEnd type="triangle"/>
+            <a:tailEnd type="triangle"/>
+          </a:ln>
+        </p:spPr>
+        <p:style>
+          <a:lnRef idx="1">
+            <a:schemeClr val="accent1"/>
+          </a:lnRef>
+          <a:fillRef idx="0">
+            <a:schemeClr val="accent1"/>
+          </a:fillRef>
+          <a:effectRef idx="0">
+            <a:schemeClr val="accent1"/>
+          </a:effectRef>
+          <a:fontRef idx="minor">
+            <a:schemeClr val="tx1"/>
+          </a:fontRef>
+        </p:style>
+      </p:cxnSp>
+      <p:cxnSp>
+        <p:nvCxnSpPr>
+          <p:cNvPr id="28" name="Straight Arrow Connector 27"/>
+          <p:cNvCxnSpPr>
+            <a:stCxn id="17" idx="2"/>
+            <a:endCxn id="19" idx="0"/>
+          </p:cNvCxnSpPr>
+          <p:nvPr/>
+        </p:nvCxnSpPr>
+        <p:spPr>
+          <a:xfrm>
+            <a:off x="4992094" y="2286000"/>
+            <a:ext cx="0" cy="876300"/>
+          </a:xfrm>
+          <a:prstGeom prst="straightConnector1">
+            <a:avLst/>
+          </a:prstGeom>
+          <a:ln w="44450">
+            <a:solidFill>
+              <a:srgbClr val="92D050"/>
+            </a:solidFill>
+            <a:headEnd type="triangle"/>
+            <a:tailEnd type="triangle"/>
+          </a:ln>
+        </p:spPr>
+        <p:style>
+          <a:lnRef idx="1">
+            <a:schemeClr val="accent1"/>
+          </a:lnRef>
+          <a:fillRef idx="0">
+            <a:schemeClr val="accent1"/>
+          </a:fillRef>
+          <a:effectRef idx="0">
+            <a:schemeClr val="accent1"/>
+          </a:effectRef>
+          <a:fontRef idx="minor">
+            <a:schemeClr val="tx1"/>
+          </a:fontRef>
+        </p:style>
+      </p:cxnSp>
+      <p:cxnSp>
+        <p:nvCxnSpPr>
+          <p:cNvPr id="29" name="Straight Arrow Connector 28"/>
+          <p:cNvCxnSpPr/>
+          <p:nvPr/>
+        </p:nvCxnSpPr>
+        <p:spPr>
+          <a:xfrm>
+            <a:off x="4114800" y="1828800"/>
+            <a:ext cx="535388" cy="0"/>
+          </a:xfrm>
+          <a:prstGeom prst="straightConnector1">
+            <a:avLst/>
+          </a:prstGeom>
+          <a:ln w="44450">
+            <a:solidFill>
+              <a:srgbClr val="92D050"/>
+            </a:solidFill>
+            <a:headEnd type="triangle"/>
+            <a:tailEnd type="triangle"/>
+          </a:ln>
+        </p:spPr>
+        <p:style>
+          <a:lnRef idx="1">
+            <a:schemeClr val="accent1"/>
+          </a:lnRef>
+          <a:fillRef idx="0">
+            <a:schemeClr val="accent1"/>
+          </a:fillRef>
+          <a:effectRef idx="0">
+            <a:schemeClr val="accent1"/>
+          </a:effectRef>
+          <a:fontRef idx="minor">
+            <a:schemeClr val="tx1"/>
+          </a:fontRef>
+        </p:style>
+      </p:cxnSp>
+      <p:cxnSp>
+        <p:nvCxnSpPr>
+          <p:cNvPr id="30" name="Straight Arrow Connector 29"/>
+          <p:cNvCxnSpPr/>
+          <p:nvPr/>
+        </p:nvCxnSpPr>
+        <p:spPr>
+          <a:xfrm>
+            <a:off x="4114800" y="3429000"/>
+            <a:ext cx="535388" cy="0"/>
+          </a:xfrm>
+          <a:prstGeom prst="straightConnector1">
+            <a:avLst/>
+          </a:prstGeom>
+          <a:ln w="44450">
+            <a:solidFill>
+              <a:srgbClr val="92D050"/>
+            </a:solidFill>
+            <a:headEnd type="triangle"/>
+            <a:tailEnd type="triangle"/>
+          </a:ln>
+        </p:spPr>
+        <p:style>
+          <a:lnRef idx="1">
+            <a:schemeClr val="accent1"/>
+          </a:lnRef>
+          <a:fillRef idx="0">
+            <a:schemeClr val="accent1"/>
+          </a:fillRef>
+          <a:effectRef idx="0">
+            <a:schemeClr val="accent1"/>
+          </a:effectRef>
+          <a:fontRef idx="minor">
+            <a:schemeClr val="tx1"/>
+          </a:fontRef>
+        </p:style>
+      </p:cxnSp>
+      <p:cxnSp>
+        <p:nvCxnSpPr>
+          <p:cNvPr id="31" name="Straight Arrow Connector 30"/>
+          <p:cNvCxnSpPr/>
+          <p:nvPr/>
+        </p:nvCxnSpPr>
+        <p:spPr>
+          <a:xfrm>
+            <a:off x="4114800" y="2228850"/>
+            <a:ext cx="533400" cy="990600"/>
+          </a:xfrm>
+          <a:prstGeom prst="straightConnector1">
+            <a:avLst/>
+          </a:prstGeom>
+          <a:ln w="44450">
+            <a:solidFill>
+              <a:srgbClr val="92D050"/>
+            </a:solidFill>
+            <a:headEnd type="triangle"/>
+            <a:tailEnd type="triangle"/>
+          </a:ln>
+        </p:spPr>
+        <p:style>
+          <a:lnRef idx="1">
+            <a:schemeClr val="accent1"/>
+          </a:lnRef>
+          <a:fillRef idx="0">
+            <a:schemeClr val="accent1"/>
+          </a:fillRef>
+          <a:effectRef idx="0">
+            <a:schemeClr val="accent1"/>
+          </a:effectRef>
+          <a:fontRef idx="minor">
+            <a:schemeClr val="tx1"/>
+          </a:fontRef>
+        </p:style>
+      </p:cxnSp>
+      <p:cxnSp>
+        <p:nvCxnSpPr>
+          <p:cNvPr id="32" name="Straight Arrow Connector 31"/>
+          <p:cNvCxnSpPr/>
+          <p:nvPr/>
+        </p:nvCxnSpPr>
+        <p:spPr>
+          <a:xfrm flipH="1">
+            <a:off x="4114800" y="2228850"/>
+            <a:ext cx="533400" cy="990600"/>
+          </a:xfrm>
+          <a:prstGeom prst="straightConnector1">
+            <a:avLst/>
+          </a:prstGeom>
+          <a:ln w="44450">
+            <a:solidFill>
+              <a:srgbClr val="92D050"/>
+            </a:solidFill>
+            <a:headEnd type="triangle"/>
+            <a:tailEnd type="triangle"/>
+          </a:ln>
+        </p:spPr>
+        <p:style>
+          <a:lnRef idx="1">
+            <a:schemeClr val="accent1"/>
+          </a:lnRef>
+          <a:fillRef idx="0">
+            <a:schemeClr val="accent1"/>
+          </a:fillRef>
+          <a:effectRef idx="0">
+            <a:schemeClr val="accent1"/>
+          </a:effectRef>
+          <a:fontRef idx="minor">
+            <a:schemeClr val="tx1"/>
+          </a:fontRef>
+        </p:style>
+      </p:cxnSp>
+      <p:sp>
+        <p:nvSpPr>
+          <p:cNvPr id="33" name="Rounded Rectangle 32"/>
+          <p:cNvSpPr/>
+          <p:nvPr/>
+        </p:nvSpPr>
+        <p:spPr>
+          <a:xfrm>
+            <a:off x="7391400" y="171450"/>
+            <a:ext cx="685800" cy="742950"/>
+          </a:xfrm>
+          <a:prstGeom prst="roundRect">
+            <a:avLst/>
+          </a:prstGeom>
+        </p:spPr>
+        <p:style>
+          <a:lnRef idx="1">
+            <a:schemeClr val="accent3"/>
+          </a:lnRef>
+          <a:fillRef idx="3">
+            <a:schemeClr val="accent3"/>
+          </a:fillRef>
+          <a:effectRef idx="2">
+            <a:schemeClr val="accent3"/>
+          </a:effectRef>
+          <a:fontRef idx="minor">
+            <a:schemeClr val="lt1"/>
+          </a:fontRef>
+        </p:style>
+        <p:txBody>
+          <a:bodyPr rtlCol="0" anchor="ctr"/>
+          <a:lstStyle/>
+          <a:p>
+            <a:pPr algn="ctr"/>
+            <a:r>
+              <a:rPr lang="en-US" b="1" dirty="0" smtClean="0"/>
+              <a:t>GPU</a:t>
+            </a:r>
+            <a:endParaRPr lang="en-US" b="1" dirty="0"/>
+          </a:p>
+        </p:txBody>
+      </p:sp>
+      <p:sp>
+        <p:nvSpPr>
+          <p:cNvPr id="34" name="Rounded Rectangle 33"/>
+          <p:cNvSpPr/>
+          <p:nvPr/>
+        </p:nvSpPr>
+        <p:spPr>
+          <a:xfrm>
+            <a:off x="9296400" y="2381250"/>
+            <a:ext cx="685800" cy="762000"/>
+          </a:xfrm>
+          <a:prstGeom prst="roundRect">
+            <a:avLst/>
+          </a:prstGeom>
+        </p:spPr>
+        <p:style>
+          <a:lnRef idx="1">
+            <a:schemeClr val="accent1"/>
+          </a:lnRef>
+          <a:fillRef idx="3">
+            <a:schemeClr val="accent1"/>
+          </a:fillRef>
+          <a:effectRef idx="2">
+            <a:schemeClr val="accent1"/>
+          </a:effectRef>
+          <a:fontRef idx="minor">
+            <a:schemeClr val="lt1"/>
+          </a:fontRef>
+        </p:style>
+        <p:txBody>
+          <a:bodyPr rtlCol="0" anchor="ctr"/>
+          <a:lstStyle/>
+          <a:p>
+            <a:pPr algn="ctr"/>
+            <a:r>
+              <a:rPr lang="en-US" b="1" dirty="0"/>
+              <a:t>C</a:t>
+            </a:r>
+            <a:r>
+              <a:rPr lang="en-US" b="1" dirty="0" smtClean="0"/>
+              <a:t>PU</a:t>
+            </a:r>
+            <a:endParaRPr lang="en-US" b="1" dirty="0"/>
+          </a:p>
+        </p:txBody>
+      </p:sp>
+      <p:sp>
+        <p:nvSpPr>
+          <p:cNvPr id="35" name="Rounded Rectangle 34"/>
+          <p:cNvSpPr/>
+          <p:nvPr/>
+        </p:nvSpPr>
+        <p:spPr>
+          <a:xfrm>
+            <a:off x="7391400" y="1466850"/>
+            <a:ext cx="687788" cy="742950"/>
+          </a:xfrm>
+          <a:prstGeom prst="roundRect">
+            <a:avLst/>
+          </a:prstGeom>
+        </p:spPr>
+        <p:style>
+          <a:lnRef idx="1">
+            <a:schemeClr val="accent3"/>
+          </a:lnRef>
+          <a:fillRef idx="3">
+            <a:schemeClr val="accent3"/>
+          </a:fillRef>
+          <a:effectRef idx="2">
+            <a:schemeClr val="accent3"/>
+          </a:effectRef>
+          <a:fontRef idx="minor">
+            <a:schemeClr val="lt1"/>
+          </a:fontRef>
+        </p:style>
+        <p:txBody>
+          <a:bodyPr rtlCol="0" anchor="ctr"/>
+          <a:lstStyle/>
+          <a:p>
+            <a:pPr algn="ctr"/>
+            <a:r>
+              <a:rPr lang="en-US" b="1" dirty="0" smtClean="0"/>
+              <a:t>GPU</a:t>
+            </a:r>
+            <a:endParaRPr lang="en-US" b="1" dirty="0"/>
+          </a:p>
+        </p:txBody>
+      </p:sp>
+      <p:sp>
+        <p:nvSpPr>
+          <p:cNvPr id="36" name="Rounded Rectangle 35"/>
+          <p:cNvSpPr/>
+          <p:nvPr/>
+        </p:nvSpPr>
+        <p:spPr>
+          <a:xfrm>
+            <a:off x="7391400" y="3238500"/>
+            <a:ext cx="689776" cy="742950"/>
+          </a:xfrm>
+          <a:prstGeom prst="roundRect">
+            <a:avLst/>
+          </a:prstGeom>
+        </p:spPr>
+        <p:style>
+          <a:lnRef idx="1">
+            <a:schemeClr val="accent3"/>
+          </a:lnRef>
+          <a:fillRef idx="3">
+            <a:schemeClr val="accent3"/>
+          </a:fillRef>
+          <a:effectRef idx="2">
+            <a:schemeClr val="accent3"/>
+          </a:effectRef>
+          <a:fontRef idx="minor">
+            <a:schemeClr val="lt1"/>
+          </a:fontRef>
+        </p:style>
+        <p:txBody>
+          <a:bodyPr rtlCol="0" anchor="ctr"/>
+          <a:lstStyle/>
+          <a:p>
+            <a:pPr algn="ctr"/>
+            <a:r>
+              <a:rPr lang="en-US" b="1" dirty="0" smtClean="0"/>
+              <a:t>GPU</a:t>
+            </a:r>
+            <a:endParaRPr lang="en-US" b="1" dirty="0"/>
+          </a:p>
+        </p:txBody>
+      </p:sp>
+      <p:sp>
+        <p:nvSpPr>
+          <p:cNvPr id="37" name="Rounded Rectangle 36"/>
+          <p:cNvSpPr/>
+          <p:nvPr/>
+        </p:nvSpPr>
+        <p:spPr>
+          <a:xfrm>
+            <a:off x="7391400" y="4591050"/>
+            <a:ext cx="689776" cy="742950"/>
+          </a:xfrm>
+          <a:prstGeom prst="roundRect">
+            <a:avLst/>
+          </a:prstGeom>
+        </p:spPr>
+        <p:style>
+          <a:lnRef idx="1">
+            <a:schemeClr val="accent3"/>
+          </a:lnRef>
+          <a:fillRef idx="3">
+            <a:schemeClr val="accent3"/>
+          </a:fillRef>
+          <a:effectRef idx="2">
+            <a:schemeClr val="accent3"/>
+          </a:effectRef>
+          <a:fontRef idx="minor">
+            <a:schemeClr val="lt1"/>
+          </a:fontRef>
+        </p:style>
+        <p:txBody>
+          <a:bodyPr rtlCol="0" anchor="ctr"/>
+          <a:lstStyle/>
+          <a:p>
+            <a:pPr algn="ctr"/>
+            <a:r>
+              <a:rPr lang="en-US" b="1" dirty="0" smtClean="0"/>
+              <a:t>GPU</a:t>
+            </a:r>
+            <a:endParaRPr lang="en-US" b="1" dirty="0"/>
+          </a:p>
+        </p:txBody>
+      </p:sp>
+      <p:cxnSp>
+        <p:nvCxnSpPr>
+          <p:cNvPr id="38" name="Elbow Connector 37"/>
+          <p:cNvCxnSpPr>
+            <a:stCxn id="35" idx="3"/>
+          </p:cNvCxnSpPr>
+          <p:nvPr/>
+        </p:nvCxnSpPr>
+        <p:spPr>
+          <a:xfrm>
+            <a:off x="8079188" y="1838325"/>
+            <a:ext cx="263718" cy="619125"/>
+          </a:xfrm>
+          <a:prstGeom prst="bentConnector2">
+            <a:avLst/>
+          </a:prstGeom>
+          <a:ln w="63500">
+            <a:solidFill>
+              <a:srgbClr val="92D050"/>
+            </a:solidFill>
+            <a:headEnd type="triangle"/>
+            <a:tailEnd type="triangle"/>
+          </a:ln>
+        </p:spPr>
+        <p:style>
+          <a:lnRef idx="1">
+            <a:schemeClr val="accent1"/>
+          </a:lnRef>
+          <a:fillRef idx="0">
+            <a:schemeClr val="accent1"/>
+          </a:fillRef>
+          <a:effectRef idx="0">
+            <a:schemeClr val="accent1"/>
+          </a:effectRef>
+          <a:fontRef idx="minor">
+            <a:schemeClr val="tx1"/>
+          </a:fontRef>
+        </p:style>
+      </p:cxnSp>
+      <p:cxnSp>
+        <p:nvCxnSpPr>
+          <p:cNvPr id="39" name="Elbow Connector 38"/>
+          <p:cNvCxnSpPr>
+            <a:stCxn id="33" idx="3"/>
+          </p:cNvCxnSpPr>
+          <p:nvPr/>
+        </p:nvCxnSpPr>
+        <p:spPr>
+          <a:xfrm>
+            <a:off x="8077200" y="542925"/>
+            <a:ext cx="494311" cy="1914525"/>
+          </a:xfrm>
+          <a:prstGeom prst="bentConnector2">
+            <a:avLst/>
+          </a:prstGeom>
+          <a:ln w="63500">
+            <a:solidFill>
+              <a:srgbClr val="92D050"/>
+            </a:solidFill>
+            <a:headEnd type="triangle"/>
+            <a:tailEnd type="triangle"/>
+          </a:ln>
+        </p:spPr>
+        <p:style>
+          <a:lnRef idx="1">
+            <a:schemeClr val="accent1"/>
+          </a:lnRef>
+          <a:fillRef idx="0">
+            <a:schemeClr val="accent1"/>
+          </a:fillRef>
+          <a:effectRef idx="0">
+            <a:schemeClr val="accent1"/>
+          </a:effectRef>
+          <a:fontRef idx="minor">
+            <a:schemeClr val="tx1"/>
+          </a:fontRef>
+        </p:style>
+      </p:cxnSp>
+      <p:cxnSp>
+        <p:nvCxnSpPr>
+          <p:cNvPr id="40" name="Elbow Connector 39"/>
+          <p:cNvCxnSpPr>
+            <a:endCxn id="36" idx="3"/>
+          </p:cNvCxnSpPr>
+          <p:nvPr/>
+        </p:nvCxnSpPr>
+        <p:spPr>
+          <a:xfrm rot="5400000">
+            <a:off x="7939008" y="3208064"/>
+            <a:ext cx="544080" cy="259743"/>
+          </a:xfrm>
+          <a:prstGeom prst="bentConnector2">
+            <a:avLst/>
+          </a:prstGeom>
+          <a:ln w="63500">
+            <a:solidFill>
+              <a:srgbClr val="92D050"/>
+            </a:solidFill>
+            <a:headEnd type="triangle"/>
+            <a:tailEnd type="triangle"/>
+          </a:ln>
+        </p:spPr>
+        <p:style>
+          <a:lnRef idx="1">
+            <a:schemeClr val="accent1"/>
+          </a:lnRef>
+          <a:fillRef idx="0">
+            <a:schemeClr val="accent1"/>
+          </a:fillRef>
+          <a:effectRef idx="0">
+            <a:schemeClr val="accent1"/>
+          </a:effectRef>
+          <a:fontRef idx="minor">
+            <a:schemeClr val="tx1"/>
+          </a:fontRef>
+        </p:style>
+      </p:cxnSp>
+      <p:cxnSp>
+        <p:nvCxnSpPr>
+          <p:cNvPr id="41" name="Elbow Connector 40"/>
+          <p:cNvCxnSpPr>
+            <a:endCxn id="37" idx="3"/>
+          </p:cNvCxnSpPr>
+          <p:nvPr/>
+        </p:nvCxnSpPr>
+        <p:spPr>
+          <a:xfrm rot="5400000">
+            <a:off x="7378031" y="3769044"/>
+            <a:ext cx="1896627" cy="490335"/>
+          </a:xfrm>
+          <a:prstGeom prst="bentConnector2">
+            <a:avLst/>
+          </a:prstGeom>
+          <a:ln w="63500">
+            <a:solidFill>
+              <a:srgbClr val="92D050"/>
+            </a:solidFill>
+            <a:headEnd type="triangle"/>
+            <a:tailEnd type="triangle"/>
+          </a:ln>
+        </p:spPr>
+        <p:style>
+          <a:lnRef idx="1">
+            <a:schemeClr val="accent1"/>
+          </a:lnRef>
+          <a:fillRef idx="0">
+            <a:schemeClr val="accent1"/>
+          </a:fillRef>
+          <a:effectRef idx="0">
+            <a:schemeClr val="accent1"/>
+          </a:effectRef>
+          <a:fontRef idx="minor">
+            <a:schemeClr val="tx1"/>
+          </a:fontRef>
+        </p:style>
+      </p:cxnSp>
+      <p:sp>
+        <p:nvSpPr>
+          <p:cNvPr id="42" name="Rectangle 41"/>
+          <p:cNvSpPr/>
+          <p:nvPr/>
+        </p:nvSpPr>
+        <p:spPr>
+          <a:xfrm>
+            <a:off x="8001000" y="2457450"/>
+            <a:ext cx="838200" cy="608446"/>
+          </a:xfrm>
+          <a:prstGeom prst="rect">
+            <a:avLst/>
+          </a:prstGeom>
+        </p:spPr>
+        <p:style>
+          <a:lnRef idx="2">
+            <a:schemeClr val="dk1">
+              <a:shade val="50000"/>
+            </a:schemeClr>
+          </a:lnRef>
+          <a:fillRef idx="1">
+            <a:schemeClr val="dk1"/>
+          </a:fillRef>
+          <a:effectRef idx="0">
+            <a:schemeClr val="dk1"/>
+          </a:effectRef>
+          <a:fontRef idx="minor">
+            <a:schemeClr val="lt1"/>
+          </a:fontRef>
+        </p:style>
+        <p:txBody>
+          <a:bodyPr vert="horz" rtlCol="0" anchor="ctr"/>
+          <a:lstStyle/>
+          <a:p>
+            <a:pPr algn="ctr"/>
+            <a:r>
+              <a:rPr lang="en-US" b="1" dirty="0" smtClean="0"/>
+              <a:t>GPU</a:t>
+            </a:r>
+          </a:p>
+          <a:p>
+            <a:pPr algn="ctr"/>
+            <a:r>
+              <a:rPr lang="en-US" b="1" dirty="0" smtClean="0"/>
+              <a:t>Switch</a:t>
+            </a:r>
+            <a:endParaRPr lang="en-US" b="1" dirty="0"/>
+          </a:p>
+        </p:txBody>
+      </p:sp>
+      <p:cxnSp>
+        <p:nvCxnSpPr>
+          <p:cNvPr id="43" name="Elbow Connector 42"/>
+          <p:cNvCxnSpPr>
+            <a:stCxn id="42" idx="3"/>
+            <a:endCxn id="34" idx="1"/>
+          </p:cNvCxnSpPr>
+          <p:nvPr/>
+        </p:nvCxnSpPr>
+        <p:spPr>
+          <a:xfrm>
+            <a:off x="8839200" y="2761673"/>
+            <a:ext cx="457200" cy="577"/>
+          </a:xfrm>
+          <a:prstGeom prst="bentConnector3">
+            <a:avLst>
+              <a:gd name="adj1" fmla="val 50000"/>
+            </a:avLst>
+          </a:prstGeom>
+          <a:ln w="63500">
+            <a:solidFill>
+              <a:srgbClr val="92D050"/>
+            </a:solidFill>
+            <a:headEnd type="triangle"/>
+            <a:tailEnd type="triangle"/>
+          </a:ln>
+        </p:spPr>
+        <p:style>
+          <a:lnRef idx="1">
+            <a:schemeClr val="accent1"/>
+          </a:lnRef>
+          <a:fillRef idx="0">
+            <a:schemeClr val="accent1"/>
+          </a:fillRef>
+          <a:effectRef idx="0">
+            <a:schemeClr val="accent1"/>
+          </a:effectRef>
+          <a:fontRef idx="minor">
+            <a:schemeClr val="tx1"/>
+          </a:fontRef>
+        </p:style>
+      </p:cxnSp>
+      <p:sp>
+        <p:nvSpPr>
+          <p:cNvPr id="44" name="Right Arrow 43"/>
+          <p:cNvSpPr/>
+          <p:nvPr/>
+        </p:nvSpPr>
+        <p:spPr>
+          <a:xfrm>
+            <a:off x="2590800" y="2600324"/>
+            <a:ext cx="457200" cy="323851"/>
+          </a:xfrm>
+          <a:prstGeom prst="rightArrow">
+            <a:avLst/>
+          </a:prstGeom>
+        </p:spPr>
+        <p:style>
+          <a:lnRef idx="1">
+            <a:schemeClr val="accent2"/>
+          </a:lnRef>
+          <a:fillRef idx="3">
+            <a:schemeClr val="accent2"/>
+          </a:fillRef>
+          <a:effectRef idx="2">
+            <a:schemeClr val="accent2"/>
+          </a:effectRef>
+          <a:fontRef idx="minor">
+            <a:schemeClr val="lt1"/>
+          </a:fontRef>
+        </p:style>
+        <p:txBody>
+          <a:bodyPr rtlCol="0" anchor="ctr"/>
+          <a:lstStyle/>
+          <a:p>
+            <a:pPr algn="ctr"/>
+            <a:endParaRPr lang="en-US"/>
+          </a:p>
+        </p:txBody>
+      </p:sp>
+      <p:sp>
+        <p:nvSpPr>
+          <p:cNvPr id="45" name="Right Arrow 44"/>
+          <p:cNvSpPr/>
+          <p:nvPr/>
+        </p:nvSpPr>
+        <p:spPr>
+          <a:xfrm>
+            <a:off x="6553200" y="2600324"/>
+            <a:ext cx="457200" cy="323851"/>
+          </a:xfrm>
+          <a:prstGeom prst="rightArrow">
+            <a:avLst/>
+          </a:prstGeom>
+        </p:spPr>
+        <p:style>
+          <a:lnRef idx="1">
+            <a:schemeClr val="accent2"/>
+          </a:lnRef>
+          <a:fillRef idx="3">
+            <a:schemeClr val="accent2"/>
+          </a:fillRef>
+          <a:effectRef idx="2">
+            <a:schemeClr val="accent2"/>
+          </a:effectRef>
+          <a:fontRef idx="minor">
+            <a:schemeClr val="lt1"/>
+          </a:fontRef>
+        </p:style>
+        <p:txBody>
+          <a:bodyPr rtlCol="0" anchor="ctr"/>
+          <a:lstStyle/>
+          <a:p>
+            <a:pPr algn="ctr"/>
+            <a:endParaRPr lang="en-US"/>
+          </a:p>
+        </p:txBody>
+      </p:sp>
+      <p:sp>
+        <p:nvSpPr>
+          <p:cNvPr id="46" name="Rectangle 45"/>
+          <p:cNvSpPr/>
+          <p:nvPr/>
+        </p:nvSpPr>
+        <p:spPr>
+          <a:xfrm>
+            <a:off x="914400" y="1143000"/>
+            <a:ext cx="838200" cy="533400"/>
+          </a:xfrm>
+          <a:prstGeom prst="rect">
+            <a:avLst/>
+          </a:prstGeom>
+        </p:spPr>
+        <p:style>
+          <a:lnRef idx="2">
+            <a:schemeClr val="dk1">
+              <a:shade val="50000"/>
+            </a:schemeClr>
+          </a:lnRef>
+          <a:fillRef idx="1">
+            <a:schemeClr val="dk1"/>
+          </a:fillRef>
+          <a:effectRef idx="0">
+            <a:schemeClr val="dk1"/>
+          </a:effectRef>
+          <a:fontRef idx="minor">
+            <a:schemeClr val="lt1"/>
+          </a:fontRef>
+        </p:style>
+        <p:txBody>
+          <a:bodyPr vert="horz" rtlCol="0" anchor="ctr"/>
+          <a:lstStyle/>
+          <a:p>
+            <a:pPr algn="ctr"/>
+            <a:r>
+              <a:rPr lang="en-US" b="1" dirty="0" err="1" smtClean="0"/>
+              <a:t>PCIe</a:t>
+            </a:r>
+            <a:r>
+              <a:rPr lang="en-US" b="1" dirty="0" smtClean="0"/>
+              <a:t> Switch</a:t>
+            </a:r>
+            <a:endParaRPr lang="en-US" b="1" dirty="0"/>
+          </a:p>
+        </p:txBody>
+      </p:sp>
+      <p:sp>
+        <p:nvSpPr>
+          <p:cNvPr id="47" name="Rectangle 46"/>
+          <p:cNvSpPr/>
+          <p:nvPr/>
+        </p:nvSpPr>
+        <p:spPr>
+          <a:xfrm>
+            <a:off x="3962400" y="4324350"/>
+            <a:ext cx="838200" cy="533400"/>
+          </a:xfrm>
+          <a:prstGeom prst="rect">
+            <a:avLst/>
+          </a:prstGeom>
+        </p:spPr>
+        <p:style>
+          <a:lnRef idx="2">
+            <a:schemeClr val="dk1">
+              <a:shade val="50000"/>
+            </a:schemeClr>
+          </a:lnRef>
+          <a:fillRef idx="1">
+            <a:schemeClr val="dk1"/>
+          </a:fillRef>
+          <a:effectRef idx="0">
+            <a:schemeClr val="dk1"/>
+          </a:effectRef>
+          <a:fontRef idx="minor">
+            <a:schemeClr val="lt1"/>
+          </a:fontRef>
+        </p:style>
+        <p:txBody>
+          <a:bodyPr vert="horz" rtlCol="0" anchor="ctr"/>
+          <a:lstStyle/>
+          <a:p>
+            <a:pPr algn="ctr"/>
+            <a:r>
+              <a:rPr lang="en-US" b="1" dirty="0" err="1" smtClean="0"/>
+              <a:t>PCIe</a:t>
+            </a:r>
+            <a:r>
+              <a:rPr lang="en-US" b="1" dirty="0" smtClean="0"/>
+              <a:t> Switch</a:t>
+            </a:r>
+            <a:endParaRPr lang="en-US" b="1" dirty="0"/>
+          </a:p>
+        </p:txBody>
+      </p:sp>
+      <p:sp>
+        <p:nvSpPr>
+          <p:cNvPr id="48" name="Rectangle 47"/>
+          <p:cNvSpPr/>
+          <p:nvPr/>
+        </p:nvSpPr>
+        <p:spPr>
+          <a:xfrm>
+            <a:off x="3962400" y="628650"/>
+            <a:ext cx="838200" cy="533400"/>
+          </a:xfrm>
+          <a:prstGeom prst="rect">
+            <a:avLst/>
+          </a:prstGeom>
+        </p:spPr>
+        <p:style>
+          <a:lnRef idx="2">
+            <a:schemeClr val="dk1">
+              <a:shade val="50000"/>
+            </a:schemeClr>
+          </a:lnRef>
+          <a:fillRef idx="1">
+            <a:schemeClr val="dk1"/>
+          </a:fillRef>
+          <a:effectRef idx="0">
+            <a:schemeClr val="dk1"/>
+          </a:effectRef>
+          <a:fontRef idx="minor">
+            <a:schemeClr val="lt1"/>
+          </a:fontRef>
+        </p:style>
+        <p:txBody>
+          <a:bodyPr vert="horz" rtlCol="0" anchor="ctr"/>
+          <a:lstStyle/>
+          <a:p>
+            <a:pPr algn="ctr"/>
+            <a:r>
+              <a:rPr lang="en-US" b="1" dirty="0" err="1" smtClean="0"/>
+              <a:t>PCIe</a:t>
+            </a:r>
+            <a:r>
+              <a:rPr lang="en-US" b="1" dirty="0" smtClean="0"/>
+              <a:t> Switch</a:t>
+            </a:r>
+            <a:endParaRPr lang="en-US" b="1" dirty="0"/>
+          </a:p>
+        </p:txBody>
+      </p:sp>
+      <p:cxnSp>
+        <p:nvCxnSpPr>
+          <p:cNvPr id="67" name="Straight Arrow Connector 66"/>
+          <p:cNvCxnSpPr/>
+          <p:nvPr/>
+        </p:nvCxnSpPr>
+        <p:spPr>
+          <a:xfrm>
+            <a:off x="4109043" y="3637722"/>
+            <a:ext cx="535388" cy="0"/>
+          </a:xfrm>
+          <a:prstGeom prst="straightConnector1">
+            <a:avLst/>
+          </a:prstGeom>
+          <a:ln w="44450">
+            <a:solidFill>
+              <a:srgbClr val="92D050"/>
+            </a:solidFill>
+            <a:headEnd type="triangle"/>
+            <a:tailEnd type="triangle"/>
+          </a:ln>
+        </p:spPr>
+        <p:style>
+          <a:lnRef idx="1">
+            <a:schemeClr val="accent1"/>
+          </a:lnRef>
+          <a:fillRef idx="0">
+            <a:schemeClr val="accent1"/>
+          </a:fillRef>
+          <a:effectRef idx="0">
+            <a:schemeClr val="accent1"/>
+          </a:effectRef>
+          <a:fontRef idx="minor">
+            <a:schemeClr val="tx1"/>
+          </a:fontRef>
+        </p:style>
+      </p:cxnSp>
+      <p:cxnSp>
+        <p:nvCxnSpPr>
+          <p:cNvPr id="68" name="Straight Arrow Connector 67"/>
+          <p:cNvCxnSpPr/>
+          <p:nvPr/>
+        </p:nvCxnSpPr>
+        <p:spPr>
+          <a:xfrm>
+            <a:off x="4112812" y="2041525"/>
+            <a:ext cx="535388" cy="0"/>
+          </a:xfrm>
+          <a:prstGeom prst="straightConnector1">
+            <a:avLst/>
+          </a:prstGeom>
+          <a:ln w="44450">
+            <a:solidFill>
+              <a:srgbClr val="92D050"/>
+            </a:solidFill>
+            <a:headEnd type="triangle"/>
+            <a:tailEnd type="triangle"/>
+          </a:ln>
+        </p:spPr>
+        <p:style>
+          <a:lnRef idx="1">
+            <a:schemeClr val="accent1"/>
+          </a:lnRef>
+          <a:fillRef idx="0">
+            <a:schemeClr val="accent1"/>
+          </a:fillRef>
+          <a:effectRef idx="0">
+            <a:schemeClr val="accent1"/>
+          </a:effectRef>
+          <a:fontRef idx="minor">
+            <a:schemeClr val="tx1"/>
+          </a:fontRef>
+        </p:style>
+      </p:cxnSp>
+      <p:cxnSp>
+        <p:nvCxnSpPr>
+          <p:cNvPr id="72" name="Straight Arrow Connector 71"/>
+          <p:cNvCxnSpPr/>
+          <p:nvPr/>
+        </p:nvCxnSpPr>
+        <p:spPr>
+          <a:xfrm>
+            <a:off x="1524000" y="5749368"/>
+            <a:ext cx="838200" cy="0"/>
+          </a:xfrm>
+          <a:prstGeom prst="straightConnector1">
+            <a:avLst/>
+          </a:prstGeom>
+          <a:ln w="12700">
+            <a:solidFill>
+              <a:schemeClr val="tx1"/>
+            </a:solidFill>
+            <a:headEnd type="triangle"/>
+            <a:tailEnd type="triangle"/>
+          </a:ln>
+        </p:spPr>
+        <p:style>
+          <a:lnRef idx="1">
+            <a:schemeClr val="accent1"/>
+          </a:lnRef>
+          <a:fillRef idx="0">
+            <a:schemeClr val="accent1"/>
+          </a:fillRef>
+          <a:effectRef idx="0">
+            <a:schemeClr val="accent1"/>
+          </a:effectRef>
+          <a:fontRef idx="minor">
+            <a:schemeClr val="tx1"/>
+          </a:fontRef>
+        </p:style>
+      </p:cxnSp>
+      <p:sp>
+        <p:nvSpPr>
+          <p:cNvPr id="73" name="TextBox 72"/>
+          <p:cNvSpPr txBox="1"/>
+          <p:nvPr/>
+        </p:nvSpPr>
+        <p:spPr>
+          <a:xfrm>
+            <a:off x="2438948" y="5505835"/>
+            <a:ext cx="1249060" cy="461665"/>
+          </a:xfrm>
+          <a:prstGeom prst="rect">
+            <a:avLst/>
+          </a:prstGeom>
+          <a:noFill/>
+        </p:spPr>
+        <p:txBody>
+          <a:bodyPr wrap="none" rtlCol="0">
+            <a:spAutoFit/>
+          </a:bodyPr>
+          <a:lstStyle/>
+          <a:p>
+            <a:r>
+              <a:rPr lang="en-US" sz="2400" dirty="0" err="1" smtClean="0"/>
+              <a:t>PCIe</a:t>
+            </a:r>
+            <a:r>
+              <a:rPr lang="en-US" sz="2400" dirty="0" smtClean="0"/>
+              <a:t> link</a:t>
+            </a:r>
+            <a:endParaRPr lang="en-US" sz="2400" dirty="0"/>
+          </a:p>
+        </p:txBody>
+      </p:sp>
+      <p:cxnSp>
+        <p:nvCxnSpPr>
+          <p:cNvPr id="74" name="Straight Arrow Connector 73"/>
+          <p:cNvCxnSpPr/>
+          <p:nvPr/>
+        </p:nvCxnSpPr>
+        <p:spPr>
+          <a:xfrm>
+            <a:off x="1524000" y="6172200"/>
+            <a:ext cx="838200" cy="0"/>
           </a:xfrm>
           <a:prstGeom prst="straightConnector1">
             <a:avLst/>
@@ -4099,227 +5718,105 @@
           </a:fontRef>
         </p:style>
       </p:cxnSp>
-      <p:cxnSp>
-        <p:nvCxnSpPr>
-          <p:cNvPr id="120" name="Straight Arrow Connector 119"/>
-          <p:cNvCxnSpPr>
-            <a:stCxn id="92" idx="2"/>
-            <a:endCxn id="94" idx="0"/>
-          </p:cNvCxnSpPr>
-          <p:nvPr/>
-        </p:nvCxnSpPr>
-        <p:spPr>
-          <a:xfrm>
-            <a:off x="4458694" y="2095500"/>
-            <a:ext cx="0" cy="876300"/>
-          </a:xfrm>
-          <a:prstGeom prst="straightConnector1">
-            <a:avLst/>
-          </a:prstGeom>
-          <a:ln w="50800">
-            <a:solidFill>
-              <a:srgbClr val="92D050"/>
-            </a:solidFill>
-            <a:headEnd type="triangle"/>
-            <a:tailEnd type="triangle"/>
-          </a:ln>
+      <p:sp>
+        <p:nvSpPr>
+          <p:cNvPr id="75" name="TextBox 74"/>
+          <p:cNvSpPr txBox="1"/>
+          <p:nvPr/>
+        </p:nvSpPr>
+        <p:spPr>
+          <a:xfrm>
+            <a:off x="2438948" y="5936723"/>
+            <a:ext cx="1128835" cy="461665"/>
+          </a:xfrm>
+          <a:prstGeom prst="rect">
+            <a:avLst/>
+          </a:prstGeom>
+          <a:noFill/>
+        </p:spPr>
+        <p:txBody>
+          <a:bodyPr wrap="none" rtlCol="0">
+            <a:spAutoFit/>
+          </a:bodyPr>
+          <a:lstStyle/>
+          <a:p>
+            <a:r>
+              <a:rPr lang="en-US" sz="2400" dirty="0" err="1" smtClean="0"/>
+              <a:t>NVLink</a:t>
+            </a:r>
+            <a:r>
+              <a:rPr lang="en-US" sz="2400" dirty="0" smtClean="0"/>
+              <a:t> </a:t>
+            </a:r>
+            <a:endParaRPr lang="en-US" sz="2400" dirty="0"/>
+          </a:p>
+        </p:txBody>
+      </p:sp>
+      <p:sp>
+        <p:nvSpPr>
+          <p:cNvPr id="76" name="Rectangle 75"/>
+          <p:cNvSpPr/>
+          <p:nvPr/>
+        </p:nvSpPr>
+        <p:spPr>
+          <a:xfrm>
+            <a:off x="4032565" y="5568879"/>
+            <a:ext cx="838200" cy="304800"/>
+          </a:xfrm>
+          <a:prstGeom prst="rect">
+            <a:avLst/>
+          </a:prstGeom>
         </p:spPr>
         <p:style>
           <a:lnRef idx="1">
-            <a:schemeClr val="accent1"/>
-          </a:lnRef>
-          <a:fillRef idx="0">
-            <a:schemeClr val="accent1"/>
-          </a:fillRef>
-          <a:effectRef idx="0">
-            <a:schemeClr val="accent1"/>
-          </a:effectRef>
-          <a:fontRef idx="minor">
-            <a:schemeClr val="tx1"/>
-          </a:fontRef>
-        </p:style>
-      </p:cxnSp>
-      <p:cxnSp>
-        <p:nvCxnSpPr>
-          <p:cNvPr id="122" name="Straight Arrow Connector 121"/>
-          <p:cNvCxnSpPr>
-            <a:stCxn id="91" idx="3"/>
-            <a:endCxn id="92" idx="1"/>
-          </p:cNvCxnSpPr>
-          <p:nvPr/>
-        </p:nvCxnSpPr>
-        <p:spPr>
-          <a:xfrm>
-            <a:off x="3581400" y="1724025"/>
-            <a:ext cx="535388" cy="0"/>
-          </a:xfrm>
-          <a:prstGeom prst="straightConnector1">
-            <a:avLst/>
-          </a:prstGeom>
-          <a:ln w="50800">
-            <a:solidFill>
-              <a:srgbClr val="92D050"/>
-            </a:solidFill>
-            <a:headEnd type="triangle"/>
-            <a:tailEnd type="triangle"/>
-          </a:ln>
+            <a:schemeClr val="accent3"/>
+          </a:lnRef>
+          <a:fillRef idx="2">
+            <a:schemeClr val="accent3"/>
+          </a:fillRef>
+          <a:effectRef idx="1">
+            <a:schemeClr val="accent3"/>
+          </a:effectRef>
+          <a:fontRef idx="minor">
+            <a:schemeClr val="dk1"/>
+          </a:fontRef>
+        </p:style>
+        <p:txBody>
+          <a:bodyPr rtlCol="0" anchor="ctr"/>
+          <a:lstStyle/>
+          <a:p>
+            <a:pPr algn="ctr"/>
+            <a:endParaRPr lang="en-US"/>
+          </a:p>
+        </p:txBody>
+      </p:sp>
+      <p:sp>
+        <p:nvSpPr>
+          <p:cNvPr id="77" name="Rectangle 76"/>
+          <p:cNvSpPr/>
+          <p:nvPr/>
+        </p:nvSpPr>
+        <p:spPr>
+          <a:xfrm>
+            <a:off x="4032565" y="6019800"/>
+            <a:ext cx="838200" cy="304800"/>
+          </a:xfrm>
+          <a:prstGeom prst="rect">
+            <a:avLst/>
+          </a:prstGeom>
         </p:spPr>
         <p:style>
           <a:lnRef idx="1">
-            <a:schemeClr val="accent1"/>
-          </a:lnRef>
-          <a:fillRef idx="0">
-            <a:schemeClr val="accent1"/>
-          </a:fillRef>
-          <a:effectRef idx="0">
-            <a:schemeClr val="accent1"/>
-          </a:effectRef>
-          <a:fontRef idx="minor">
-            <a:schemeClr val="tx1"/>
-          </a:fontRef>
-        </p:style>
-      </p:cxnSp>
-      <p:cxnSp>
-        <p:nvCxnSpPr>
-          <p:cNvPr id="125" name="Straight Arrow Connector 124"/>
-          <p:cNvCxnSpPr>
-            <a:stCxn id="93" idx="3"/>
-            <a:endCxn id="94" idx="1"/>
-          </p:cNvCxnSpPr>
-          <p:nvPr/>
-        </p:nvCxnSpPr>
-        <p:spPr>
-          <a:xfrm>
-            <a:off x="3581400" y="3343275"/>
-            <a:ext cx="535388" cy="0"/>
-          </a:xfrm>
-          <a:prstGeom prst="straightConnector1">
-            <a:avLst/>
-          </a:prstGeom>
-          <a:ln w="50800">
-            <a:solidFill>
-              <a:srgbClr val="92D050"/>
-            </a:solidFill>
-            <a:headEnd type="triangle"/>
-            <a:tailEnd type="triangle"/>
-          </a:ln>
-        </p:spPr>
-        <p:style>
-          <a:lnRef idx="1">
-            <a:schemeClr val="accent1"/>
-          </a:lnRef>
-          <a:fillRef idx="0">
-            <a:schemeClr val="accent1"/>
-          </a:fillRef>
-          <a:effectRef idx="0">
-            <a:schemeClr val="accent1"/>
-          </a:effectRef>
-          <a:fontRef idx="minor">
-            <a:schemeClr val="tx1"/>
-          </a:fontRef>
-        </p:style>
-      </p:cxnSp>
-      <p:cxnSp>
-        <p:nvCxnSpPr>
-          <p:cNvPr id="128" name="Straight Arrow Connector 127"/>
-          <p:cNvCxnSpPr/>
-          <p:nvPr/>
-        </p:nvCxnSpPr>
-        <p:spPr>
-          <a:xfrm>
-            <a:off x="3581400" y="2038350"/>
-            <a:ext cx="533400" cy="990600"/>
-          </a:xfrm>
-          <a:prstGeom prst="straightConnector1">
-            <a:avLst/>
-          </a:prstGeom>
-          <a:ln w="50800">
-            <a:solidFill>
-              <a:srgbClr val="92D050"/>
-            </a:solidFill>
-            <a:headEnd type="triangle"/>
-            <a:tailEnd type="triangle"/>
-          </a:ln>
-        </p:spPr>
-        <p:style>
-          <a:lnRef idx="1">
-            <a:schemeClr val="accent1"/>
-          </a:lnRef>
-          <a:fillRef idx="0">
-            <a:schemeClr val="accent1"/>
-          </a:fillRef>
-          <a:effectRef idx="0">
-            <a:schemeClr val="accent1"/>
-          </a:effectRef>
-          <a:fontRef idx="minor">
-            <a:schemeClr val="tx1"/>
-          </a:fontRef>
-        </p:style>
-      </p:cxnSp>
-      <p:cxnSp>
-        <p:nvCxnSpPr>
-          <p:cNvPr id="133" name="Straight Arrow Connector 132"/>
-          <p:cNvCxnSpPr/>
-          <p:nvPr/>
-        </p:nvCxnSpPr>
-        <p:spPr>
-          <a:xfrm flipH="1">
-            <a:off x="3581400" y="2038350"/>
-            <a:ext cx="533400" cy="990600"/>
-          </a:xfrm>
-          <a:prstGeom prst="straightConnector1">
-            <a:avLst/>
-          </a:prstGeom>
-          <a:ln w="50800">
-            <a:solidFill>
-              <a:srgbClr val="92D050"/>
-            </a:solidFill>
-            <a:headEnd type="triangle"/>
-            <a:tailEnd type="triangle"/>
-          </a:ln>
-        </p:spPr>
-        <p:style>
-          <a:lnRef idx="1">
-            <a:schemeClr val="accent1"/>
-          </a:lnRef>
-          <a:fillRef idx="0">
-            <a:schemeClr val="accent1"/>
-          </a:fillRef>
-          <a:effectRef idx="0">
-            <a:schemeClr val="accent1"/>
-          </a:effectRef>
-          <a:fontRef idx="minor">
-            <a:schemeClr val="tx1"/>
-          </a:fontRef>
-        </p:style>
-      </p:cxnSp>
-      <p:sp>
-        <p:nvSpPr>
-          <p:cNvPr id="139" name="Rounded Rectangle 138"/>
-          <p:cNvSpPr/>
-          <p:nvPr/>
-        </p:nvSpPr>
-        <p:spPr>
-          <a:xfrm>
-            <a:off x="6553200" y="-19050"/>
-            <a:ext cx="685800" cy="742950"/>
-          </a:xfrm>
-          <a:prstGeom prst="roundRect">
-            <a:avLst/>
-          </a:prstGeom>
-        </p:spPr>
-        <p:style>
-          <a:lnRef idx="1">
-            <a:schemeClr val="accent3"/>
-          </a:lnRef>
-          <a:fillRef idx="3">
-            <a:schemeClr val="accent3"/>
-          </a:fillRef>
-          <a:effectRef idx="2">
-            <a:schemeClr val="accent3"/>
-          </a:effectRef>
-          <a:fontRef idx="minor">
-            <a:schemeClr val="lt1"/>
+            <a:schemeClr val="dk1"/>
+          </a:lnRef>
+          <a:fillRef idx="2">
+            <a:schemeClr val="dk1"/>
+          </a:fillRef>
+          <a:effectRef idx="1">
+            <a:schemeClr val="dk1"/>
+          </a:effectRef>
+          <a:fontRef idx="minor">
+            <a:schemeClr val="dk1"/>
           </a:fontRef>
         </p:style>
         <p:txBody>
@@ -4327,671 +5824,74 @@
           <a:lstStyle/>
           <a:p>
             <a:pPr algn="ctr"/>
-            <a:r>
-              <a:rPr lang="en-US" b="1" dirty="0" smtClean="0"/>
-              <a:t>GPU</a:t>
-            </a:r>
-            <a:endParaRPr lang="en-US" b="1" dirty="0"/>
-          </a:p>
-        </p:txBody>
-      </p:sp>
-      <p:sp>
-        <p:nvSpPr>
-          <p:cNvPr id="141" name="Rounded Rectangle 140"/>
-          <p:cNvSpPr/>
-          <p:nvPr/>
-        </p:nvSpPr>
-        <p:spPr>
-          <a:xfrm>
-            <a:off x="8458200" y="2190750"/>
-            <a:ext cx="685800" cy="762000"/>
-          </a:xfrm>
-          <a:prstGeom prst="roundRect">
-            <a:avLst/>
-          </a:prstGeom>
-        </p:spPr>
-        <p:style>
-          <a:lnRef idx="1">
-            <a:schemeClr val="accent1"/>
-          </a:lnRef>
-          <a:fillRef idx="3">
-            <a:schemeClr val="accent1"/>
-          </a:fillRef>
-          <a:effectRef idx="2">
-            <a:schemeClr val="accent1"/>
-          </a:effectRef>
-          <a:fontRef idx="minor">
-            <a:schemeClr val="lt1"/>
-          </a:fontRef>
-        </p:style>
-        <p:txBody>
-          <a:bodyPr rtlCol="0" anchor="ctr"/>
-          <a:lstStyle/>
-          <a:p>
-            <a:pPr algn="ctr"/>
-            <a:r>
-              <a:rPr lang="en-US" b="1" dirty="0"/>
-              <a:t>C</a:t>
-            </a:r>
-            <a:r>
-              <a:rPr lang="en-US" b="1" dirty="0" smtClean="0"/>
-              <a:t>PU</a:t>
-            </a:r>
-            <a:endParaRPr lang="en-US" b="1" dirty="0"/>
-          </a:p>
-        </p:txBody>
-      </p:sp>
-      <p:sp>
-        <p:nvSpPr>
-          <p:cNvPr id="148" name="Rounded Rectangle 147"/>
-          <p:cNvSpPr/>
-          <p:nvPr/>
-        </p:nvSpPr>
-        <p:spPr>
-          <a:xfrm>
-            <a:off x="6553200" y="1276350"/>
-            <a:ext cx="687788" cy="742950"/>
-          </a:xfrm>
-          <a:prstGeom prst="roundRect">
-            <a:avLst/>
-          </a:prstGeom>
-        </p:spPr>
-        <p:style>
-          <a:lnRef idx="1">
-            <a:schemeClr val="accent3"/>
-          </a:lnRef>
-          <a:fillRef idx="3">
-            <a:schemeClr val="accent3"/>
-          </a:fillRef>
-          <a:effectRef idx="2">
-            <a:schemeClr val="accent3"/>
-          </a:effectRef>
-          <a:fontRef idx="minor">
-            <a:schemeClr val="lt1"/>
-          </a:fontRef>
-        </p:style>
-        <p:txBody>
-          <a:bodyPr rtlCol="0" anchor="ctr"/>
-          <a:lstStyle/>
-          <a:p>
-            <a:pPr algn="ctr"/>
-            <a:r>
-              <a:rPr lang="en-US" b="1" dirty="0" smtClean="0"/>
-              <a:t>GPU</a:t>
-            </a:r>
-            <a:endParaRPr lang="en-US" b="1" dirty="0"/>
-          </a:p>
-        </p:txBody>
-      </p:sp>
-      <p:sp>
-        <p:nvSpPr>
-          <p:cNvPr id="149" name="Rounded Rectangle 148"/>
-          <p:cNvSpPr/>
-          <p:nvPr/>
-        </p:nvSpPr>
-        <p:spPr>
-          <a:xfrm>
-            <a:off x="6553200" y="3048000"/>
-            <a:ext cx="689776" cy="742950"/>
-          </a:xfrm>
-          <a:prstGeom prst="roundRect">
-            <a:avLst/>
-          </a:prstGeom>
-        </p:spPr>
-        <p:style>
-          <a:lnRef idx="1">
-            <a:schemeClr val="accent3"/>
-          </a:lnRef>
-          <a:fillRef idx="3">
-            <a:schemeClr val="accent3"/>
-          </a:fillRef>
-          <a:effectRef idx="2">
-            <a:schemeClr val="accent3"/>
-          </a:effectRef>
-          <a:fontRef idx="minor">
-            <a:schemeClr val="lt1"/>
-          </a:fontRef>
-        </p:style>
-        <p:txBody>
-          <a:bodyPr rtlCol="0" anchor="ctr"/>
-          <a:lstStyle/>
-          <a:p>
-            <a:pPr algn="ctr"/>
-            <a:r>
-              <a:rPr lang="en-US" b="1" dirty="0" smtClean="0"/>
-              <a:t>GPU</a:t>
-            </a:r>
-            <a:endParaRPr lang="en-US" b="1" dirty="0"/>
-          </a:p>
-        </p:txBody>
-      </p:sp>
-      <p:sp>
-        <p:nvSpPr>
-          <p:cNvPr id="150" name="Rounded Rectangle 149"/>
-          <p:cNvSpPr/>
-          <p:nvPr/>
-        </p:nvSpPr>
-        <p:spPr>
-          <a:xfrm>
-            <a:off x="6553200" y="4400550"/>
-            <a:ext cx="689776" cy="742950"/>
-          </a:xfrm>
-          <a:prstGeom prst="roundRect">
-            <a:avLst/>
-          </a:prstGeom>
-        </p:spPr>
-        <p:style>
-          <a:lnRef idx="1">
-            <a:schemeClr val="accent3"/>
-          </a:lnRef>
-          <a:fillRef idx="3">
-            <a:schemeClr val="accent3"/>
-          </a:fillRef>
-          <a:effectRef idx="2">
-            <a:schemeClr val="accent3"/>
-          </a:effectRef>
-          <a:fontRef idx="minor">
-            <a:schemeClr val="lt1"/>
-          </a:fontRef>
-        </p:style>
-        <p:txBody>
-          <a:bodyPr rtlCol="0" anchor="ctr"/>
-          <a:lstStyle/>
-          <a:p>
-            <a:pPr algn="ctr"/>
-            <a:r>
-              <a:rPr lang="en-US" b="1" dirty="0" smtClean="0"/>
-              <a:t>GPU</a:t>
-            </a:r>
-            <a:endParaRPr lang="en-US" b="1" dirty="0"/>
-          </a:p>
-        </p:txBody>
-      </p:sp>
-      <p:cxnSp>
-        <p:nvCxnSpPr>
-          <p:cNvPr id="184" name="Elbow Connector 183"/>
-          <p:cNvCxnSpPr>
-            <a:stCxn id="148" idx="3"/>
-          </p:cNvCxnSpPr>
-          <p:nvPr/>
-        </p:nvCxnSpPr>
-        <p:spPr>
-          <a:xfrm>
-            <a:off x="7240988" y="1647825"/>
-            <a:ext cx="263718" cy="619125"/>
-          </a:xfrm>
-          <a:prstGeom prst="bentConnector2">
-            <a:avLst/>
-          </a:prstGeom>
-          <a:ln w="63500">
-            <a:solidFill>
-              <a:srgbClr val="92D050"/>
-            </a:solidFill>
-            <a:headEnd type="triangle"/>
-            <a:tailEnd type="triangle"/>
-          </a:ln>
-        </p:spPr>
-        <p:style>
-          <a:lnRef idx="1">
-            <a:schemeClr val="accent1"/>
-          </a:lnRef>
-          <a:fillRef idx="0">
-            <a:schemeClr val="accent1"/>
-          </a:fillRef>
-          <a:effectRef idx="0">
-            <a:schemeClr val="accent1"/>
-          </a:effectRef>
-          <a:fontRef idx="minor">
-            <a:schemeClr val="tx1"/>
-          </a:fontRef>
-        </p:style>
-      </p:cxnSp>
-      <p:cxnSp>
-        <p:nvCxnSpPr>
-          <p:cNvPr id="186" name="Elbow Connector 185"/>
-          <p:cNvCxnSpPr>
-            <a:stCxn id="139" idx="3"/>
-          </p:cNvCxnSpPr>
-          <p:nvPr/>
-        </p:nvCxnSpPr>
-        <p:spPr>
-          <a:xfrm>
-            <a:off x="7239000" y="352425"/>
-            <a:ext cx="494311" cy="1914525"/>
-          </a:xfrm>
-          <a:prstGeom prst="bentConnector2">
-            <a:avLst/>
-          </a:prstGeom>
-          <a:ln w="63500">
-            <a:solidFill>
-              <a:srgbClr val="92D050"/>
-            </a:solidFill>
-            <a:headEnd type="triangle"/>
-            <a:tailEnd type="triangle"/>
-          </a:ln>
-        </p:spPr>
-        <p:style>
-          <a:lnRef idx="1">
-            <a:schemeClr val="accent1"/>
-          </a:lnRef>
-          <a:fillRef idx="0">
-            <a:schemeClr val="accent1"/>
-          </a:fillRef>
-          <a:effectRef idx="0">
-            <a:schemeClr val="accent1"/>
-          </a:effectRef>
-          <a:fontRef idx="minor">
-            <a:schemeClr val="tx1"/>
-          </a:fontRef>
-        </p:style>
-      </p:cxnSp>
-      <p:cxnSp>
-        <p:nvCxnSpPr>
-          <p:cNvPr id="188" name="Elbow Connector 187"/>
-          <p:cNvCxnSpPr>
-            <a:endCxn id="149" idx="3"/>
-          </p:cNvCxnSpPr>
-          <p:nvPr/>
-        </p:nvCxnSpPr>
-        <p:spPr>
-          <a:xfrm rot="5400000">
-            <a:off x="7100808" y="3017564"/>
-            <a:ext cx="544080" cy="259743"/>
-          </a:xfrm>
-          <a:prstGeom prst="bentConnector2">
-            <a:avLst/>
-          </a:prstGeom>
-          <a:ln w="63500">
-            <a:solidFill>
-              <a:srgbClr val="92D050"/>
-            </a:solidFill>
-            <a:headEnd type="triangle"/>
-            <a:tailEnd type="triangle"/>
-          </a:ln>
-        </p:spPr>
-        <p:style>
-          <a:lnRef idx="1">
-            <a:schemeClr val="accent1"/>
-          </a:lnRef>
-          <a:fillRef idx="0">
-            <a:schemeClr val="accent1"/>
-          </a:fillRef>
-          <a:effectRef idx="0">
-            <a:schemeClr val="accent1"/>
-          </a:effectRef>
-          <a:fontRef idx="minor">
-            <a:schemeClr val="tx1"/>
-          </a:fontRef>
-        </p:style>
-      </p:cxnSp>
-      <p:cxnSp>
-        <p:nvCxnSpPr>
-          <p:cNvPr id="192" name="Elbow Connector 191"/>
-          <p:cNvCxnSpPr>
-            <a:endCxn id="150" idx="3"/>
-          </p:cNvCxnSpPr>
-          <p:nvPr/>
-        </p:nvCxnSpPr>
-        <p:spPr>
-          <a:xfrm rot="5400000">
-            <a:off x="6539831" y="3578544"/>
-            <a:ext cx="1896627" cy="490335"/>
-          </a:xfrm>
-          <a:prstGeom prst="bentConnector2">
-            <a:avLst/>
-          </a:prstGeom>
-          <a:ln w="63500">
-            <a:solidFill>
-              <a:srgbClr val="92D050"/>
-            </a:solidFill>
-            <a:headEnd type="triangle"/>
-            <a:tailEnd type="triangle"/>
-          </a:ln>
-        </p:spPr>
-        <p:style>
-          <a:lnRef idx="1">
-            <a:schemeClr val="accent1"/>
-          </a:lnRef>
-          <a:fillRef idx="0">
-            <a:schemeClr val="accent1"/>
-          </a:fillRef>
-          <a:effectRef idx="0">
-            <a:schemeClr val="accent1"/>
-          </a:effectRef>
-          <a:fontRef idx="minor">
-            <a:schemeClr val="tx1"/>
-          </a:fontRef>
-        </p:style>
-      </p:cxnSp>
-      <p:sp>
-        <p:nvSpPr>
-          <p:cNvPr id="182" name="Rectangle 181"/>
-          <p:cNvSpPr/>
-          <p:nvPr/>
-        </p:nvSpPr>
-        <p:spPr>
-          <a:xfrm>
-            <a:off x="7164788" y="2266950"/>
-            <a:ext cx="836212" cy="608446"/>
+            <a:endParaRPr lang="en-US"/>
+          </a:p>
+        </p:txBody>
+      </p:sp>
+      <p:sp>
+        <p:nvSpPr>
+          <p:cNvPr id="78" name="TextBox 77"/>
+          <p:cNvSpPr txBox="1"/>
+          <p:nvPr/>
+        </p:nvSpPr>
+        <p:spPr>
+          <a:xfrm>
+            <a:off x="5003562" y="5505835"/>
+            <a:ext cx="4404411" cy="461665"/>
           </a:xfrm>
           <a:prstGeom prst="rect">
             <a:avLst/>
           </a:prstGeom>
-        </p:spPr>
-        <p:style>
-          <a:lnRef idx="2">
-            <a:schemeClr val="dk1">
-              <a:shade val="50000"/>
-            </a:schemeClr>
-          </a:lnRef>
-          <a:fillRef idx="1">
-            <a:schemeClr val="dk1"/>
-          </a:fillRef>
-          <a:effectRef idx="0">
-            <a:schemeClr val="dk1"/>
-          </a:effectRef>
-          <a:fontRef idx="minor">
-            <a:schemeClr val="lt1"/>
-          </a:fontRef>
-        </p:style>
-        <p:txBody>
-          <a:bodyPr vert="horz" rtlCol="0" anchor="ctr"/>
-          <a:lstStyle/>
-          <a:p>
-            <a:pPr algn="ctr"/>
-            <a:r>
-              <a:rPr lang="en-US" b="1" dirty="0" smtClean="0"/>
-              <a:t>GPU</a:t>
-            </a:r>
-          </a:p>
-          <a:p>
-            <a:pPr algn="ctr"/>
-            <a:r>
-              <a:rPr lang="en-US" b="1" dirty="0" smtClean="0"/>
-              <a:t>Switch</a:t>
-            </a:r>
-            <a:endParaRPr lang="en-US" b="1" dirty="0"/>
-          </a:p>
-        </p:txBody>
-      </p:sp>
-      <p:cxnSp>
-        <p:nvCxnSpPr>
-          <p:cNvPr id="201" name="Elbow Connector 200"/>
-          <p:cNvCxnSpPr>
-            <a:stCxn id="182" idx="3"/>
-            <a:endCxn id="141" idx="1"/>
-          </p:cNvCxnSpPr>
-          <p:nvPr/>
-        </p:nvCxnSpPr>
-        <p:spPr>
-          <a:xfrm>
-            <a:off x="8001000" y="2571173"/>
-            <a:ext cx="457200" cy="577"/>
-          </a:xfrm>
-          <a:prstGeom prst="bentConnector3">
-            <a:avLst>
-              <a:gd name="adj1" fmla="val 50000"/>
-            </a:avLst>
-          </a:prstGeom>
-          <a:ln w="63500">
-            <a:solidFill>
-              <a:srgbClr val="92D050"/>
-            </a:solidFill>
-            <a:headEnd type="triangle"/>
-            <a:tailEnd type="triangle"/>
-          </a:ln>
-        </p:spPr>
-        <p:style>
-          <a:lnRef idx="1">
-            <a:schemeClr val="accent1"/>
-          </a:lnRef>
-          <a:fillRef idx="0">
-            <a:schemeClr val="accent1"/>
-          </a:fillRef>
-          <a:effectRef idx="0">
-            <a:schemeClr val="accent1"/>
-          </a:effectRef>
-          <a:fontRef idx="minor">
-            <a:schemeClr val="tx1"/>
-          </a:fontRef>
-        </p:style>
-      </p:cxnSp>
-      <p:sp>
-        <p:nvSpPr>
-          <p:cNvPr id="204" name="Right Arrow 203"/>
-          <p:cNvSpPr/>
-          <p:nvPr/>
-        </p:nvSpPr>
-        <p:spPr>
-          <a:xfrm>
-            <a:off x="2362200" y="2400299"/>
-            <a:ext cx="457200" cy="323851"/>
-          </a:xfrm>
-          <a:prstGeom prst="rightArrow">
-            <a:avLst/>
-          </a:prstGeom>
-        </p:spPr>
-        <p:style>
-          <a:lnRef idx="1">
-            <a:schemeClr val="accent2"/>
-          </a:lnRef>
-          <a:fillRef idx="3">
-            <a:schemeClr val="accent2"/>
-          </a:fillRef>
-          <a:effectRef idx="2">
-            <a:schemeClr val="accent2"/>
-          </a:effectRef>
-          <a:fontRef idx="minor">
-            <a:schemeClr val="lt1"/>
-          </a:fontRef>
-        </p:style>
-        <p:txBody>
-          <a:bodyPr rtlCol="0" anchor="ctr"/>
-          <a:lstStyle/>
-          <a:p>
-            <a:pPr algn="ctr"/>
-            <a:endParaRPr lang="en-US"/>
-          </a:p>
-        </p:txBody>
-      </p:sp>
-      <p:sp>
-        <p:nvSpPr>
-          <p:cNvPr id="205" name="Right Arrow 204"/>
-          <p:cNvSpPr/>
-          <p:nvPr/>
-        </p:nvSpPr>
-        <p:spPr>
-          <a:xfrm>
-            <a:off x="6019800" y="2409824"/>
-            <a:ext cx="457200" cy="323851"/>
-          </a:xfrm>
-          <a:prstGeom prst="rightArrow">
-            <a:avLst/>
-          </a:prstGeom>
-        </p:spPr>
-        <p:style>
-          <a:lnRef idx="1">
-            <a:schemeClr val="accent2"/>
-          </a:lnRef>
-          <a:fillRef idx="3">
-            <a:schemeClr val="accent2"/>
-          </a:fillRef>
-          <a:effectRef idx="2">
-            <a:schemeClr val="accent2"/>
-          </a:effectRef>
-          <a:fontRef idx="minor">
-            <a:schemeClr val="lt1"/>
-          </a:fontRef>
-        </p:style>
-        <p:txBody>
-          <a:bodyPr rtlCol="0" anchor="ctr"/>
-          <a:lstStyle/>
-          <a:p>
-            <a:pPr algn="ctr"/>
-            <a:endParaRPr lang="en-US"/>
-          </a:p>
-        </p:txBody>
-      </p:sp>
-      <p:sp>
-        <p:nvSpPr>
-          <p:cNvPr id="75" name="Rectangle 74"/>
-          <p:cNvSpPr/>
-          <p:nvPr/>
-        </p:nvSpPr>
-        <p:spPr>
-          <a:xfrm>
-            <a:off x="609600" y="971550"/>
-            <a:ext cx="838200" cy="533400"/>
+          <a:noFill/>
+        </p:spPr>
+        <p:txBody>
+          <a:bodyPr wrap="none" rtlCol="0">
+            <a:spAutoFit/>
+          </a:bodyPr>
+          <a:lstStyle/>
+          <a:p>
+            <a:r>
+              <a:rPr lang="en-US" sz="2400" dirty="0" smtClean="0"/>
+              <a:t>Logical Programmer Exposed GPU</a:t>
+            </a:r>
+            <a:endParaRPr lang="en-US" sz="2400" dirty="0"/>
+          </a:p>
+        </p:txBody>
+      </p:sp>
+      <p:sp>
+        <p:nvSpPr>
+          <p:cNvPr id="79" name="TextBox 78"/>
+          <p:cNvSpPr txBox="1"/>
+          <p:nvPr/>
+        </p:nvSpPr>
+        <p:spPr>
+          <a:xfrm>
+            <a:off x="5003562" y="5936722"/>
+            <a:ext cx="2881558" cy="461665"/>
           </a:xfrm>
           <a:prstGeom prst="rect">
             <a:avLst/>
           </a:prstGeom>
-        </p:spPr>
-        <p:style>
-          <a:lnRef idx="2">
-            <a:schemeClr val="dk1">
-              <a:shade val="50000"/>
-            </a:schemeClr>
-          </a:lnRef>
-          <a:fillRef idx="1">
-            <a:schemeClr val="dk1"/>
-          </a:fillRef>
-          <a:effectRef idx="0">
-            <a:schemeClr val="dk1"/>
-          </a:effectRef>
-          <a:fontRef idx="minor">
-            <a:schemeClr val="lt1"/>
-          </a:fontRef>
-        </p:style>
-        <p:txBody>
-          <a:bodyPr vert="horz" rtlCol="0" anchor="ctr"/>
-          <a:lstStyle/>
-          <a:p>
-            <a:pPr algn="ctr"/>
-            <a:r>
-              <a:rPr lang="en-US" b="1" dirty="0" err="1" smtClean="0"/>
-              <a:t>PCIe</a:t>
-            </a:r>
-            <a:r>
-              <a:rPr lang="en-US" b="1" dirty="0" smtClean="0"/>
-              <a:t> </a:t>
-            </a:r>
-            <a:r>
-              <a:rPr lang="en-US" b="1" dirty="0" smtClean="0"/>
-              <a:t>Switch</a:t>
-            </a:r>
-            <a:endParaRPr lang="en-US" b="1" dirty="0"/>
-          </a:p>
-        </p:txBody>
-      </p:sp>
-      <p:sp>
-        <p:nvSpPr>
-          <p:cNvPr id="99" name="Rectangle 98"/>
-          <p:cNvSpPr/>
-          <p:nvPr/>
-        </p:nvSpPr>
-        <p:spPr>
-          <a:xfrm>
-            <a:off x="3429000" y="4133850"/>
-            <a:ext cx="838200" cy="533400"/>
-          </a:xfrm>
-          <a:prstGeom prst="rect">
-            <a:avLst/>
-          </a:prstGeom>
-        </p:spPr>
-        <p:style>
-          <a:lnRef idx="2">
-            <a:schemeClr val="dk1">
-              <a:shade val="50000"/>
-            </a:schemeClr>
-          </a:lnRef>
-          <a:fillRef idx="1">
-            <a:schemeClr val="dk1"/>
-          </a:fillRef>
-          <a:effectRef idx="0">
-            <a:schemeClr val="dk1"/>
-          </a:effectRef>
-          <a:fontRef idx="minor">
-            <a:schemeClr val="lt1"/>
-          </a:fontRef>
-        </p:style>
-        <p:txBody>
-          <a:bodyPr vert="horz" rtlCol="0" anchor="ctr"/>
-          <a:lstStyle/>
-          <a:p>
-            <a:pPr algn="ctr"/>
-            <a:r>
-              <a:rPr lang="en-US" b="1" dirty="0" err="1" smtClean="0"/>
-              <a:t>PCIe</a:t>
-            </a:r>
-            <a:r>
-              <a:rPr lang="en-US" b="1" dirty="0" smtClean="0"/>
-              <a:t> </a:t>
-            </a:r>
-            <a:r>
-              <a:rPr lang="en-US" b="1" dirty="0" smtClean="0"/>
-              <a:t>Switch</a:t>
-            </a:r>
-            <a:endParaRPr lang="en-US" b="1" dirty="0"/>
-          </a:p>
-        </p:txBody>
-      </p:sp>
-      <p:sp>
-        <p:nvSpPr>
-          <p:cNvPr id="100" name="Rectangle 99"/>
-          <p:cNvSpPr/>
-          <p:nvPr/>
-        </p:nvSpPr>
-        <p:spPr>
-          <a:xfrm>
-            <a:off x="3429000" y="438150"/>
-            <a:ext cx="838200" cy="533400"/>
-          </a:xfrm>
-          <a:prstGeom prst="rect">
-            <a:avLst/>
-          </a:prstGeom>
-        </p:spPr>
-        <p:style>
-          <a:lnRef idx="2">
-            <a:schemeClr val="dk1">
-              <a:shade val="50000"/>
-            </a:schemeClr>
-          </a:lnRef>
-          <a:fillRef idx="1">
-            <a:schemeClr val="dk1"/>
-          </a:fillRef>
-          <a:effectRef idx="0">
-            <a:schemeClr val="dk1"/>
-          </a:effectRef>
-          <a:fontRef idx="minor">
-            <a:schemeClr val="lt1"/>
-          </a:fontRef>
-        </p:style>
-        <p:txBody>
-          <a:bodyPr vert="horz" rtlCol="0" anchor="ctr"/>
-          <a:lstStyle/>
-          <a:p>
-            <a:pPr algn="ctr"/>
-            <a:r>
-              <a:rPr lang="en-US" b="1" dirty="0" err="1" smtClean="0"/>
-              <a:t>PCIe</a:t>
-            </a:r>
-            <a:r>
-              <a:rPr lang="en-US" b="1" dirty="0" smtClean="0"/>
-              <a:t> </a:t>
-            </a:r>
-            <a:r>
-              <a:rPr lang="en-US" b="1" dirty="0" smtClean="0"/>
-              <a:t>Switch</a:t>
-            </a:r>
-            <a:endParaRPr lang="en-US" b="1" dirty="0"/>
+          <a:noFill/>
+        </p:spPr>
+        <p:txBody>
+          <a:bodyPr wrap="none" rtlCol="0">
+            <a:spAutoFit/>
+          </a:bodyPr>
+          <a:lstStyle/>
+          <a:p>
+            <a:r>
+              <a:rPr lang="en-US" sz="2400" dirty="0" smtClean="0"/>
+              <a:t>Discrete physical GPU</a:t>
+            </a:r>
+            <a:endParaRPr lang="en-US" sz="2400" dirty="0"/>
           </a:p>
         </p:txBody>
       </p:sp>
     </p:spTree>
     <p:extLst>
       <p:ext uri="{BB962C8B-B14F-4D97-AF65-F5344CB8AC3E}">
-        <p14:creationId xmlns:p14="http://schemas.microsoft.com/office/powerpoint/2010/main" val="482932699"/>
+        <p14:creationId xmlns:p14="http://schemas.microsoft.com/office/powerpoint/2010/main" val="2502314812"/>
       </p:ext>
     </p:extLst>
   </p:cSld>

--- a/figures/inter_gpu_connections.pptx
+++ b/figures/inter_gpu_connections.pptx
@@ -288,7 +288,7 @@
           <a:p>
             <a:fld id="{DF0FAB3D-4F44-4284-A2F4-9F94FAC0A17E}" type="datetimeFigureOut">
               <a:rPr lang="en-US" smtClean="0"/>
-              <a:t>4/3/2017</a:t>
+              <a:t>4/4/2017</a:t>
             </a:fld>
             <a:endParaRPr lang="en-US"/>
           </a:p>
@@ -458,7 +458,7 @@
           <a:p>
             <a:fld id="{DF0FAB3D-4F44-4284-A2F4-9F94FAC0A17E}" type="datetimeFigureOut">
               <a:rPr lang="en-US" smtClean="0"/>
-              <a:t>4/3/2017</a:t>
+              <a:t>4/4/2017</a:t>
             </a:fld>
             <a:endParaRPr lang="en-US"/>
           </a:p>
@@ -638,7 +638,7 @@
           <a:p>
             <a:fld id="{DF0FAB3D-4F44-4284-A2F4-9F94FAC0A17E}" type="datetimeFigureOut">
               <a:rPr lang="en-US" smtClean="0"/>
-              <a:t>4/3/2017</a:t>
+              <a:t>4/4/2017</a:t>
             </a:fld>
             <a:endParaRPr lang="en-US"/>
           </a:p>
@@ -808,7 +808,7 @@
           <a:p>
             <a:fld id="{DF0FAB3D-4F44-4284-A2F4-9F94FAC0A17E}" type="datetimeFigureOut">
               <a:rPr lang="en-US" smtClean="0"/>
-              <a:t>4/3/2017</a:t>
+              <a:t>4/4/2017</a:t>
             </a:fld>
             <a:endParaRPr lang="en-US"/>
           </a:p>
@@ -1054,7 +1054,7 @@
           <a:p>
             <a:fld id="{DF0FAB3D-4F44-4284-A2F4-9F94FAC0A17E}" type="datetimeFigureOut">
               <a:rPr lang="en-US" smtClean="0"/>
-              <a:t>4/3/2017</a:t>
+              <a:t>4/4/2017</a:t>
             </a:fld>
             <a:endParaRPr lang="en-US"/>
           </a:p>
@@ -1342,7 +1342,7 @@
           <a:p>
             <a:fld id="{DF0FAB3D-4F44-4284-A2F4-9F94FAC0A17E}" type="datetimeFigureOut">
               <a:rPr lang="en-US" smtClean="0"/>
-              <a:t>4/3/2017</a:t>
+              <a:t>4/4/2017</a:t>
             </a:fld>
             <a:endParaRPr lang="en-US"/>
           </a:p>
@@ -1764,7 +1764,7 @@
           <a:p>
             <a:fld id="{DF0FAB3D-4F44-4284-A2F4-9F94FAC0A17E}" type="datetimeFigureOut">
               <a:rPr lang="en-US" smtClean="0"/>
-              <a:t>4/3/2017</a:t>
+              <a:t>4/4/2017</a:t>
             </a:fld>
             <a:endParaRPr lang="en-US"/>
           </a:p>
@@ -1882,7 +1882,7 @@
           <a:p>
             <a:fld id="{DF0FAB3D-4F44-4284-A2F4-9F94FAC0A17E}" type="datetimeFigureOut">
               <a:rPr lang="en-US" smtClean="0"/>
-              <a:t>4/3/2017</a:t>
+              <a:t>4/4/2017</a:t>
             </a:fld>
             <a:endParaRPr lang="en-US"/>
           </a:p>
@@ -1977,7 +1977,7 @@
           <a:p>
             <a:fld id="{DF0FAB3D-4F44-4284-A2F4-9F94FAC0A17E}" type="datetimeFigureOut">
               <a:rPr lang="en-US" smtClean="0"/>
-              <a:t>4/3/2017</a:t>
+              <a:t>4/4/2017</a:t>
             </a:fld>
             <a:endParaRPr lang="en-US"/>
           </a:p>
@@ -2254,7 +2254,7 @@
           <a:p>
             <a:fld id="{DF0FAB3D-4F44-4284-A2F4-9F94FAC0A17E}" type="datetimeFigureOut">
               <a:rPr lang="en-US" smtClean="0"/>
-              <a:t>4/3/2017</a:t>
+              <a:t>4/4/2017</a:t>
             </a:fld>
             <a:endParaRPr lang="en-US"/>
           </a:p>
@@ -2507,7 +2507,7 @@
           <a:p>
             <a:fld id="{DF0FAB3D-4F44-4284-A2F4-9F94FAC0A17E}" type="datetimeFigureOut">
               <a:rPr lang="en-US" smtClean="0"/>
-              <a:t>4/3/2017</a:t>
+              <a:t>4/4/2017</a:t>
             </a:fld>
             <a:endParaRPr lang="en-US"/>
           </a:p>
@@ -2720,7 +2720,7 @@
           <a:p>
             <a:fld id="{DF0FAB3D-4F44-4284-A2F4-9F94FAC0A17E}" type="datetimeFigureOut">
               <a:rPr lang="en-US" smtClean="0"/>
-              <a:t>4/3/2017</a:t>
+              <a:t>4/4/2017</a:t>
             </a:fld>
             <a:endParaRPr lang="en-US"/>
           </a:p>
@@ -3109,6 +3109,11 @@
           <a:prstGeom prst="rect">
             <a:avLst/>
           </a:prstGeom>
+          <a:solidFill>
+            <a:schemeClr val="bg1">
+              <a:lumMod val="85000"/>
+            </a:schemeClr>
+          </a:solidFill>
         </p:spPr>
         <p:style>
           <a:lnRef idx="1">
@@ -3185,6 +3190,11 @@
           <a:prstGeom prst="rect">
             <a:avLst/>
           </a:prstGeom>
+          <a:solidFill>
+            <a:schemeClr val="bg1">
+              <a:lumMod val="85000"/>
+            </a:schemeClr>
+          </a:solidFill>
         </p:spPr>
         <p:style>
           <a:lnRef idx="1">
@@ -3695,15 +3705,15 @@
           </a:fontRef>
         </p:style>
         <p:txBody>
-          <a:bodyPr rtlCol="0" anchor="ctr"/>
+          <a:bodyPr lIns="0" tIns="0" rIns="0" bIns="0" rtlCol="0" anchor="ctr"/>
           <a:lstStyle/>
           <a:p>
             <a:pPr algn="ctr"/>
             <a:r>
-              <a:rPr lang="en-US" b="1" dirty="0" smtClean="0"/>
+              <a:rPr lang="en-US" sz="2000" b="1" dirty="0" smtClean="0"/>
               <a:t>GPU</a:t>
             </a:r>
-            <a:endParaRPr lang="en-US" b="1" dirty="0"/>
+            <a:endParaRPr lang="en-US" sz="2000" b="1" dirty="0"/>
           </a:p>
         </p:txBody>
       </p:sp>
@@ -3737,19 +3747,19 @@
           </a:fontRef>
         </p:style>
         <p:txBody>
-          <a:bodyPr rtlCol="0" anchor="ctr"/>
+          <a:bodyPr lIns="0" tIns="0" rIns="0" bIns="0" rtlCol="0" anchor="ctr"/>
           <a:lstStyle/>
           <a:p>
             <a:pPr algn="ctr"/>
             <a:r>
-              <a:rPr lang="en-US" b="1" dirty="0"/>
+              <a:rPr lang="en-US" sz="2000" b="1" dirty="0"/>
               <a:t>C</a:t>
             </a:r>
             <a:r>
-              <a:rPr lang="en-US" b="1" dirty="0" smtClean="0"/>
+              <a:rPr lang="en-US" sz="2000" b="1" dirty="0" smtClean="0"/>
               <a:t>PU</a:t>
             </a:r>
-            <a:endParaRPr lang="en-US" b="1" dirty="0"/>
+            <a:endParaRPr lang="en-US" sz="2000" b="1" dirty="0"/>
           </a:p>
         </p:txBody>
       </p:sp>
@@ -4023,15 +4033,15 @@
           </a:fontRef>
         </p:style>
         <p:txBody>
-          <a:bodyPr rtlCol="0" anchor="ctr"/>
+          <a:bodyPr lIns="0" tIns="0" rIns="0" bIns="0" rtlCol="0" anchor="ctr"/>
           <a:lstStyle/>
           <a:p>
             <a:pPr algn="ctr"/>
             <a:r>
-              <a:rPr lang="en-US" b="1" dirty="0" smtClean="0"/>
+              <a:rPr lang="en-US" sz="2000" b="1" dirty="0" smtClean="0"/>
               <a:t>GPU</a:t>
             </a:r>
-            <a:endParaRPr lang="en-US" b="1" dirty="0"/>
+            <a:endParaRPr lang="en-US" sz="2000" b="1" dirty="0"/>
           </a:p>
         </p:txBody>
       </p:sp>
@@ -4065,15 +4075,15 @@
           </a:fontRef>
         </p:style>
         <p:txBody>
-          <a:bodyPr rtlCol="0" anchor="ctr"/>
+          <a:bodyPr lIns="0" tIns="0" rIns="0" bIns="0" rtlCol="0" anchor="ctr"/>
           <a:lstStyle/>
           <a:p>
             <a:pPr algn="ctr"/>
             <a:r>
-              <a:rPr lang="en-US" b="1" dirty="0" smtClean="0"/>
+              <a:rPr lang="en-US" sz="2000" b="1" dirty="0" smtClean="0"/>
               <a:t>GPU</a:t>
             </a:r>
-            <a:endParaRPr lang="en-US" b="1" dirty="0"/>
+            <a:endParaRPr lang="en-US" sz="2000" b="1" dirty="0"/>
           </a:p>
         </p:txBody>
       </p:sp>
@@ -4107,15 +4117,15 @@
           </a:fontRef>
         </p:style>
         <p:txBody>
-          <a:bodyPr rtlCol="0" anchor="ctr"/>
+          <a:bodyPr lIns="0" tIns="0" rIns="0" bIns="0" rtlCol="0" anchor="ctr"/>
           <a:lstStyle/>
           <a:p>
             <a:pPr algn="ctr"/>
             <a:r>
-              <a:rPr lang="en-US" b="1" dirty="0" smtClean="0"/>
+              <a:rPr lang="en-US" sz="2000" b="1" dirty="0" smtClean="0"/>
               <a:t>GPU</a:t>
             </a:r>
-            <a:endParaRPr lang="en-US" b="1" dirty="0"/>
+            <a:endParaRPr lang="en-US" sz="2000" b="1" dirty="0"/>
           </a:p>
         </p:txBody>
       </p:sp>
@@ -4197,15 +4207,15 @@
           </a:fontRef>
         </p:style>
         <p:txBody>
-          <a:bodyPr rtlCol="0" anchor="ctr"/>
+          <a:bodyPr lIns="0" tIns="0" rIns="0" bIns="0" rtlCol="0" anchor="ctr"/>
           <a:lstStyle/>
           <a:p>
             <a:pPr algn="ctr"/>
             <a:r>
-              <a:rPr lang="en-US" b="1" dirty="0" smtClean="0"/>
+              <a:rPr lang="en-US" sz="2000" b="1" dirty="0" smtClean="0"/>
               <a:t>GPU</a:t>
             </a:r>
-            <a:endParaRPr lang="en-US" b="1" dirty="0"/>
+            <a:endParaRPr lang="en-US" sz="2000" b="1" dirty="0"/>
           </a:p>
         </p:txBody>
       </p:sp>
@@ -4239,15 +4249,15 @@
           </a:fontRef>
         </p:style>
         <p:txBody>
-          <a:bodyPr rtlCol="0" anchor="ctr"/>
+          <a:bodyPr lIns="0" tIns="0" rIns="0" bIns="0" rtlCol="0" anchor="ctr"/>
           <a:lstStyle/>
           <a:p>
             <a:pPr algn="ctr"/>
             <a:r>
-              <a:rPr lang="en-US" b="1" dirty="0" smtClean="0"/>
+              <a:rPr lang="en-US" sz="2000" b="1" dirty="0" smtClean="0"/>
               <a:t>GPU</a:t>
             </a:r>
-            <a:endParaRPr lang="en-US" b="1" dirty="0"/>
+            <a:endParaRPr lang="en-US" sz="2000" b="1" dirty="0"/>
           </a:p>
         </p:txBody>
       </p:sp>
@@ -4281,15 +4291,15 @@
           </a:fontRef>
         </p:style>
         <p:txBody>
-          <a:bodyPr rtlCol="0" anchor="ctr"/>
+          <a:bodyPr lIns="0" tIns="0" rIns="0" bIns="0" rtlCol="0" anchor="ctr"/>
           <a:lstStyle/>
           <a:p>
             <a:pPr algn="ctr"/>
             <a:r>
-              <a:rPr lang="en-US" b="1" dirty="0" smtClean="0"/>
+              <a:rPr lang="en-US" sz="2000" b="1" dirty="0" smtClean="0"/>
               <a:t>GPU</a:t>
             </a:r>
-            <a:endParaRPr lang="en-US" b="1" dirty="0"/>
+            <a:endParaRPr lang="en-US" sz="2000" b="1" dirty="0"/>
           </a:p>
         </p:txBody>
       </p:sp>
@@ -4323,15 +4333,15 @@
           </a:fontRef>
         </p:style>
         <p:txBody>
-          <a:bodyPr rtlCol="0" anchor="ctr"/>
+          <a:bodyPr lIns="0" tIns="0" rIns="0" bIns="0" rtlCol="0" anchor="ctr"/>
           <a:lstStyle/>
           <a:p>
             <a:pPr algn="ctr"/>
             <a:r>
-              <a:rPr lang="en-US" b="1" dirty="0" smtClean="0"/>
+              <a:rPr lang="en-US" sz="2000" b="1" dirty="0" smtClean="0"/>
               <a:t>GPU</a:t>
             </a:r>
-            <a:endParaRPr lang="en-US" b="1" dirty="0"/>
+            <a:endParaRPr lang="en-US" sz="2000" b="1" dirty="0"/>
           </a:p>
         </p:txBody>
       </p:sp>
@@ -4365,19 +4375,19 @@
           </a:fontRef>
         </p:style>
         <p:txBody>
-          <a:bodyPr rtlCol="0" anchor="ctr"/>
+          <a:bodyPr lIns="0" tIns="0" rIns="0" bIns="0" rtlCol="0" anchor="ctr"/>
           <a:lstStyle/>
           <a:p>
             <a:pPr algn="ctr"/>
             <a:r>
-              <a:rPr lang="en-US" b="1" dirty="0"/>
+              <a:rPr lang="en-US" sz="2000" b="1" dirty="0"/>
               <a:t>C</a:t>
             </a:r>
             <a:r>
-              <a:rPr lang="en-US" b="1" dirty="0" smtClean="0"/>
+              <a:rPr lang="en-US" sz="2000" b="1" dirty="0" smtClean="0"/>
               <a:t>PU</a:t>
             </a:r>
-            <a:endParaRPr lang="en-US" b="1" dirty="0"/>
+            <a:endParaRPr lang="en-US" sz="2000" b="1" dirty="0"/>
           </a:p>
         </p:txBody>
       </p:sp>
@@ -4644,7 +4654,7 @@
           </a:prstGeom>
           <a:ln w="44450">
             <a:solidFill>
-              <a:srgbClr val="92D050"/>
+              <a:srgbClr val="00B050"/>
             </a:solidFill>
             <a:headEnd type="triangle"/>
             <a:tailEnd type="triangle"/>
@@ -4684,7 +4694,7 @@
           </a:prstGeom>
           <a:ln w="44450">
             <a:solidFill>
-              <a:srgbClr val="92D050"/>
+              <a:srgbClr val="00B050"/>
             </a:solidFill>
             <a:headEnd type="triangle"/>
             <a:tailEnd type="triangle"/>
@@ -4721,7 +4731,7 @@
           </a:prstGeom>
           <a:ln w="44450">
             <a:solidFill>
-              <a:srgbClr val="92D050"/>
+              <a:srgbClr val="00B050"/>
             </a:solidFill>
             <a:headEnd type="triangle"/>
             <a:tailEnd type="triangle"/>
@@ -4758,7 +4768,7 @@
           </a:prstGeom>
           <a:ln w="44450">
             <a:solidFill>
-              <a:srgbClr val="92D050"/>
+              <a:srgbClr val="00B050"/>
             </a:solidFill>
             <a:headEnd type="triangle"/>
             <a:tailEnd type="triangle"/>
@@ -4795,7 +4805,7 @@
           </a:prstGeom>
           <a:ln w="44450">
             <a:solidFill>
-              <a:srgbClr val="92D050"/>
+              <a:srgbClr val="00B050"/>
             </a:solidFill>
             <a:headEnd type="triangle"/>
             <a:tailEnd type="triangle"/>
@@ -4832,7 +4842,7 @@
           </a:prstGeom>
           <a:ln w="44450">
             <a:solidFill>
-              <a:srgbClr val="92D050"/>
+              <a:srgbClr val="00B050"/>
             </a:solidFill>
             <a:headEnd type="triangle"/>
             <a:tailEnd type="triangle"/>
@@ -4861,7 +4871,7 @@
         </p:nvSpPr>
         <p:spPr>
           <a:xfrm>
-            <a:off x="7391400" y="171450"/>
+            <a:off x="7386636" y="201159"/>
             <a:ext cx="685800" cy="742950"/>
           </a:xfrm>
           <a:prstGeom prst="roundRect">
@@ -4883,15 +4893,15 @@
           </a:fontRef>
         </p:style>
         <p:txBody>
-          <a:bodyPr rtlCol="0" anchor="ctr"/>
+          <a:bodyPr lIns="0" tIns="0" rIns="0" bIns="0" rtlCol="0" anchor="ctr"/>
           <a:lstStyle/>
           <a:p>
             <a:pPr algn="ctr"/>
             <a:r>
-              <a:rPr lang="en-US" b="1" dirty="0" smtClean="0"/>
+              <a:rPr lang="en-US" sz="2000" b="1" dirty="0" smtClean="0"/>
               <a:t>GPU</a:t>
             </a:r>
-            <a:endParaRPr lang="en-US" b="1" dirty="0"/>
+            <a:endParaRPr lang="en-US" sz="2000" b="1" dirty="0"/>
           </a:p>
         </p:txBody>
       </p:sp>
@@ -4925,19 +4935,19 @@
           </a:fontRef>
         </p:style>
         <p:txBody>
-          <a:bodyPr rtlCol="0" anchor="ctr"/>
+          <a:bodyPr lIns="0" tIns="0" rIns="0" bIns="0" rtlCol="0" anchor="ctr"/>
           <a:lstStyle/>
           <a:p>
             <a:pPr algn="ctr"/>
             <a:r>
-              <a:rPr lang="en-US" b="1" dirty="0"/>
+              <a:rPr lang="en-US" sz="2000" b="1" dirty="0"/>
               <a:t>C</a:t>
             </a:r>
             <a:r>
-              <a:rPr lang="en-US" b="1" dirty="0" smtClean="0"/>
+              <a:rPr lang="en-US" sz="2000" b="1" dirty="0" smtClean="0"/>
               <a:t>PU</a:t>
             </a:r>
-            <a:endParaRPr lang="en-US" b="1" dirty="0"/>
+            <a:endParaRPr lang="en-US" sz="2000" b="1" dirty="0"/>
           </a:p>
         </p:txBody>
       </p:sp>
@@ -4971,15 +4981,15 @@
           </a:fontRef>
         </p:style>
         <p:txBody>
-          <a:bodyPr rtlCol="0" anchor="ctr"/>
+          <a:bodyPr lIns="0" tIns="0" rIns="0" bIns="0" rtlCol="0" anchor="ctr"/>
           <a:lstStyle/>
           <a:p>
             <a:pPr algn="ctr"/>
             <a:r>
-              <a:rPr lang="en-US" b="1" dirty="0" smtClean="0"/>
+              <a:rPr lang="en-US" sz="2000" b="1" dirty="0" smtClean="0"/>
               <a:t>GPU</a:t>
             </a:r>
-            <a:endParaRPr lang="en-US" b="1" dirty="0"/>
+            <a:endParaRPr lang="en-US" sz="2000" b="1" dirty="0"/>
           </a:p>
         </p:txBody>
       </p:sp>
@@ -5013,15 +5023,15 @@
           </a:fontRef>
         </p:style>
         <p:txBody>
-          <a:bodyPr rtlCol="0" anchor="ctr"/>
+          <a:bodyPr lIns="0" tIns="0" rIns="0" bIns="0" rtlCol="0" anchor="ctr"/>
           <a:lstStyle/>
           <a:p>
             <a:pPr algn="ctr"/>
             <a:r>
-              <a:rPr lang="en-US" b="1" dirty="0" smtClean="0"/>
+              <a:rPr lang="en-US" sz="2000" b="1" dirty="0" smtClean="0"/>
               <a:t>GPU</a:t>
             </a:r>
-            <a:endParaRPr lang="en-US" b="1" dirty="0"/>
+            <a:endParaRPr lang="en-US" sz="2000" b="1" dirty="0"/>
           </a:p>
         </p:txBody>
       </p:sp>
@@ -5055,15 +5065,15 @@
           </a:fontRef>
         </p:style>
         <p:txBody>
-          <a:bodyPr rtlCol="0" anchor="ctr"/>
+          <a:bodyPr lIns="0" tIns="0" rIns="0" bIns="0" rtlCol="0" anchor="ctr"/>
           <a:lstStyle/>
           <a:p>
             <a:pPr algn="ctr"/>
             <a:r>
-              <a:rPr lang="en-US" b="1" dirty="0" smtClean="0"/>
+              <a:rPr lang="en-US" sz="2000" b="1" dirty="0" smtClean="0"/>
               <a:t>GPU</a:t>
             </a:r>
-            <a:endParaRPr lang="en-US" b="1" dirty="0"/>
+            <a:endParaRPr lang="en-US" sz="2000" b="1" dirty="0"/>
           </a:p>
         </p:txBody>
       </p:sp>
@@ -5085,7 +5095,7 @@
           </a:prstGeom>
           <a:ln w="63500">
             <a:solidFill>
-              <a:srgbClr val="92D050"/>
+              <a:srgbClr val="00B050"/>
             </a:solidFill>
             <a:headEnd type="triangle"/>
             <a:tailEnd type="triangle"/>
@@ -5116,7 +5126,7 @@
         </p:nvCxnSpPr>
         <p:spPr>
           <a:xfrm>
-            <a:off x="8077200" y="542925"/>
+            <a:off x="8072436" y="572634"/>
             <a:ext cx="494311" cy="1914525"/>
           </a:xfrm>
           <a:prstGeom prst="bentConnector2">
@@ -5124,7 +5134,7 @@
           </a:prstGeom>
           <a:ln w="63500">
             <a:solidFill>
-              <a:srgbClr val="92D050"/>
+              <a:srgbClr val="00B050"/>
             </a:solidFill>
             <a:headEnd type="triangle"/>
             <a:tailEnd type="triangle"/>
@@ -5163,7 +5173,7 @@
           </a:prstGeom>
           <a:ln w="63500">
             <a:solidFill>
-              <a:srgbClr val="92D050"/>
+              <a:srgbClr val="00B050"/>
             </a:solidFill>
             <a:headEnd type="triangle"/>
             <a:tailEnd type="triangle"/>
@@ -5202,7 +5212,7 @@
           </a:prstGeom>
           <a:ln w="63500">
             <a:solidFill>
-              <a:srgbClr val="92D050"/>
+              <a:srgbClr val="00B050"/>
             </a:solidFill>
             <a:headEnd type="triangle"/>
             <a:tailEnd type="triangle"/>
@@ -5295,7 +5305,7 @@
           </a:prstGeom>
           <a:ln w="63500">
             <a:solidFill>
-              <a:srgbClr val="92D050"/>
+              <a:srgbClr val="00B050"/>
             </a:solidFill>
             <a:headEnd type="triangle"/>
             <a:tailEnd type="triangle"/>
@@ -5552,7 +5562,7 @@
           </a:prstGeom>
           <a:ln w="44450">
             <a:solidFill>
-              <a:srgbClr val="92D050"/>
+              <a:srgbClr val="00B050"/>
             </a:solidFill>
             <a:headEnd type="triangle"/>
             <a:tailEnd type="triangle"/>
@@ -5589,7 +5599,7 @@
           </a:prstGeom>
           <a:ln w="44450">
             <a:solidFill>
-              <a:srgbClr val="92D050"/>
+              <a:srgbClr val="00B050"/>
             </a:solidFill>
             <a:headEnd type="triangle"/>
             <a:tailEnd type="triangle"/>
@@ -5697,7 +5707,7 @@
           </a:prstGeom>
           <a:ln w="50800">
             <a:solidFill>
-              <a:srgbClr val="92D050"/>
+              <a:srgbClr val="00B050"/>
             </a:solidFill>
             <a:headEnd type="triangle"/>
             <a:tailEnd type="triangle"/>
@@ -5804,6 +5814,11 @@
           <a:prstGeom prst="rect">
             <a:avLst/>
           </a:prstGeom>
+          <a:solidFill>
+            <a:schemeClr val="bg1">
+              <a:lumMod val="85000"/>
+            </a:schemeClr>
+          </a:solidFill>
         </p:spPr>
         <p:style>
           <a:lnRef idx="1">

--- a/figures/inter_gpu_connections.pptx
+++ b/figures/inter_gpu_connections.pptx
@@ -3710,10 +3710,10 @@
           <a:p>
             <a:pPr algn="ctr"/>
             <a:r>
-              <a:rPr lang="en-US" sz="2000" b="1" dirty="0" smtClean="0"/>
+              <a:rPr lang="en-US" sz="2400" b="1" dirty="0" smtClean="0"/>
               <a:t>GPU</a:t>
             </a:r>
-            <a:endParaRPr lang="en-US" sz="2000" b="1" dirty="0"/>
+            <a:endParaRPr lang="en-US" sz="2400" b="1" dirty="0"/>
           </a:p>
         </p:txBody>
       </p:sp>
@@ -3752,14 +3752,14 @@
           <a:p>
             <a:pPr algn="ctr"/>
             <a:r>
-              <a:rPr lang="en-US" sz="2000" b="1" dirty="0"/>
+              <a:rPr lang="en-US" sz="2400" b="1" dirty="0"/>
               <a:t>C</a:t>
             </a:r>
             <a:r>
-              <a:rPr lang="en-US" sz="2000" b="1" dirty="0" smtClean="0"/>
+              <a:rPr lang="en-US" sz="2400" b="1" dirty="0" smtClean="0"/>
               <a:t>PU</a:t>
             </a:r>
-            <a:endParaRPr lang="en-US" sz="2000" b="1" dirty="0"/>
+            <a:endParaRPr lang="en-US" sz="2400" b="1" dirty="0"/>
           </a:p>
         </p:txBody>
       </p:sp>
@@ -3774,8 +3774,8 @@
         </p:nvCxnSpPr>
         <p:spPr>
           <a:xfrm rot="16200000" flipV="1">
-            <a:off x="1438275" y="1724026"/>
-            <a:ext cx="971551" cy="342900"/>
+            <a:off x="1476375" y="1762126"/>
+            <a:ext cx="971551" cy="266700"/>
           </a:xfrm>
           <a:prstGeom prst="bentConnector2">
             <a:avLst/>
@@ -3814,8 +3814,8 @@
         </p:nvCxnSpPr>
         <p:spPr>
           <a:xfrm flipV="1">
-            <a:off x="1752600" y="3143251"/>
-            <a:ext cx="342900" cy="1009649"/>
+            <a:off x="1828800" y="3143251"/>
+            <a:ext cx="266700" cy="1009649"/>
           </a:xfrm>
           <a:prstGeom prst="bentConnector2">
             <a:avLst/>
@@ -3854,8 +3854,8 @@
         </p:nvCxnSpPr>
         <p:spPr>
           <a:xfrm rot="16200000" flipV="1">
-            <a:off x="871538" y="681038"/>
-            <a:ext cx="581025" cy="342900"/>
+            <a:off x="890588" y="661988"/>
+            <a:ext cx="581025" cy="381000"/>
           </a:xfrm>
           <a:prstGeom prst="bentConnector2">
             <a:avLst/>
@@ -3895,7 +3895,7 @@
         <p:spPr>
           <a:xfrm flipV="1">
             <a:off x="990600" y="1676400"/>
-            <a:ext cx="342900" cy="542924"/>
+            <a:ext cx="381000" cy="542924"/>
           </a:xfrm>
           <a:prstGeom prst="bentConnector2">
             <a:avLst/>
@@ -3934,8 +3934,8 @@
         </p:nvCxnSpPr>
         <p:spPr>
           <a:xfrm rot="16200000" flipV="1">
-            <a:off x="862013" y="3414713"/>
-            <a:ext cx="600075" cy="342900"/>
+            <a:off x="881063" y="3395663"/>
+            <a:ext cx="600075" cy="381000"/>
           </a:xfrm>
           <a:prstGeom prst="bentConnector2">
             <a:avLst/>
@@ -3975,7 +3975,7 @@
         <p:spPr>
           <a:xfrm flipV="1">
             <a:off x="990600" y="4419600"/>
-            <a:ext cx="342900" cy="542925"/>
+            <a:ext cx="381000" cy="542925"/>
           </a:xfrm>
           <a:prstGeom prst="bentConnector2">
             <a:avLst/>
@@ -4038,10 +4038,10 @@
           <a:p>
             <a:pPr algn="ctr"/>
             <a:r>
-              <a:rPr lang="en-US" sz="2000" b="1" dirty="0" smtClean="0"/>
+              <a:rPr lang="en-US" sz="2400" b="1" dirty="0" smtClean="0"/>
               <a:t>GPU</a:t>
             </a:r>
-            <a:endParaRPr lang="en-US" sz="2000" b="1" dirty="0"/>
+            <a:endParaRPr lang="en-US" sz="2400" b="1" dirty="0"/>
           </a:p>
         </p:txBody>
       </p:sp>
@@ -4080,10 +4080,10 @@
           <a:p>
             <a:pPr algn="ctr"/>
             <a:r>
-              <a:rPr lang="en-US" sz="2000" b="1" dirty="0" smtClean="0"/>
+              <a:rPr lang="en-US" sz="2400" b="1" dirty="0" smtClean="0"/>
               <a:t>GPU</a:t>
             </a:r>
-            <a:endParaRPr lang="en-US" sz="2000" b="1" dirty="0"/>
+            <a:endParaRPr lang="en-US" sz="2400" b="1" dirty="0"/>
           </a:p>
         </p:txBody>
       </p:sp>
@@ -4122,10 +4122,10 @@
           <a:p>
             <a:pPr algn="ctr"/>
             <a:r>
-              <a:rPr lang="en-US" sz="2000" b="1" dirty="0" smtClean="0"/>
+              <a:rPr lang="en-US" sz="2400" b="1" dirty="0" smtClean="0"/>
               <a:t>GPU</a:t>
             </a:r>
-            <a:endParaRPr lang="en-US" sz="2000" b="1" dirty="0"/>
+            <a:endParaRPr lang="en-US" sz="2400" b="1" dirty="0"/>
           </a:p>
         </p:txBody>
       </p:sp>
@@ -4138,7 +4138,7 @@
         <p:spPr>
           <a:xfrm>
             <a:off x="914400" y="3886200"/>
-            <a:ext cx="838200" cy="533400"/>
+            <a:ext cx="914400" cy="533400"/>
           </a:xfrm>
           <a:prstGeom prst="rect">
             <a:avLst/>
@@ -4166,14 +4166,14 @@
           <a:p>
             <a:pPr algn="ctr"/>
             <a:r>
-              <a:rPr lang="en-US" b="1" dirty="0" err="1" smtClean="0"/>
+              <a:rPr lang="en-US" sz="2000" b="1" dirty="0" err="1" smtClean="0"/>
               <a:t>PCIe</a:t>
             </a:r>
             <a:r>
-              <a:rPr lang="en-US" b="1" dirty="0" smtClean="0"/>
+              <a:rPr lang="en-US" sz="2000" b="1" dirty="0" smtClean="0"/>
               <a:t> Switch</a:t>
             </a:r>
-            <a:endParaRPr lang="en-US" b="1" dirty="0"/>
+            <a:endParaRPr lang="en-US" sz="2000" b="1" dirty="0"/>
           </a:p>
         </p:txBody>
       </p:sp>
@@ -4212,10 +4212,10 @@
           <a:p>
             <a:pPr algn="ctr"/>
             <a:r>
-              <a:rPr lang="en-US" sz="2000" b="1" dirty="0" smtClean="0"/>
+              <a:rPr lang="en-US" sz="2400" b="1" dirty="0" smtClean="0"/>
               <a:t>GPU</a:t>
             </a:r>
-            <a:endParaRPr lang="en-US" sz="2000" b="1" dirty="0"/>
+            <a:endParaRPr lang="en-US" sz="2400" b="1" dirty="0"/>
           </a:p>
         </p:txBody>
       </p:sp>
@@ -4254,10 +4254,10 @@
           <a:p>
             <a:pPr algn="ctr"/>
             <a:r>
-              <a:rPr lang="en-US" sz="2000" b="1" dirty="0" smtClean="0"/>
+              <a:rPr lang="en-US" sz="2400" b="1" dirty="0" smtClean="0"/>
               <a:t>GPU</a:t>
             </a:r>
-            <a:endParaRPr lang="en-US" sz="2000" b="1" dirty="0"/>
+            <a:endParaRPr lang="en-US" sz="2400" b="1" dirty="0"/>
           </a:p>
         </p:txBody>
       </p:sp>
@@ -4296,10 +4296,10 @@
           <a:p>
             <a:pPr algn="ctr"/>
             <a:r>
-              <a:rPr lang="en-US" sz="2000" b="1" dirty="0" smtClean="0"/>
+              <a:rPr lang="en-US" sz="2400" b="1" dirty="0" smtClean="0"/>
               <a:t>GPU</a:t>
             </a:r>
-            <a:endParaRPr lang="en-US" sz="2000" b="1" dirty="0"/>
+            <a:endParaRPr lang="en-US" sz="2400" b="1" dirty="0"/>
           </a:p>
         </p:txBody>
       </p:sp>
@@ -4338,10 +4338,10 @@
           <a:p>
             <a:pPr algn="ctr"/>
             <a:r>
-              <a:rPr lang="en-US" sz="2000" b="1" dirty="0" smtClean="0"/>
+              <a:rPr lang="en-US" sz="2400" b="1" dirty="0" smtClean="0"/>
               <a:t>GPU</a:t>
             </a:r>
-            <a:endParaRPr lang="en-US" sz="2000" b="1" dirty="0"/>
+            <a:endParaRPr lang="en-US" sz="2400" b="1" dirty="0"/>
           </a:p>
         </p:txBody>
       </p:sp>
@@ -4380,14 +4380,14 @@
           <a:p>
             <a:pPr algn="ctr"/>
             <a:r>
-              <a:rPr lang="en-US" sz="2000" b="1" dirty="0"/>
+              <a:rPr lang="en-US" sz="2400" b="1" dirty="0"/>
               <a:t>C</a:t>
             </a:r>
             <a:r>
-              <a:rPr lang="en-US" sz="2000" b="1" dirty="0" smtClean="0"/>
+              <a:rPr lang="en-US" sz="2400" b="1" dirty="0" smtClean="0"/>
               <a:t>PU</a:t>
             </a:r>
-            <a:endParaRPr lang="en-US" sz="2000" b="1" dirty="0"/>
+            <a:endParaRPr lang="en-US" sz="2400" b="1" dirty="0"/>
           </a:p>
         </p:txBody>
       </p:sp>
@@ -4402,8 +4402,8 @@
         </p:nvCxnSpPr>
         <p:spPr>
           <a:xfrm rot="16200000" flipV="1">
-            <a:off x="4305880" y="704271"/>
-            <a:ext cx="1751441" cy="1600200"/>
+            <a:off x="4303499" y="701889"/>
+            <a:ext cx="1751441" cy="1604963"/>
           </a:xfrm>
           <a:prstGeom prst="bentConnector3">
             <a:avLst>
@@ -4444,8 +4444,8 @@
         </p:nvCxnSpPr>
         <p:spPr>
           <a:xfrm rot="5400000" flipH="1" flipV="1">
-            <a:off x="4323770" y="3199821"/>
-            <a:ext cx="1715659" cy="1600200"/>
+            <a:off x="4321388" y="3197439"/>
+            <a:ext cx="1715659" cy="1604964"/>
           </a:xfrm>
           <a:prstGeom prst="bentConnector3">
             <a:avLst>
@@ -4486,8 +4486,8 @@
         </p:nvCxnSpPr>
         <p:spPr>
           <a:xfrm rot="16200000" flipV="1">
-            <a:off x="4572497" y="1123453"/>
-            <a:ext cx="647700" cy="191494"/>
+            <a:off x="4587657" y="1138612"/>
+            <a:ext cx="647700" cy="161175"/>
           </a:xfrm>
           <a:prstGeom prst="bentConnector2">
             <a:avLst/>
@@ -4526,8 +4526,8 @@
         </p:nvCxnSpPr>
         <p:spPr>
           <a:xfrm rot="5400000" flipH="1" flipV="1">
-            <a:off x="3543300" y="1123950"/>
-            <a:ext cx="647700" cy="190500"/>
+            <a:off x="3523377" y="1143873"/>
+            <a:ext cx="647700" cy="150654"/>
           </a:xfrm>
           <a:prstGeom prst="bentConnector2">
             <a:avLst/>
@@ -4566,8 +4566,8 @@
         </p:nvCxnSpPr>
         <p:spPr>
           <a:xfrm flipV="1">
-            <a:off x="4800600" y="3905250"/>
-            <a:ext cx="191494" cy="685800"/>
+            <a:off x="4830918" y="3905250"/>
+            <a:ext cx="161176" cy="685800"/>
           </a:xfrm>
           <a:prstGeom prst="bentConnector2">
             <a:avLst/>
@@ -4606,8 +4606,8 @@
         </p:nvCxnSpPr>
         <p:spPr>
           <a:xfrm rot="10800000">
-            <a:off x="3771900" y="3905250"/>
-            <a:ext cx="190500" cy="685800"/>
+            <a:off x="3771901" y="3905250"/>
+            <a:ext cx="150653" cy="685800"/>
           </a:xfrm>
           <a:prstGeom prst="bentConnector2">
             <a:avLst/>
@@ -4898,10 +4898,10 @@
           <a:p>
             <a:pPr algn="ctr"/>
             <a:r>
-              <a:rPr lang="en-US" sz="2000" b="1" dirty="0" smtClean="0"/>
+              <a:rPr lang="en-US" sz="2400" b="1" dirty="0" smtClean="0"/>
               <a:t>GPU</a:t>
             </a:r>
-            <a:endParaRPr lang="en-US" sz="2000" b="1" dirty="0"/>
+            <a:endParaRPr lang="en-US" sz="2400" b="1" dirty="0"/>
           </a:p>
         </p:txBody>
       </p:sp>
@@ -4913,7 +4913,7 @@
         </p:nvSpPr>
         <p:spPr>
           <a:xfrm>
-            <a:off x="9296400" y="2381250"/>
+            <a:off x="9301162" y="2380091"/>
             <a:ext cx="685800" cy="762000"/>
           </a:xfrm>
           <a:prstGeom prst="roundRect">
@@ -4940,14 +4940,14 @@
           <a:p>
             <a:pPr algn="ctr"/>
             <a:r>
-              <a:rPr lang="en-US" sz="2000" b="1" dirty="0"/>
+              <a:rPr lang="en-US" sz="2400" b="1" dirty="0"/>
               <a:t>C</a:t>
             </a:r>
             <a:r>
-              <a:rPr lang="en-US" sz="2000" b="1" dirty="0" smtClean="0"/>
+              <a:rPr lang="en-US" sz="2400" b="1" dirty="0" smtClean="0"/>
               <a:t>PU</a:t>
             </a:r>
-            <a:endParaRPr lang="en-US" sz="2000" b="1" dirty="0"/>
+            <a:endParaRPr lang="en-US" sz="2400" b="1" dirty="0"/>
           </a:p>
         </p:txBody>
       </p:sp>
@@ -4986,10 +4986,10 @@
           <a:p>
             <a:pPr algn="ctr"/>
             <a:r>
-              <a:rPr lang="en-US" sz="2000" b="1" dirty="0" smtClean="0"/>
+              <a:rPr lang="en-US" sz="2400" b="1" dirty="0" smtClean="0"/>
               <a:t>GPU</a:t>
             </a:r>
-            <a:endParaRPr lang="en-US" sz="2000" b="1" dirty="0"/>
+            <a:endParaRPr lang="en-US" sz="2400" b="1" dirty="0"/>
           </a:p>
         </p:txBody>
       </p:sp>
@@ -5028,10 +5028,10 @@
           <a:p>
             <a:pPr algn="ctr"/>
             <a:r>
-              <a:rPr lang="en-US" sz="2000" b="1" dirty="0" smtClean="0"/>
+              <a:rPr lang="en-US" sz="2400" b="1" dirty="0" smtClean="0"/>
               <a:t>GPU</a:t>
             </a:r>
-            <a:endParaRPr lang="en-US" sz="2000" b="1" dirty="0"/>
+            <a:endParaRPr lang="en-US" sz="2400" b="1" dirty="0"/>
           </a:p>
         </p:txBody>
       </p:sp>
@@ -5070,10 +5070,10 @@
           <a:p>
             <a:pPr algn="ctr"/>
             <a:r>
-              <a:rPr lang="en-US" sz="2000" b="1" dirty="0" smtClean="0"/>
+              <a:rPr lang="en-US" sz="2400" b="1" dirty="0" smtClean="0"/>
               <a:t>GPU</a:t>
             </a:r>
-            <a:endParaRPr lang="en-US" sz="2000" b="1" dirty="0"/>
+            <a:endParaRPr lang="en-US" sz="2400" b="1" dirty="0"/>
           </a:p>
         </p:txBody>
       </p:sp>
@@ -5241,8 +5241,8 @@
         </p:nvSpPr>
         <p:spPr>
           <a:xfrm>
-            <a:off x="8001000" y="2457450"/>
-            <a:ext cx="838200" cy="608446"/>
+            <a:off x="7927981" y="2461494"/>
+            <a:ext cx="954080" cy="608446"/>
           </a:xfrm>
           <a:prstGeom prst="rect">
             <a:avLst/>
@@ -5270,17 +5270,17 @@
           <a:p>
             <a:pPr algn="ctr"/>
             <a:r>
-              <a:rPr lang="en-US" b="1" dirty="0" smtClean="0"/>
+              <a:rPr lang="en-US" sz="2000" b="1" dirty="0" smtClean="0"/>
               <a:t>GPU</a:t>
             </a:r>
           </a:p>
           <a:p>
             <a:pPr algn="ctr"/>
             <a:r>
-              <a:rPr lang="en-US" b="1" dirty="0" smtClean="0"/>
+              <a:rPr lang="en-US" sz="2000" b="1" dirty="0" smtClean="0"/>
               <a:t>Switch</a:t>
             </a:r>
-            <a:endParaRPr lang="en-US" b="1" dirty="0"/>
+            <a:endParaRPr lang="en-US" sz="2000" b="1" dirty="0"/>
           </a:p>
         </p:txBody>
       </p:sp>
@@ -5294,9 +5294,9 @@
           <p:nvPr/>
         </p:nvCxnSpPr>
         <p:spPr>
-          <a:xfrm>
-            <a:off x="8839200" y="2761673"/>
-            <a:ext cx="457200" cy="577"/>
+          <a:xfrm flipV="1">
+            <a:off x="8882061" y="2761091"/>
+            <a:ext cx="419101" cy="4626"/>
           </a:xfrm>
           <a:prstGeom prst="bentConnector3">
             <a:avLst>
@@ -5411,7 +5411,7 @@
         <p:spPr>
           <a:xfrm>
             <a:off x="914400" y="1143000"/>
-            <a:ext cx="838200" cy="533400"/>
+            <a:ext cx="914400" cy="533400"/>
           </a:xfrm>
           <a:prstGeom prst="rect">
             <a:avLst/>
@@ -5439,14 +5439,14 @@
           <a:p>
             <a:pPr algn="ctr"/>
             <a:r>
-              <a:rPr lang="en-US" b="1" dirty="0" err="1" smtClean="0"/>
+              <a:rPr lang="en-US" sz="2000" b="1" dirty="0" err="1" smtClean="0"/>
               <a:t>PCIe</a:t>
             </a:r>
             <a:r>
-              <a:rPr lang="en-US" b="1" dirty="0" smtClean="0"/>
+              <a:rPr lang="en-US" sz="2000" b="1" dirty="0" smtClean="0"/>
               <a:t> Switch</a:t>
             </a:r>
-            <a:endParaRPr lang="en-US" b="1" dirty="0"/>
+            <a:endParaRPr lang="en-US" sz="2000" b="1" dirty="0"/>
           </a:p>
         </p:txBody>
       </p:sp>
@@ -5458,8 +5458,8 @@
         </p:nvSpPr>
         <p:spPr>
           <a:xfrm>
-            <a:off x="3962400" y="4324350"/>
-            <a:ext cx="838200" cy="533400"/>
+            <a:off x="3922553" y="4324350"/>
+            <a:ext cx="908365" cy="533400"/>
           </a:xfrm>
           <a:prstGeom prst="rect">
             <a:avLst/>
@@ -5487,14 +5487,14 @@
           <a:p>
             <a:pPr algn="ctr"/>
             <a:r>
-              <a:rPr lang="en-US" b="1" dirty="0" err="1" smtClean="0"/>
+              <a:rPr lang="en-US" sz="2000" b="1" dirty="0" err="1" smtClean="0"/>
               <a:t>PCIe</a:t>
             </a:r>
             <a:r>
-              <a:rPr lang="en-US" b="1" dirty="0" smtClean="0"/>
+              <a:rPr lang="en-US" sz="2000" b="1" dirty="0" smtClean="0"/>
               <a:t> Switch</a:t>
             </a:r>
-            <a:endParaRPr lang="en-US" b="1" dirty="0"/>
+            <a:endParaRPr lang="en-US" sz="2000" b="1" dirty="0"/>
           </a:p>
         </p:txBody>
       </p:sp>
@@ -5506,8 +5506,8 @@
         </p:nvSpPr>
         <p:spPr>
           <a:xfrm>
-            <a:off x="3962400" y="628650"/>
-            <a:ext cx="838200" cy="533400"/>
+            <a:off x="3922554" y="628650"/>
+            <a:ext cx="908365" cy="533400"/>
           </a:xfrm>
           <a:prstGeom prst="rect">
             <a:avLst/>
@@ -5535,14 +5535,14 @@
           <a:p>
             <a:pPr algn="ctr"/>
             <a:r>
-              <a:rPr lang="en-US" b="1" dirty="0" err="1" smtClean="0"/>
+              <a:rPr lang="en-US" sz="2000" b="1" dirty="0" err="1" smtClean="0"/>
               <a:t>PCIe</a:t>
             </a:r>
             <a:r>
-              <a:rPr lang="en-US" b="1" dirty="0" smtClean="0"/>
+              <a:rPr lang="en-US" sz="2000" b="1" dirty="0" smtClean="0"/>
               <a:t> Switch</a:t>
             </a:r>
-            <a:endParaRPr lang="en-US" b="1" dirty="0"/>
+            <a:endParaRPr lang="en-US" sz="2000" b="1" dirty="0"/>
           </a:p>
         </p:txBody>
       </p:sp>
@@ -5628,7 +5628,7 @@
         </p:nvCxnSpPr>
         <p:spPr>
           <a:xfrm>
-            <a:off x="1524000" y="5749368"/>
+            <a:off x="924614" y="5743979"/>
             <a:ext cx="838200" cy="0"/>
           </a:xfrm>
           <a:prstGeom prst="straightConnector1">
@@ -5665,8 +5665,8 @@
         </p:nvSpPr>
         <p:spPr>
           <a:xfrm>
-            <a:off x="2438948" y="5505835"/>
-            <a:ext cx="1249060" cy="461665"/>
+            <a:off x="1973246" y="5487758"/>
+            <a:ext cx="1426994" cy="523220"/>
           </a:xfrm>
           <a:prstGeom prst="rect">
             <a:avLst/>
@@ -5680,14 +5680,14 @@
           <a:lstStyle/>
           <a:p>
             <a:r>
-              <a:rPr lang="en-US" sz="2400" dirty="0" err="1" smtClean="0"/>
+              <a:rPr lang="en-US" sz="2800" dirty="0" err="1" smtClean="0"/>
               <a:t>PCIe</a:t>
             </a:r>
             <a:r>
-              <a:rPr lang="en-US" sz="2400" dirty="0" smtClean="0"/>
+              <a:rPr lang="en-US" sz="2800" dirty="0" smtClean="0"/>
               <a:t> link</a:t>
             </a:r>
-            <a:endParaRPr lang="en-US" sz="2400" dirty="0"/>
+            <a:endParaRPr lang="en-US" sz="2800" dirty="0"/>
           </a:p>
         </p:txBody>
       </p:sp>
@@ -5699,8 +5699,8 @@
         </p:nvCxnSpPr>
         <p:spPr>
           <a:xfrm>
-            <a:off x="1524000" y="6172200"/>
-            <a:ext cx="838200" cy="0"/>
+            <a:off x="914400" y="6172200"/>
+            <a:ext cx="914948" cy="0"/>
           </a:xfrm>
           <a:prstGeom prst="straightConnector1">
             <a:avLst/>
@@ -5736,8 +5736,8 @@
         </p:nvSpPr>
         <p:spPr>
           <a:xfrm>
-            <a:off x="2438948" y="5936723"/>
-            <a:ext cx="1128835" cy="461665"/>
+            <a:off x="1973246" y="5910590"/>
+            <a:ext cx="1287532" cy="523220"/>
           </a:xfrm>
           <a:prstGeom prst="rect">
             <a:avLst/>
@@ -5751,14 +5751,14 @@
           <a:lstStyle/>
           <a:p>
             <a:r>
-              <a:rPr lang="en-US" sz="2400" dirty="0" err="1" smtClean="0"/>
+              <a:rPr lang="en-US" sz="2800" dirty="0" err="1" smtClean="0"/>
               <a:t>NVLink</a:t>
             </a:r>
             <a:r>
-              <a:rPr lang="en-US" sz="2400" dirty="0" smtClean="0"/>
+              <a:rPr lang="en-US" sz="2800" dirty="0" smtClean="0"/>
               <a:t> </a:t>
             </a:r>
-            <a:endParaRPr lang="en-US" sz="2400" dirty="0"/>
+            <a:endParaRPr lang="en-US" sz="2800" dirty="0"/>
           </a:p>
         </p:txBody>
       </p:sp>
@@ -5770,7 +5770,7 @@
         </p:nvSpPr>
         <p:spPr>
           <a:xfrm>
-            <a:off x="4032565" y="5568879"/>
+            <a:off x="3585578" y="5568879"/>
             <a:ext cx="838200" cy="304800"/>
           </a:xfrm>
           <a:prstGeom prst="rect">
@@ -5808,7 +5808,7 @@
         </p:nvSpPr>
         <p:spPr>
           <a:xfrm>
-            <a:off x="4032565" y="6019800"/>
+            <a:off x="3585578" y="6019800"/>
             <a:ext cx="838200" cy="304800"/>
           </a:xfrm>
           <a:prstGeom prst="rect">
@@ -5851,8 +5851,8 @@
         </p:nvSpPr>
         <p:spPr>
           <a:xfrm>
-            <a:off x="5003562" y="5505835"/>
-            <a:ext cx="4404411" cy="461665"/>
+            <a:off x="4556575" y="5459669"/>
+            <a:ext cx="5110630" cy="523220"/>
           </a:xfrm>
           <a:prstGeom prst="rect">
             <a:avLst/>
@@ -5866,10 +5866,10 @@
           <a:lstStyle/>
           <a:p>
             <a:r>
-              <a:rPr lang="en-US" sz="2400" dirty="0" smtClean="0"/>
+              <a:rPr lang="en-US" sz="2800" dirty="0" smtClean="0"/>
               <a:t>Logical Programmer Exposed GPU</a:t>
             </a:r>
-            <a:endParaRPr lang="en-US" sz="2400" dirty="0"/>
+            <a:endParaRPr lang="en-US" sz="2800" dirty="0"/>
           </a:p>
         </p:txBody>
       </p:sp>
@@ -5881,8 +5881,8 @@
         </p:nvSpPr>
         <p:spPr>
           <a:xfrm>
-            <a:off x="5003562" y="5936722"/>
-            <a:ext cx="2881558" cy="461665"/>
+            <a:off x="4556575" y="5910590"/>
+            <a:ext cx="3333541" cy="523220"/>
           </a:xfrm>
           <a:prstGeom prst="rect">
             <a:avLst/>
@@ -5896,10 +5896,10 @@
           <a:lstStyle/>
           <a:p>
             <a:r>
-              <a:rPr lang="en-US" sz="2400" dirty="0" smtClean="0"/>
+              <a:rPr lang="en-US" sz="2800" dirty="0" smtClean="0"/>
               <a:t>Discrete physical GPU</a:t>
             </a:r>
-            <a:endParaRPr lang="en-US" sz="2400" dirty="0"/>
+            <a:endParaRPr lang="en-US" sz="2800" dirty="0"/>
           </a:p>
         </p:txBody>
       </p:sp>

--- a/figures/inter_gpu_connections.pptx
+++ b/figures/inter_gpu_connections.pptx
@@ -3097,14 +3097,14 @@
       </p:grpSpPr>
       <p:sp>
         <p:nvSpPr>
-          <p:cNvPr id="66" name="Rectangle 65"/>
+          <p:cNvPr id="64" name="Rectangle 63"/>
           <p:cNvSpPr/>
           <p:nvPr/>
         </p:nvSpPr>
         <p:spPr>
           <a:xfrm>
-            <a:off x="7229474" y="71023"/>
-            <a:ext cx="1685925" cy="5389389"/>
+            <a:off x="3190872" y="1345334"/>
+            <a:ext cx="2371726" cy="2831513"/>
           </a:xfrm>
           <a:prstGeom prst="rect">
             <a:avLst/>
@@ -3140,14 +3140,14 @@
       </p:sp>
       <p:sp>
         <p:nvSpPr>
-          <p:cNvPr id="65" name="Rectangle 64"/>
+          <p:cNvPr id="100" name="Rectangle 99"/>
           <p:cNvSpPr/>
           <p:nvPr/>
         </p:nvSpPr>
         <p:spPr>
           <a:xfrm>
-            <a:off x="7317188" y="140286"/>
-            <a:ext cx="838200" cy="5250863"/>
+            <a:off x="4517641" y="1453100"/>
+            <a:ext cx="948906" cy="922850"/>
           </a:xfrm>
           <a:prstGeom prst="rect">
             <a:avLst/>
@@ -3178,14 +3178,90 @@
       </p:sp>
       <p:sp>
         <p:nvSpPr>
-          <p:cNvPr id="64" name="Rectangle 63"/>
+          <p:cNvPr id="101" name="Rectangle 100"/>
           <p:cNvSpPr/>
           <p:nvPr/>
         </p:nvSpPr>
         <p:spPr>
           <a:xfrm>
-            <a:off x="3267074" y="1416637"/>
-            <a:ext cx="2219326" cy="2597574"/>
+            <a:off x="3297447" y="3072350"/>
+            <a:ext cx="948906" cy="922850"/>
+          </a:xfrm>
+          <a:prstGeom prst="rect">
+            <a:avLst/>
+          </a:prstGeom>
+        </p:spPr>
+        <p:style>
+          <a:lnRef idx="1">
+            <a:schemeClr val="accent3"/>
+          </a:lnRef>
+          <a:fillRef idx="2">
+            <a:schemeClr val="accent3"/>
+          </a:fillRef>
+          <a:effectRef idx="1">
+            <a:schemeClr val="accent3"/>
+          </a:effectRef>
+          <a:fontRef idx="minor">
+            <a:schemeClr val="dk1"/>
+          </a:fontRef>
+        </p:style>
+        <p:txBody>
+          <a:bodyPr rtlCol="0" anchor="ctr"/>
+          <a:lstStyle/>
+          <a:p>
+            <a:pPr algn="ctr"/>
+            <a:endParaRPr lang="en-US"/>
+          </a:p>
+        </p:txBody>
+      </p:sp>
+      <p:sp>
+        <p:nvSpPr>
+          <p:cNvPr id="102" name="Rectangle 101"/>
+          <p:cNvSpPr/>
+          <p:nvPr/>
+        </p:nvSpPr>
+        <p:spPr>
+          <a:xfrm>
+            <a:off x="4517641" y="3072350"/>
+            <a:ext cx="948906" cy="922850"/>
+          </a:xfrm>
+          <a:prstGeom prst="rect">
+            <a:avLst/>
+          </a:prstGeom>
+        </p:spPr>
+        <p:style>
+          <a:lnRef idx="1">
+            <a:schemeClr val="accent3"/>
+          </a:lnRef>
+          <a:fillRef idx="2">
+            <a:schemeClr val="accent3"/>
+          </a:fillRef>
+          <a:effectRef idx="1">
+            <a:schemeClr val="accent3"/>
+          </a:effectRef>
+          <a:fontRef idx="minor">
+            <a:schemeClr val="dk1"/>
+          </a:fontRef>
+        </p:style>
+        <p:txBody>
+          <a:bodyPr rtlCol="0" anchor="ctr"/>
+          <a:lstStyle/>
+          <a:p>
+            <a:pPr algn="ctr"/>
+            <a:endParaRPr lang="en-US"/>
+          </a:p>
+        </p:txBody>
+      </p:sp>
+      <p:sp>
+        <p:nvSpPr>
+          <p:cNvPr id="98" name="Rectangle 97"/>
+          <p:cNvSpPr/>
+          <p:nvPr/>
+        </p:nvSpPr>
+        <p:spPr>
+          <a:xfrm>
+            <a:off x="38100" y="2802862"/>
+            <a:ext cx="1143000" cy="1136063"/>
           </a:xfrm>
           <a:prstGeom prst="rect">
             <a:avLst/>
@@ -3221,170 +3297,23 @@
       </p:sp>
       <p:sp>
         <p:nvSpPr>
-          <p:cNvPr id="61" name="Rectangle 60"/>
+          <p:cNvPr id="99" name="Rectangle 98"/>
           <p:cNvSpPr/>
           <p:nvPr/>
         </p:nvSpPr>
         <p:spPr>
           <a:xfrm>
-            <a:off x="4572994" y="1466851"/>
-            <a:ext cx="838200" cy="857250"/>
+            <a:off x="40088" y="4326861"/>
+            <a:ext cx="1143000" cy="1136063"/>
           </a:xfrm>
           <a:prstGeom prst="rect">
             <a:avLst/>
           </a:prstGeom>
-        </p:spPr>
-        <p:style>
-          <a:lnRef idx="1">
-            <a:schemeClr val="accent3"/>
-          </a:lnRef>
-          <a:fillRef idx="2">
-            <a:schemeClr val="accent3"/>
-          </a:fillRef>
-          <a:effectRef idx="1">
-            <a:schemeClr val="accent3"/>
-          </a:effectRef>
-          <a:fontRef idx="minor">
-            <a:schemeClr val="dk1"/>
-          </a:fontRef>
-        </p:style>
-        <p:txBody>
-          <a:bodyPr rtlCol="0" anchor="ctr"/>
-          <a:lstStyle/>
-          <a:p>
-            <a:pPr algn="ctr"/>
-            <a:endParaRPr lang="en-US"/>
-          </a:p>
-        </p:txBody>
-      </p:sp>
-      <p:sp>
-        <p:nvSpPr>
-          <p:cNvPr id="63" name="Rectangle 62"/>
-          <p:cNvSpPr/>
-          <p:nvPr/>
-        </p:nvSpPr>
-        <p:spPr>
-          <a:xfrm>
-            <a:off x="4572994" y="3105150"/>
-            <a:ext cx="838200" cy="857250"/>
-          </a:xfrm>
-          <a:prstGeom prst="rect">
-            <a:avLst/>
-          </a:prstGeom>
-        </p:spPr>
-        <p:style>
-          <a:lnRef idx="1">
-            <a:schemeClr val="accent3"/>
-          </a:lnRef>
-          <a:fillRef idx="2">
-            <a:schemeClr val="accent3"/>
-          </a:fillRef>
-          <a:effectRef idx="1">
-            <a:schemeClr val="accent3"/>
-          </a:effectRef>
-          <a:fontRef idx="minor">
-            <a:schemeClr val="dk1"/>
-          </a:fontRef>
-        </p:style>
-        <p:txBody>
-          <a:bodyPr rtlCol="0" anchor="ctr"/>
-          <a:lstStyle/>
-          <a:p>
-            <a:pPr algn="ctr"/>
-            <a:endParaRPr lang="en-US"/>
-          </a:p>
-        </p:txBody>
-      </p:sp>
-      <p:sp>
-        <p:nvSpPr>
-          <p:cNvPr id="62" name="Rectangle 61"/>
-          <p:cNvSpPr/>
-          <p:nvPr/>
-        </p:nvSpPr>
-        <p:spPr>
-          <a:xfrm>
-            <a:off x="3352800" y="3105150"/>
-            <a:ext cx="838200" cy="857250"/>
-          </a:xfrm>
-          <a:prstGeom prst="rect">
-            <a:avLst/>
-          </a:prstGeom>
-        </p:spPr>
-        <p:style>
-          <a:lnRef idx="1">
-            <a:schemeClr val="accent3"/>
-          </a:lnRef>
-          <a:fillRef idx="2">
-            <a:schemeClr val="accent3"/>
-          </a:fillRef>
-          <a:effectRef idx="1">
-            <a:schemeClr val="accent3"/>
-          </a:effectRef>
-          <a:fontRef idx="minor">
-            <a:schemeClr val="dk1"/>
-          </a:fontRef>
-        </p:style>
-        <p:txBody>
-          <a:bodyPr rtlCol="0" anchor="ctr"/>
-          <a:lstStyle/>
-          <a:p>
-            <a:pPr algn="ctr"/>
-            <a:endParaRPr lang="en-US"/>
-          </a:p>
-        </p:txBody>
-      </p:sp>
-      <p:sp>
-        <p:nvSpPr>
-          <p:cNvPr id="60" name="Rectangle 59"/>
-          <p:cNvSpPr/>
-          <p:nvPr/>
-        </p:nvSpPr>
-        <p:spPr>
-          <a:xfrm>
-            <a:off x="3352800" y="1485900"/>
-            <a:ext cx="838200" cy="857250"/>
-          </a:xfrm>
-          <a:prstGeom prst="rect">
-            <a:avLst/>
-          </a:prstGeom>
-        </p:spPr>
-        <p:style>
-          <a:lnRef idx="1">
-            <a:schemeClr val="accent3"/>
-          </a:lnRef>
-          <a:fillRef idx="2">
-            <a:schemeClr val="accent3"/>
-          </a:fillRef>
-          <a:effectRef idx="1">
-            <a:schemeClr val="accent3"/>
-          </a:effectRef>
-          <a:fontRef idx="minor">
-            <a:schemeClr val="dk1"/>
-          </a:fontRef>
-        </p:style>
-        <p:txBody>
-          <a:bodyPr rtlCol="0" anchor="ctr"/>
-          <a:lstStyle/>
-          <a:p>
-            <a:pPr algn="ctr"/>
-            <a:endParaRPr lang="en-US"/>
-          </a:p>
-        </p:txBody>
-      </p:sp>
-      <p:sp>
-        <p:nvSpPr>
-          <p:cNvPr id="55" name="Rectangle 54"/>
-          <p:cNvSpPr/>
-          <p:nvPr/>
-        </p:nvSpPr>
-        <p:spPr>
-          <a:xfrm>
-            <a:off x="152400" y="2788237"/>
-            <a:ext cx="1009650" cy="995776"/>
-          </a:xfrm>
-          <a:prstGeom prst="rect">
-            <a:avLst/>
-          </a:prstGeom>
+          <a:solidFill>
+            <a:schemeClr val="bg1">
+              <a:lumMod val="85000"/>
+            </a:schemeClr>
+          </a:solidFill>
         </p:spPr>
         <p:style>
           <a:lnRef idx="1">
@@ -3411,18 +3340,23 @@
       </p:sp>
       <p:sp>
         <p:nvSpPr>
-          <p:cNvPr id="56" name="Rectangle 55"/>
+          <p:cNvPr id="97" name="Rectangle 96"/>
           <p:cNvSpPr/>
           <p:nvPr/>
         </p:nvSpPr>
         <p:spPr>
           <a:xfrm>
-            <a:off x="152400" y="4464637"/>
-            <a:ext cx="1009650" cy="995776"/>
+            <a:off x="38100" y="1491956"/>
+            <a:ext cx="1143000" cy="1136063"/>
           </a:xfrm>
           <a:prstGeom prst="rect">
             <a:avLst/>
           </a:prstGeom>
+          <a:solidFill>
+            <a:schemeClr val="bg1">
+              <a:lumMod val="85000"/>
+            </a:schemeClr>
+          </a:solidFill>
         </p:spPr>
         <p:style>
           <a:lnRef idx="1">
@@ -3449,14 +3383,14 @@
       </p:sp>
       <p:sp>
         <p:nvSpPr>
-          <p:cNvPr id="54" name="Rectangle 53"/>
+          <p:cNvPr id="94" name="Rectangle 93"/>
           <p:cNvSpPr/>
           <p:nvPr/>
         </p:nvSpPr>
         <p:spPr>
           <a:xfrm>
-            <a:off x="238125" y="4533900"/>
-            <a:ext cx="838200" cy="857250"/>
+            <a:off x="3297447" y="1453100"/>
+            <a:ext cx="948906" cy="922850"/>
           </a:xfrm>
           <a:prstGeom prst="rect">
             <a:avLst/>
@@ -3487,14 +3421,14 @@
       </p:sp>
       <p:sp>
         <p:nvSpPr>
-          <p:cNvPr id="53" name="Rectangle 52"/>
+          <p:cNvPr id="92" name="Rectangle 91"/>
           <p:cNvSpPr/>
           <p:nvPr/>
         </p:nvSpPr>
         <p:spPr>
           <a:xfrm>
-            <a:off x="228600" y="2857500"/>
-            <a:ext cx="838200" cy="857250"/>
+            <a:off x="135147" y="4433468"/>
+            <a:ext cx="948906" cy="922850"/>
           </a:xfrm>
           <a:prstGeom prst="rect">
             <a:avLst/>
@@ -3525,18 +3459,99 @@
       </p:sp>
       <p:sp>
         <p:nvSpPr>
-          <p:cNvPr id="52" name="Rectangle 51"/>
+          <p:cNvPr id="83" name="Rectangle 82"/>
           <p:cNvSpPr/>
           <p:nvPr/>
         </p:nvSpPr>
         <p:spPr>
           <a:xfrm>
-            <a:off x="152400" y="1721436"/>
-            <a:ext cx="1009650" cy="995776"/>
+            <a:off x="135147" y="2909469"/>
+            <a:ext cx="948906" cy="922850"/>
           </a:xfrm>
           <a:prstGeom prst="rect">
             <a:avLst/>
           </a:prstGeom>
+        </p:spPr>
+        <p:style>
+          <a:lnRef idx="1">
+            <a:schemeClr val="accent3"/>
+          </a:lnRef>
+          <a:fillRef idx="2">
+            <a:schemeClr val="accent3"/>
+          </a:fillRef>
+          <a:effectRef idx="1">
+            <a:schemeClr val="accent3"/>
+          </a:effectRef>
+          <a:fontRef idx="minor">
+            <a:schemeClr val="dk1"/>
+          </a:fontRef>
+        </p:style>
+        <p:txBody>
+          <a:bodyPr rtlCol="0" anchor="ctr"/>
+          <a:lstStyle/>
+          <a:p>
+            <a:pPr algn="ctr"/>
+            <a:endParaRPr lang="en-US"/>
+          </a:p>
+        </p:txBody>
+      </p:sp>
+      <p:sp>
+        <p:nvSpPr>
+          <p:cNvPr id="81" name="Rectangle 80"/>
+          <p:cNvSpPr/>
+          <p:nvPr/>
+        </p:nvSpPr>
+        <p:spPr>
+          <a:xfrm>
+            <a:off x="135147" y="1598563"/>
+            <a:ext cx="948906" cy="922850"/>
+          </a:xfrm>
+          <a:prstGeom prst="rect">
+            <a:avLst/>
+          </a:prstGeom>
+        </p:spPr>
+        <p:style>
+          <a:lnRef idx="1">
+            <a:schemeClr val="accent3"/>
+          </a:lnRef>
+          <a:fillRef idx="2">
+            <a:schemeClr val="accent3"/>
+          </a:fillRef>
+          <a:effectRef idx="1">
+            <a:schemeClr val="accent3"/>
+          </a:effectRef>
+          <a:fontRef idx="minor">
+            <a:schemeClr val="dk1"/>
+          </a:fontRef>
+        </p:style>
+        <p:txBody>
+          <a:bodyPr rtlCol="0" anchor="ctr"/>
+          <a:lstStyle/>
+          <a:p>
+            <a:pPr algn="ctr"/>
+            <a:endParaRPr lang="en-US"/>
+          </a:p>
+        </p:txBody>
+      </p:sp>
+      <p:sp>
+        <p:nvSpPr>
+          <p:cNvPr id="66" name="Rectangle 65"/>
+          <p:cNvSpPr/>
+          <p:nvPr/>
+        </p:nvSpPr>
+        <p:spPr>
+          <a:xfrm>
+            <a:off x="7111890" y="132592"/>
+            <a:ext cx="1955910" cy="5330332"/>
+          </a:xfrm>
+          <a:prstGeom prst="rect">
+            <a:avLst/>
+          </a:prstGeom>
+          <a:solidFill>
+            <a:schemeClr val="bg1">
+              <a:lumMod val="85000"/>
+            </a:schemeClr>
+          </a:solidFill>
         </p:spPr>
         <p:style>
           <a:lnRef idx="1">
@@ -3563,14 +3578,14 @@
       </p:sp>
       <p:sp>
         <p:nvSpPr>
-          <p:cNvPr id="51" name="Rectangle 50"/>
+          <p:cNvPr id="65" name="Rectangle 64"/>
           <p:cNvSpPr/>
           <p:nvPr/>
         </p:nvSpPr>
         <p:spPr>
           <a:xfrm>
-            <a:off x="228600" y="1790699"/>
-            <a:ext cx="838200" cy="857250"/>
+            <a:off x="7262302" y="222542"/>
+            <a:ext cx="967298" cy="5133776"/>
           </a:xfrm>
           <a:prstGeom prst="rect">
             <a:avLst/>
@@ -3607,12 +3622,17 @@
         </p:nvSpPr>
         <p:spPr>
           <a:xfrm>
-            <a:off x="152400" y="71024"/>
-            <a:ext cx="1009650" cy="995776"/>
+            <a:off x="38100" y="25986"/>
+            <a:ext cx="1143000" cy="1136063"/>
           </a:xfrm>
           <a:prstGeom prst="rect">
             <a:avLst/>
           </a:prstGeom>
+          <a:solidFill>
+            <a:schemeClr val="bg1">
+              <a:lumMod val="85000"/>
+            </a:schemeClr>
+          </a:solidFill>
         </p:spPr>
         <p:style>
           <a:lnRef idx="1">
@@ -3645,8 +3665,8 @@
         </p:nvSpPr>
         <p:spPr>
           <a:xfrm>
-            <a:off x="228600" y="133350"/>
-            <a:ext cx="838200" cy="857250"/>
+            <a:off x="134153" y="132592"/>
+            <a:ext cx="948906" cy="922850"/>
           </a:xfrm>
           <a:prstGeom prst="rect">
             <a:avLst/>
@@ -3683,7 +3703,7 @@
         </p:nvSpPr>
         <p:spPr>
           <a:xfrm>
-            <a:off x="304800" y="190500"/>
+            <a:off x="268688" y="222542"/>
             <a:ext cx="685800" cy="742950"/>
           </a:xfrm>
           <a:prstGeom prst="roundRect">
@@ -3710,10 +3730,10 @@
           <a:p>
             <a:pPr algn="ctr"/>
             <a:r>
-              <a:rPr lang="en-US" sz="2400" b="1" dirty="0" smtClean="0"/>
+              <a:rPr lang="en-US" sz="2600" b="1" dirty="0" smtClean="0"/>
               <a:t>GPU</a:t>
             </a:r>
-            <a:endParaRPr lang="en-US" sz="2400" b="1" dirty="0"/>
+            <a:endParaRPr lang="en-US" sz="2600" b="1" dirty="0"/>
           </a:p>
         </p:txBody>
       </p:sp>
@@ -3725,7 +3745,7 @@
         </p:nvSpPr>
         <p:spPr>
           <a:xfrm>
-            <a:off x="1752600" y="2381251"/>
+            <a:off x="1762814" y="2438400"/>
             <a:ext cx="685800" cy="762000"/>
           </a:xfrm>
           <a:prstGeom prst="roundRect">
@@ -3752,33 +3772,32 @@
           <a:p>
             <a:pPr algn="ctr"/>
             <a:r>
-              <a:rPr lang="en-US" sz="2400" b="1" dirty="0"/>
+              <a:rPr lang="en-US" sz="2600" b="1" dirty="0"/>
               <a:t>C</a:t>
             </a:r>
             <a:r>
-              <a:rPr lang="en-US" sz="2400" b="1" dirty="0" smtClean="0"/>
+              <a:rPr lang="en-US" sz="2600" b="1" dirty="0" smtClean="0"/>
               <a:t>PU</a:t>
             </a:r>
-            <a:endParaRPr lang="en-US" sz="2400" b="1" dirty="0"/>
+            <a:endParaRPr lang="en-US" sz="2600" b="1" dirty="0"/>
           </a:p>
         </p:txBody>
       </p:sp>
       <p:cxnSp>
         <p:nvCxnSpPr>
           <p:cNvPr id="6" name="Elbow Connector 5"/>
-          <p:cNvCxnSpPr>
-            <a:stCxn id="5" idx="0"/>
-            <a:endCxn id="46" idx="3"/>
-          </p:cNvCxnSpPr>
+          <p:cNvCxnSpPr/>
           <p:nvPr/>
         </p:nvCxnSpPr>
         <p:spPr>
           <a:xfrm rot="16200000" flipV="1">
-            <a:off x="1476375" y="1762126"/>
-            <a:ext cx="971551" cy="266700"/>
-          </a:xfrm>
-          <a:prstGeom prst="bentConnector2">
-            <a:avLst/>
+            <a:off x="1574901" y="1900650"/>
+            <a:ext cx="860913" cy="200714"/>
+          </a:xfrm>
+          <a:prstGeom prst="bentConnector3">
+            <a:avLst>
+              <a:gd name="adj1" fmla="val 43362"/>
+            </a:avLst>
           </a:prstGeom>
           <a:ln w="12700">
             <a:solidFill>
@@ -3807,18 +3826,19 @@
         <p:nvCxnSpPr>
           <p:cNvPr id="7" name="Elbow Connector 6"/>
           <p:cNvCxnSpPr>
-            <a:stCxn id="15" idx="3"/>
             <a:endCxn id="5" idx="2"/>
           </p:cNvCxnSpPr>
           <p:nvPr/>
         </p:nvCxnSpPr>
         <p:spPr>
-          <a:xfrm flipV="1">
-            <a:off x="1828800" y="3143251"/>
-            <a:ext cx="266700" cy="1009649"/>
-          </a:xfrm>
-          <a:prstGeom prst="bentConnector2">
-            <a:avLst/>
+          <a:xfrm rot="5400000" flipH="1" flipV="1">
+            <a:off x="1674652" y="3430748"/>
+            <a:ext cx="661410" cy="200714"/>
+          </a:xfrm>
+          <a:prstGeom prst="bentConnector3">
+            <a:avLst>
+              <a:gd name="adj1" fmla="val 72082"/>
+            </a:avLst>
           </a:prstGeom>
           <a:ln w="12700">
             <a:solidFill>
@@ -3854,8 +3874,8 @@
         </p:nvCxnSpPr>
         <p:spPr>
           <a:xfrm rot="16200000" flipV="1">
-            <a:off x="890588" y="661988"/>
-            <a:ext cx="581025" cy="381000"/>
+            <a:off x="1118035" y="430471"/>
+            <a:ext cx="443133" cy="770226"/>
           </a:xfrm>
           <a:prstGeom prst="bentConnector2">
             <a:avLst/>
@@ -3894,8 +3914,8 @@
         </p:nvCxnSpPr>
         <p:spPr>
           <a:xfrm flipV="1">
-            <a:off x="990600" y="1676400"/>
-            <a:ext cx="381000" cy="542924"/>
+            <a:off x="950512" y="1570550"/>
+            <a:ext cx="774202" cy="489438"/>
           </a:xfrm>
           <a:prstGeom prst="bentConnector2">
             <a:avLst/>
@@ -3934,8 +3954,8 @@
         </p:nvCxnSpPr>
         <p:spPr>
           <a:xfrm rot="16200000" flipV="1">
-            <a:off x="881063" y="3395663"/>
-            <a:ext cx="600075" cy="381000"/>
+            <a:off x="1079960" y="3241446"/>
+            <a:ext cx="507686" cy="766582"/>
           </a:xfrm>
           <a:prstGeom prst="bentConnector2">
             <a:avLst/>
@@ -3974,8 +3994,8 @@
         </p:nvCxnSpPr>
         <p:spPr>
           <a:xfrm flipV="1">
-            <a:off x="990600" y="4419600"/>
-            <a:ext cx="381000" cy="542925"/>
+            <a:off x="952500" y="4411980"/>
+            <a:ext cx="764594" cy="482913"/>
           </a:xfrm>
           <a:prstGeom prst="bentConnector2">
             <a:avLst/>
@@ -4011,7 +4031,7 @@
         </p:nvSpPr>
         <p:spPr>
           <a:xfrm>
-            <a:off x="306788" y="1847849"/>
+            <a:off x="266700" y="1688513"/>
             <a:ext cx="683812" cy="742950"/>
           </a:xfrm>
           <a:prstGeom prst="roundRect">
@@ -4038,10 +4058,10 @@
           <a:p>
             <a:pPr algn="ctr"/>
             <a:r>
-              <a:rPr lang="en-US" sz="2400" b="1" dirty="0" smtClean="0"/>
+              <a:rPr lang="en-US" sz="2600" b="1" dirty="0" smtClean="0"/>
               <a:t>GPU</a:t>
             </a:r>
-            <a:endParaRPr lang="en-US" sz="2400" b="1" dirty="0"/>
+            <a:endParaRPr lang="en-US" sz="2600" b="1" dirty="0"/>
           </a:p>
         </p:txBody>
       </p:sp>
@@ -4053,7 +4073,7 @@
         </p:nvSpPr>
         <p:spPr>
           <a:xfrm>
-            <a:off x="306788" y="2914650"/>
+            <a:off x="266700" y="2999419"/>
             <a:ext cx="683812" cy="742950"/>
           </a:xfrm>
           <a:prstGeom prst="roundRect">
@@ -4080,10 +4100,10 @@
           <a:p>
             <a:pPr algn="ctr"/>
             <a:r>
-              <a:rPr lang="en-US" sz="2400" b="1" dirty="0" smtClean="0"/>
+              <a:rPr lang="en-US" sz="2600" b="1" dirty="0" smtClean="0"/>
               <a:t>GPU</a:t>
             </a:r>
-            <a:endParaRPr lang="en-US" sz="2400" b="1" dirty="0"/>
+            <a:endParaRPr lang="en-US" sz="2600" b="1" dirty="0"/>
           </a:p>
         </p:txBody>
       </p:sp>
@@ -4095,7 +4115,7 @@
         </p:nvSpPr>
         <p:spPr>
           <a:xfrm>
-            <a:off x="306788" y="4591050"/>
+            <a:off x="268688" y="4523418"/>
             <a:ext cx="683812" cy="742950"/>
           </a:xfrm>
           <a:prstGeom prst="roundRect">
@@ -4122,10 +4142,10 @@
           <a:p>
             <a:pPr algn="ctr"/>
             <a:r>
-              <a:rPr lang="en-US" sz="2400" b="1" dirty="0" smtClean="0"/>
+              <a:rPr lang="en-US" sz="2600" b="1" dirty="0" smtClean="0"/>
               <a:t>GPU</a:t>
             </a:r>
-            <a:endParaRPr lang="en-US" sz="2400" b="1" dirty="0"/>
+            <a:endParaRPr lang="en-US" sz="2600" b="1" dirty="0"/>
           </a:p>
         </p:txBody>
       </p:sp>
@@ -4137,7 +4157,7 @@
         </p:nvSpPr>
         <p:spPr>
           <a:xfrm>
-            <a:off x="914400" y="3886200"/>
+            <a:off x="1259894" y="3878580"/>
             <a:ext cx="914400" cy="533400"/>
           </a:xfrm>
           <a:prstGeom prst="rect">
@@ -4212,10 +4232,10 @@
           <a:p>
             <a:pPr algn="ctr"/>
             <a:r>
-              <a:rPr lang="en-US" sz="2400" b="1" dirty="0" smtClean="0"/>
+              <a:rPr lang="en-US" sz="2600" b="1" dirty="0" smtClean="0"/>
               <a:t>GPU</a:t>
             </a:r>
-            <a:endParaRPr lang="en-US" sz="2400" b="1" dirty="0"/>
+            <a:endParaRPr lang="en-US" sz="2600" b="1" dirty="0"/>
           </a:p>
         </p:txBody>
       </p:sp>
@@ -4254,10 +4274,10 @@
           <a:p>
             <a:pPr algn="ctr"/>
             <a:r>
-              <a:rPr lang="en-US" sz="2400" b="1" dirty="0" smtClean="0"/>
+              <a:rPr lang="en-US" sz="2600" b="1" dirty="0" smtClean="0"/>
               <a:t>GPU</a:t>
             </a:r>
-            <a:endParaRPr lang="en-US" sz="2400" b="1" dirty="0"/>
+            <a:endParaRPr lang="en-US" sz="2600" b="1" dirty="0"/>
           </a:p>
         </p:txBody>
       </p:sp>
@@ -4296,10 +4316,10 @@
           <a:p>
             <a:pPr algn="ctr"/>
             <a:r>
-              <a:rPr lang="en-US" sz="2400" b="1" dirty="0" smtClean="0"/>
+              <a:rPr lang="en-US" sz="2600" b="1" dirty="0" smtClean="0"/>
               <a:t>GPU</a:t>
             </a:r>
-            <a:endParaRPr lang="en-US" sz="2400" b="1" dirty="0"/>
+            <a:endParaRPr lang="en-US" sz="2600" b="1" dirty="0"/>
           </a:p>
         </p:txBody>
       </p:sp>
@@ -4338,10 +4358,10 @@
           <a:p>
             <a:pPr algn="ctr"/>
             <a:r>
-              <a:rPr lang="en-US" sz="2400" b="1" dirty="0" smtClean="0"/>
+              <a:rPr lang="en-US" sz="2600" b="1" dirty="0" smtClean="0"/>
               <a:t>GPU</a:t>
             </a:r>
-            <a:endParaRPr lang="en-US" sz="2400" b="1" dirty="0"/>
+            <a:endParaRPr lang="en-US" sz="2600" b="1" dirty="0"/>
           </a:p>
         </p:txBody>
       </p:sp>
@@ -4380,14 +4400,14 @@
           <a:p>
             <a:pPr algn="ctr"/>
             <a:r>
-              <a:rPr lang="en-US" sz="2400" b="1" dirty="0"/>
+              <a:rPr lang="en-US" sz="2600" b="1" dirty="0"/>
               <a:t>C</a:t>
             </a:r>
             <a:r>
-              <a:rPr lang="en-US" sz="2400" b="1" dirty="0" smtClean="0"/>
+              <a:rPr lang="en-US" sz="2600" b="1" dirty="0" smtClean="0"/>
               <a:t>PU</a:t>
             </a:r>
-            <a:endParaRPr lang="en-US" sz="2400" b="1" dirty="0"/>
+            <a:endParaRPr lang="en-US" sz="2600" b="1" dirty="0"/>
           </a:p>
         </p:txBody>
       </p:sp>
@@ -4871,7 +4891,7 @@
         </p:nvSpPr>
         <p:spPr>
           <a:xfrm>
-            <a:off x="7386636" y="201159"/>
+            <a:off x="7391400" y="312492"/>
             <a:ext cx="685800" cy="742950"/>
           </a:xfrm>
           <a:prstGeom prst="roundRect">
@@ -4898,10 +4918,10 @@
           <a:p>
             <a:pPr algn="ctr"/>
             <a:r>
-              <a:rPr lang="en-US" sz="2400" b="1" dirty="0" smtClean="0"/>
+              <a:rPr lang="en-US" sz="2600" b="1" dirty="0" smtClean="0"/>
               <a:t>GPU</a:t>
             </a:r>
-            <a:endParaRPr lang="en-US" sz="2400" b="1" dirty="0"/>
+            <a:endParaRPr lang="en-US" sz="2600" b="1" dirty="0"/>
           </a:p>
         </p:txBody>
       </p:sp>
@@ -4913,7 +4933,7 @@
         </p:nvSpPr>
         <p:spPr>
           <a:xfrm>
-            <a:off x="9301162" y="2380091"/>
+            <a:off x="9372600" y="2382525"/>
             <a:ext cx="685800" cy="762000"/>
           </a:xfrm>
           <a:prstGeom prst="roundRect">
@@ -4940,14 +4960,14 @@
           <a:p>
             <a:pPr algn="ctr"/>
             <a:r>
-              <a:rPr lang="en-US" sz="2400" b="1" dirty="0"/>
+              <a:rPr lang="en-US" sz="2600" b="1" dirty="0"/>
               <a:t>C</a:t>
             </a:r>
             <a:r>
-              <a:rPr lang="en-US" sz="2400" b="1" dirty="0" smtClean="0"/>
+              <a:rPr lang="en-US" sz="2600" b="1" dirty="0" smtClean="0"/>
               <a:t>PU</a:t>
             </a:r>
-            <a:endParaRPr lang="en-US" sz="2400" b="1" dirty="0"/>
+            <a:endParaRPr lang="en-US" sz="2600" b="1" dirty="0"/>
           </a:p>
         </p:txBody>
       </p:sp>
@@ -4986,10 +5006,10 @@
           <a:p>
             <a:pPr algn="ctr"/>
             <a:r>
-              <a:rPr lang="en-US" sz="2400" b="1" dirty="0" smtClean="0"/>
+              <a:rPr lang="en-US" sz="2600" b="1" dirty="0" smtClean="0"/>
               <a:t>GPU</a:t>
             </a:r>
-            <a:endParaRPr lang="en-US" sz="2400" b="1" dirty="0"/>
+            <a:endParaRPr lang="en-US" sz="2600" b="1" dirty="0"/>
           </a:p>
         </p:txBody>
       </p:sp>
@@ -5028,10 +5048,10 @@
           <a:p>
             <a:pPr algn="ctr"/>
             <a:r>
-              <a:rPr lang="en-US" sz="2400" b="1" dirty="0" smtClean="0"/>
+              <a:rPr lang="en-US" sz="2600" b="1" dirty="0" smtClean="0"/>
               <a:t>GPU</a:t>
             </a:r>
-            <a:endParaRPr lang="en-US" sz="2400" b="1" dirty="0"/>
+            <a:endParaRPr lang="en-US" sz="2600" b="1" dirty="0"/>
           </a:p>
         </p:txBody>
       </p:sp>
@@ -5043,7 +5063,7 @@
         </p:nvSpPr>
         <p:spPr>
           <a:xfrm>
-            <a:off x="7391400" y="4591050"/>
+            <a:off x="7387424" y="4523418"/>
             <a:ext cx="689776" cy="742950"/>
           </a:xfrm>
           <a:prstGeom prst="roundRect">
@@ -5070,10 +5090,10 @@
           <a:p>
             <a:pPr algn="ctr"/>
             <a:r>
-              <a:rPr lang="en-US" sz="2400" b="1" dirty="0" smtClean="0"/>
+              <a:rPr lang="en-US" sz="2600" b="1" dirty="0" smtClean="0"/>
               <a:t>GPU</a:t>
             </a:r>
-            <a:endParaRPr lang="en-US" sz="2400" b="1" dirty="0"/>
+            <a:endParaRPr lang="en-US" sz="2600" b="1" dirty="0"/>
           </a:p>
         </p:txBody>
       </p:sp>
@@ -5126,8 +5146,8 @@
         </p:nvCxnSpPr>
         <p:spPr>
           <a:xfrm>
-            <a:off x="8072436" y="572634"/>
-            <a:ext cx="494311" cy="1914525"/>
+            <a:off x="8077200" y="683967"/>
+            <a:ext cx="494312" cy="1837446"/>
           </a:xfrm>
           <a:prstGeom prst="bentConnector2">
             <a:avLst/>
@@ -5204,8 +5224,8 @@
         </p:nvCxnSpPr>
         <p:spPr>
           <a:xfrm rot="5400000">
-            <a:off x="7378031" y="3769044"/>
-            <a:ext cx="1896627" cy="490335"/>
+            <a:off x="7411097" y="3738453"/>
+            <a:ext cx="1822543" cy="490336"/>
           </a:xfrm>
           <a:prstGeom prst="bentConnector2">
             <a:avLst/>
@@ -5295,8 +5315,8 @@
         </p:nvCxnSpPr>
         <p:spPr>
           <a:xfrm flipV="1">
-            <a:off x="8882061" y="2761091"/>
-            <a:ext cx="419101" cy="4626"/>
+            <a:off x="8882061" y="2763525"/>
+            <a:ext cx="490539" cy="2192"/>
           </a:xfrm>
           <a:prstGeom prst="bentConnector3">
             <a:avLst>
@@ -5372,7 +5392,7 @@
         </p:nvSpPr>
         <p:spPr>
           <a:xfrm>
-            <a:off x="6553200" y="2600324"/>
+            <a:off x="6477000" y="2600324"/>
             <a:ext cx="457200" cy="323851"/>
           </a:xfrm>
           <a:prstGeom prst="rightArrow">
@@ -5410,7 +5430,7 @@
         </p:nvSpPr>
         <p:spPr>
           <a:xfrm>
-            <a:off x="914400" y="1143000"/>
+            <a:off x="1267514" y="1037150"/>
             <a:ext cx="914400" cy="533400"/>
           </a:xfrm>
           <a:prstGeom prst="rect">
@@ -5628,7 +5648,7 @@
         </p:nvCxnSpPr>
         <p:spPr>
           <a:xfrm>
-            <a:off x="924614" y="5743979"/>
+            <a:off x="858609" y="5743979"/>
             <a:ext cx="838200" cy="0"/>
           </a:xfrm>
           <a:prstGeom prst="straightConnector1">
@@ -5665,7 +5685,7 @@
         </p:nvSpPr>
         <p:spPr>
           <a:xfrm>
-            <a:off x="1973246" y="5487758"/>
+            <a:off x="1907241" y="5487758"/>
             <a:ext cx="1426994" cy="523220"/>
           </a:xfrm>
           <a:prstGeom prst="rect">
@@ -5699,7 +5719,7 @@
         </p:nvCxnSpPr>
         <p:spPr>
           <a:xfrm>
-            <a:off x="914400" y="6172200"/>
+            <a:off x="848395" y="6172200"/>
             <a:ext cx="914948" cy="0"/>
           </a:xfrm>
           <a:prstGeom prst="straightConnector1">
@@ -5736,7 +5756,7 @@
         </p:nvSpPr>
         <p:spPr>
           <a:xfrm>
-            <a:off x="1973246" y="5910590"/>
+            <a:off x="1907241" y="5910590"/>
             <a:ext cx="1287532" cy="523220"/>
           </a:xfrm>
           <a:prstGeom prst="rect">
@@ -5770,7 +5790,7 @@
         </p:nvSpPr>
         <p:spPr>
           <a:xfrm>
-            <a:off x="3585578" y="5568879"/>
+            <a:off x="3519573" y="5568879"/>
             <a:ext cx="838200" cy="304800"/>
           </a:xfrm>
           <a:prstGeom prst="rect">
@@ -5808,7 +5828,7 @@
         </p:nvSpPr>
         <p:spPr>
           <a:xfrm>
-            <a:off x="3585578" y="6019800"/>
+            <a:off x="3519573" y="6019800"/>
             <a:ext cx="838200" cy="304800"/>
           </a:xfrm>
           <a:prstGeom prst="rect">
@@ -5851,7 +5871,7 @@
         </p:nvSpPr>
         <p:spPr>
           <a:xfrm>
-            <a:off x="4556575" y="5459669"/>
+            <a:off x="4490570" y="5459669"/>
             <a:ext cx="5110630" cy="523220"/>
           </a:xfrm>
           <a:prstGeom prst="rect">
@@ -5881,7 +5901,7 @@
         </p:nvSpPr>
         <p:spPr>
           <a:xfrm>
-            <a:off x="4556575" y="5910590"/>
+            <a:off x="4490570" y="5910590"/>
             <a:ext cx="3333541" cy="523220"/>
           </a:xfrm>
           <a:prstGeom prst="rect">

--- a/figures/inter_gpu_connections.pptx
+++ b/figures/inter_gpu_connections.pptx
@@ -1638,441 +1638,7 @@
                 </a:uFill>
                 <a:latin typeface="Calibri"/>
               </a:rPr>
-              <a:t>C</a:t>
-            </a:r>
-            <a:r>
-              <a:rPr b="0" lang="en-US" sz="4400" spc="-1" strike="noStrike">
-                <a:solidFill>
-                  <a:srgbClr val="000000"/>
-                </a:solidFill>
-                <a:uFill>
-                  <a:solidFill>
-                    <a:srgbClr val="ffffff"/>
-                  </a:solidFill>
-                </a:uFill>
-                <a:latin typeface="Calibri"/>
-              </a:rPr>
-              <a:t>l</a:t>
-            </a:r>
-            <a:r>
-              <a:rPr b="0" lang="en-US" sz="4400" spc="-1" strike="noStrike">
-                <a:solidFill>
-                  <a:srgbClr val="000000"/>
-                </a:solidFill>
-                <a:uFill>
-                  <a:solidFill>
-                    <a:srgbClr val="ffffff"/>
-                  </a:solidFill>
-                </a:uFill>
-                <a:latin typeface="Calibri"/>
-              </a:rPr>
-              <a:t>i</a:t>
-            </a:r>
-            <a:r>
-              <a:rPr b="0" lang="en-US" sz="4400" spc="-1" strike="noStrike">
-                <a:solidFill>
-                  <a:srgbClr val="000000"/>
-                </a:solidFill>
-                <a:uFill>
-                  <a:solidFill>
-                    <a:srgbClr val="ffffff"/>
-                  </a:solidFill>
-                </a:uFill>
-                <a:latin typeface="Calibri"/>
-              </a:rPr>
-              <a:t>c</a:t>
-            </a:r>
-            <a:r>
-              <a:rPr b="0" lang="en-US" sz="4400" spc="-1" strike="noStrike">
-                <a:solidFill>
-                  <a:srgbClr val="000000"/>
-                </a:solidFill>
-                <a:uFill>
-                  <a:solidFill>
-                    <a:srgbClr val="ffffff"/>
-                  </a:solidFill>
-                </a:uFill>
-                <a:latin typeface="Calibri"/>
-              </a:rPr>
-              <a:t>k</a:t>
-            </a:r>
-            <a:r>
-              <a:rPr b="0" lang="en-US" sz="4400" spc="-1" strike="noStrike">
-                <a:solidFill>
-                  <a:srgbClr val="000000"/>
-                </a:solidFill>
-                <a:uFill>
-                  <a:solidFill>
-                    <a:srgbClr val="ffffff"/>
-                  </a:solidFill>
-                </a:uFill>
-                <a:latin typeface="Calibri"/>
-              </a:rPr>
-              <a:t> </a:t>
-            </a:r>
-            <a:r>
-              <a:rPr b="0" lang="en-US" sz="4400" spc="-1" strike="noStrike">
-                <a:solidFill>
-                  <a:srgbClr val="000000"/>
-                </a:solidFill>
-                <a:uFill>
-                  <a:solidFill>
-                    <a:srgbClr val="ffffff"/>
-                  </a:solidFill>
-                </a:uFill>
-                <a:latin typeface="Calibri"/>
-              </a:rPr>
-              <a:t>t</a:t>
-            </a:r>
-            <a:r>
-              <a:rPr b="0" lang="en-US" sz="4400" spc="-1" strike="noStrike">
-                <a:solidFill>
-                  <a:srgbClr val="000000"/>
-                </a:solidFill>
-                <a:uFill>
-                  <a:solidFill>
-                    <a:srgbClr val="ffffff"/>
-                  </a:solidFill>
-                </a:uFill>
-                <a:latin typeface="Calibri"/>
-              </a:rPr>
-              <a:t>o</a:t>
-            </a:r>
-            <a:r>
-              <a:rPr b="0" lang="en-US" sz="4400" spc="-1" strike="noStrike">
-                <a:solidFill>
-                  <a:srgbClr val="000000"/>
-                </a:solidFill>
-                <a:uFill>
-                  <a:solidFill>
-                    <a:srgbClr val="ffffff"/>
-                  </a:solidFill>
-                </a:uFill>
-                <a:latin typeface="Calibri"/>
-              </a:rPr>
-              <a:t> </a:t>
-            </a:r>
-            <a:r>
-              <a:rPr b="0" lang="en-US" sz="4400" spc="-1" strike="noStrike">
-                <a:solidFill>
-                  <a:srgbClr val="000000"/>
-                </a:solidFill>
-                <a:uFill>
-                  <a:solidFill>
-                    <a:srgbClr val="ffffff"/>
-                  </a:solidFill>
-                </a:uFill>
-                <a:latin typeface="Calibri"/>
-              </a:rPr>
-              <a:t>e</a:t>
-            </a:r>
-            <a:r>
-              <a:rPr b="0" lang="en-US" sz="4400" spc="-1" strike="noStrike">
-                <a:solidFill>
-                  <a:srgbClr val="000000"/>
-                </a:solidFill>
-                <a:uFill>
-                  <a:solidFill>
-                    <a:srgbClr val="ffffff"/>
-                  </a:solidFill>
-                </a:uFill>
-                <a:latin typeface="Calibri"/>
-              </a:rPr>
-              <a:t>d</a:t>
-            </a:r>
-            <a:r>
-              <a:rPr b="0" lang="en-US" sz="4400" spc="-1" strike="noStrike">
-                <a:solidFill>
-                  <a:srgbClr val="000000"/>
-                </a:solidFill>
-                <a:uFill>
-                  <a:solidFill>
-                    <a:srgbClr val="ffffff"/>
-                  </a:solidFill>
-                </a:uFill>
-                <a:latin typeface="Calibri"/>
-              </a:rPr>
-              <a:t>i</a:t>
-            </a:r>
-            <a:r>
-              <a:rPr b="0" lang="en-US" sz="4400" spc="-1" strike="noStrike">
-                <a:solidFill>
-                  <a:srgbClr val="000000"/>
-                </a:solidFill>
-                <a:uFill>
-                  <a:solidFill>
-                    <a:srgbClr val="ffffff"/>
-                  </a:solidFill>
-                </a:uFill>
-                <a:latin typeface="Calibri"/>
-              </a:rPr>
-              <a:t>t</a:t>
-            </a:r>
-            <a:r>
-              <a:rPr b="0" lang="en-US" sz="4400" spc="-1" strike="noStrike">
-                <a:solidFill>
-                  <a:srgbClr val="000000"/>
-                </a:solidFill>
-                <a:uFill>
-                  <a:solidFill>
-                    <a:srgbClr val="ffffff"/>
-                  </a:solidFill>
-                </a:uFill>
-                <a:latin typeface="Calibri"/>
-              </a:rPr>
-              <a:t> </a:t>
-            </a:r>
-            <a:r>
-              <a:rPr b="0" lang="en-US" sz="4400" spc="-1" strike="noStrike">
-                <a:solidFill>
-                  <a:srgbClr val="000000"/>
-                </a:solidFill>
-                <a:uFill>
-                  <a:solidFill>
-                    <a:srgbClr val="ffffff"/>
-                  </a:solidFill>
-                </a:uFill>
-                <a:latin typeface="Calibri"/>
-              </a:rPr>
-              <a:t>M</a:t>
-            </a:r>
-            <a:r>
-              <a:rPr b="0" lang="en-US" sz="4400" spc="-1" strike="noStrike">
-                <a:solidFill>
-                  <a:srgbClr val="000000"/>
-                </a:solidFill>
-                <a:uFill>
-                  <a:solidFill>
-                    <a:srgbClr val="ffffff"/>
-                  </a:solidFill>
-                </a:uFill>
-                <a:latin typeface="Calibri"/>
-              </a:rPr>
-              <a:t>a</a:t>
-            </a:r>
-            <a:r>
-              <a:rPr b="0" lang="en-US" sz="4400" spc="-1" strike="noStrike">
-                <a:solidFill>
-                  <a:srgbClr val="000000"/>
-                </a:solidFill>
-                <a:uFill>
-                  <a:solidFill>
-                    <a:srgbClr val="ffffff"/>
-                  </a:solidFill>
-                </a:uFill>
-                <a:latin typeface="Calibri"/>
-              </a:rPr>
-              <a:t>s</a:t>
-            </a:r>
-            <a:r>
-              <a:rPr b="0" lang="en-US" sz="4400" spc="-1" strike="noStrike">
-                <a:solidFill>
-                  <a:srgbClr val="000000"/>
-                </a:solidFill>
-                <a:uFill>
-                  <a:solidFill>
-                    <a:srgbClr val="ffffff"/>
-                  </a:solidFill>
-                </a:uFill>
-                <a:latin typeface="Calibri"/>
-              </a:rPr>
-              <a:t>t</a:t>
-            </a:r>
-            <a:r>
-              <a:rPr b="0" lang="en-US" sz="4400" spc="-1" strike="noStrike">
-                <a:solidFill>
-                  <a:srgbClr val="000000"/>
-                </a:solidFill>
-                <a:uFill>
-                  <a:solidFill>
-                    <a:srgbClr val="ffffff"/>
-                  </a:solidFill>
-                </a:uFill>
-                <a:latin typeface="Calibri"/>
-              </a:rPr>
-              <a:t>e</a:t>
-            </a:r>
-            <a:r>
-              <a:rPr b="0" lang="en-US" sz="4400" spc="-1" strike="noStrike">
-                <a:solidFill>
-                  <a:srgbClr val="000000"/>
-                </a:solidFill>
-                <a:uFill>
-                  <a:solidFill>
-                    <a:srgbClr val="ffffff"/>
-                  </a:solidFill>
-                </a:uFill>
-                <a:latin typeface="Calibri"/>
-              </a:rPr>
-              <a:t>r</a:t>
-            </a:r>
-            <a:r>
-              <a:rPr b="0" lang="en-US" sz="4400" spc="-1" strike="noStrike">
-                <a:solidFill>
-                  <a:srgbClr val="000000"/>
-                </a:solidFill>
-                <a:uFill>
-                  <a:solidFill>
-                    <a:srgbClr val="ffffff"/>
-                  </a:solidFill>
-                </a:uFill>
-                <a:latin typeface="Calibri"/>
-              </a:rPr>
-              <a:t> </a:t>
-            </a:r>
-            <a:r>
-              <a:rPr b="0" lang="en-US" sz="4400" spc="-1" strike="noStrike">
-                <a:solidFill>
-                  <a:srgbClr val="000000"/>
-                </a:solidFill>
-                <a:uFill>
-                  <a:solidFill>
-                    <a:srgbClr val="ffffff"/>
-                  </a:solidFill>
-                </a:uFill>
-                <a:latin typeface="Calibri"/>
-              </a:rPr>
-              <a:t>t</a:t>
-            </a:r>
-            <a:r>
-              <a:rPr b="0" lang="en-US" sz="4400" spc="-1" strike="noStrike">
-                <a:solidFill>
-                  <a:srgbClr val="000000"/>
-                </a:solidFill>
-                <a:uFill>
-                  <a:solidFill>
-                    <a:srgbClr val="ffffff"/>
-                  </a:solidFill>
-                </a:uFill>
-                <a:latin typeface="Calibri"/>
-              </a:rPr>
-              <a:t>i</a:t>
-            </a:r>
-            <a:r>
-              <a:rPr b="0" lang="en-US" sz="4400" spc="-1" strike="noStrike">
-                <a:solidFill>
-                  <a:srgbClr val="000000"/>
-                </a:solidFill>
-                <a:uFill>
-                  <a:solidFill>
-                    <a:srgbClr val="ffffff"/>
-                  </a:solidFill>
-                </a:uFill>
-                <a:latin typeface="Calibri"/>
-              </a:rPr>
-              <a:t>t</a:t>
-            </a:r>
-            <a:r>
-              <a:rPr b="0" lang="en-US" sz="4400" spc="-1" strike="noStrike">
-                <a:solidFill>
-                  <a:srgbClr val="000000"/>
-                </a:solidFill>
-                <a:uFill>
-                  <a:solidFill>
-                    <a:srgbClr val="ffffff"/>
-                  </a:solidFill>
-                </a:uFill>
-                <a:latin typeface="Calibri"/>
-              </a:rPr>
-              <a:t>l</a:t>
-            </a:r>
-            <a:r>
-              <a:rPr b="0" lang="en-US" sz="4400" spc="-1" strike="noStrike">
-                <a:solidFill>
-                  <a:srgbClr val="000000"/>
-                </a:solidFill>
-                <a:uFill>
-                  <a:solidFill>
-                    <a:srgbClr val="ffffff"/>
-                  </a:solidFill>
-                </a:uFill>
-                <a:latin typeface="Calibri"/>
-              </a:rPr>
-              <a:t>e</a:t>
-            </a:r>
-            <a:r>
-              <a:rPr b="0" lang="en-US" sz="4400" spc="-1" strike="noStrike">
-                <a:solidFill>
-                  <a:srgbClr val="000000"/>
-                </a:solidFill>
-                <a:uFill>
-                  <a:solidFill>
-                    <a:srgbClr val="ffffff"/>
-                  </a:solidFill>
-                </a:uFill>
-                <a:latin typeface="Calibri"/>
-              </a:rPr>
-              <a:t> </a:t>
-            </a:r>
-            <a:r>
-              <a:rPr b="0" lang="en-US" sz="4400" spc="-1" strike="noStrike">
-                <a:solidFill>
-                  <a:srgbClr val="000000"/>
-                </a:solidFill>
-                <a:uFill>
-                  <a:solidFill>
-                    <a:srgbClr val="ffffff"/>
-                  </a:solidFill>
-                </a:uFill>
-                <a:latin typeface="Calibri"/>
-              </a:rPr>
-              <a:t>s</a:t>
-            </a:r>
-            <a:r>
-              <a:rPr b="0" lang="en-US" sz="4400" spc="-1" strike="noStrike">
-                <a:solidFill>
-                  <a:srgbClr val="000000"/>
-                </a:solidFill>
-                <a:uFill>
-                  <a:solidFill>
-                    <a:srgbClr val="ffffff"/>
-                  </a:solidFill>
-                </a:uFill>
-                <a:latin typeface="Calibri"/>
-              </a:rPr>
-              <a:t>t</a:t>
-            </a:r>
-            <a:r>
-              <a:rPr b="0" lang="en-US" sz="4400" spc="-1" strike="noStrike">
-                <a:solidFill>
-                  <a:srgbClr val="000000"/>
-                </a:solidFill>
-                <a:uFill>
-                  <a:solidFill>
-                    <a:srgbClr val="ffffff"/>
-                  </a:solidFill>
-                </a:uFill>
-                <a:latin typeface="Calibri"/>
-              </a:rPr>
-              <a:t>y</a:t>
-            </a:r>
-            <a:r>
-              <a:rPr b="0" lang="en-US" sz="4400" spc="-1" strike="noStrike">
-                <a:solidFill>
-                  <a:srgbClr val="000000"/>
-                </a:solidFill>
-                <a:uFill>
-                  <a:solidFill>
-                    <a:srgbClr val="ffffff"/>
-                  </a:solidFill>
-                </a:uFill>
-                <a:latin typeface="Calibri"/>
-              </a:rPr>
-              <a:t>l</a:t>
-            </a:r>
-            <a:r>
-              <a:rPr b="0" lang="en-US" sz="4400" spc="-1" strike="noStrike">
-                <a:solidFill>
-                  <a:srgbClr val="000000"/>
-                </a:solidFill>
-                <a:uFill>
-                  <a:solidFill>
-                    <a:srgbClr val="ffffff"/>
-                  </a:solidFill>
-                </a:uFill>
-                <a:latin typeface="Calibri"/>
-              </a:rPr>
-              <a:t>e</a:t>
+              <a:t>Click to edit Master title style</a:t>
             </a:r>
             <a:endParaRPr b="0" lang="en-US" sz="4400" spc="-1" strike="noStrike">
               <a:solidFill>
@@ -2115,7 +1681,7 @@
                 <a:spcPct val="100000"/>
               </a:lnSpc>
             </a:pPr>
-            <a:fld id="{20163657-B87A-4663-95CF-B77FF28DE646}" type="datetime">
+            <a:fld id="{218DB86C-F6CB-4610-8757-308EC80E93B6}" type="datetime">
               <a:rPr b="0" lang="en-US" sz="1200" spc="-1" strike="noStrike">
                 <a:solidFill>
                   <a:srgbClr val="8b8b8b"/>
@@ -2206,7 +1772,7 @@
                 <a:spcPct val="100000"/>
               </a:lnSpc>
             </a:pPr>
-            <a:fld id="{BA1FB3E5-FACA-4F7F-9AD1-030F35E6F4D0}" type="slidenum">
+            <a:fld id="{78091A45-C3C8-45EC-803F-E91344BA9F83}" type="slidenum">
               <a:rPr b="0" lang="en-US" sz="1200" spc="-1" strike="noStrike">
                 <a:solidFill>
                   <a:srgbClr val="8b8b8b"/>
@@ -7245,8 +6811,8 @@
         </p:nvSpPr>
         <p:spPr>
           <a:xfrm>
-            <a:off x="6126480" y="2834640"/>
-            <a:ext cx="822960" cy="323640"/>
+            <a:off x="5669280" y="2834640"/>
+            <a:ext cx="1280160" cy="323640"/>
           </a:xfrm>
           <a:prstGeom prst="rightArrow">
             <a:avLst>
@@ -9428,7 +8994,7 @@
         <p:spPr>
           <a:xfrm>
             <a:off x="2011680" y="2834640"/>
-            <a:ext cx="822960" cy="323640"/>
+            <a:ext cx="1371600" cy="323640"/>
           </a:xfrm>
           <a:prstGeom prst="rightArrow">
             <a:avLst>
